--- a/Assignment 2/Jarvis x spotify.pptx
+++ b/Assignment 2/Jarvis x spotify.pptx
@@ -225,7 +225,7 @@
           <a:p>
             <a:fld id="{D1CB9CF0-A540-4793-A5F3-F4917CFDDCB6}" type="datetimeFigureOut">
               <a:rPr lang="en-US" smtClean="0"/>
-              <a:t>3/25/2022</a:t>
+              <a:t>3/28/2022</a:t>
             </a:fld>
             <a:endParaRPr lang="en-US" dirty="0"/>
           </a:p>
@@ -402,7 +402,7 @@
           <a:p>
             <a:fld id="{EDA03753-A5BE-4D79-AEA9-C0A65A6F8851}" type="datetimeFigureOut">
               <a:rPr lang="en-US" smtClean="0"/>
-              <a:t>3/25/2022</a:t>
+              <a:t>3/28/2022</a:t>
             </a:fld>
             <a:endParaRPr lang="en-US" dirty="0"/>
           </a:p>
@@ -16031,17 +16031,43 @@
         <p:spPr/>
         <p:txBody>
           <a:bodyPr>
-            <a:normAutofit lnSpcReduction="10000"/>
+            <a:normAutofit/>
           </a:bodyPr>
           <a:lstStyle/>
           <a:p>
-            <a:pPr marL="0" indent="0">
-              <a:buNone/>
+            <a:pPr>
+              <a:buFontTx/>
+              <a:buChar char="-"/>
             </a:pPr>
             <a:r>
               <a:rPr lang="en-US" dirty="0"/>
-              <a:t>Lorem ipsum dolor sit amet, consectetur adipiscing elit. Ut gravida eros erat. Proin a tellus sed risus lobortis sagittis eu quis est. Duis ut aliquam nisi. Suspendisse vehicula mi diam, sit amet lacinia massa sodales ac. Fusce condimentum egestas nunc a maximus. Quisque et orci purus. Proin dolor mi, ultrices sit amet ipsum placerat, congue mattis turpis. Donec vestibulum eros eget mauris dignissim, ut ultricies dolor vi Lorem ipsum dolor sit amet, consectetur adipiscing elit. Ut gravida eros erat. Proin a tellus sed risus lobortis sagittis eu quis est. Duis ut aliquam nisi. Suspendisse vehicula mi diam, sit amet lacinia massa sodales ac. Fusce condimentum egestas nunc a maximus. </a:t>
+              <a:t>Needs to stay on top of the industry</a:t>
             </a:r>
+          </a:p>
+          <a:p>
+            <a:pPr lvl="1">
+              <a:buFontTx/>
+              <a:buChar char="-"/>
+            </a:pPr>
+            <a:r>
+              <a:rPr lang="en-US" dirty="0"/>
+              <a:t>Newly introduced: Podcasts of all kinds (learning, languages, entertainment etc.)</a:t>
+            </a:r>
+          </a:p>
+          <a:p>
+            <a:pPr lvl="1">
+              <a:buFontTx/>
+              <a:buChar char="-"/>
+            </a:pPr>
+            <a:r>
+              <a:rPr lang="en-US" dirty="0"/>
+              <a:t>The service requires expansion to uphold its monopoly of music </a:t>
+            </a:r>
+            <a:r>
+              <a:rPr lang="en-US"/>
+              <a:t>streaming services.</a:t>
+            </a:r>
+            <a:endParaRPr lang="en-US" dirty="0"/>
           </a:p>
         </p:txBody>
       </p:sp>
@@ -17962,7 +17988,7 @@
         </p:blipFill>
         <p:spPr bwMode="auto">
           <a:xfrm>
-            <a:off x="6185140" y="-454"/>
+            <a:off x="6198995" y="-454"/>
             <a:ext cx="6013688" cy="6858453"/>
           </a:xfrm>
           <a:prstGeom prst="rect">
@@ -17980,6 +18006,337 @@
           </a:extLst>
         </p:spPr>
       </p:pic>
+      <p:sp>
+        <p:nvSpPr>
+          <p:cNvPr id="11" name="Rectangle 10">
+            <a:extLst>
+              <a:ext uri="{FF2B5EF4-FFF2-40B4-BE49-F238E27FC236}">
+                <a16:creationId xmlns:a16="http://schemas.microsoft.com/office/drawing/2014/main" id="{82EB412E-5278-4051-9FE4-C20DD2DA0912}"/>
+              </a:ext>
+              <a:ext uri="{C183D7F6-B498-43B3-948B-1728B52AA6E4}">
+                <adec:decorative xmlns:adec="http://schemas.microsoft.com/office/drawing/2017/decorative" val="1"/>
+              </a:ext>
+            </a:extLst>
+          </p:cNvPr>
+          <p:cNvSpPr/>
+          <p:nvPr/>
+        </p:nvSpPr>
+        <p:spPr>
+          <a:xfrm>
+            <a:off x="6198995" y="0"/>
+            <a:ext cx="6117770" cy="6858000"/>
+          </a:xfrm>
+          <a:prstGeom prst="rect">
+            <a:avLst/>
+          </a:prstGeom>
+          <a:solidFill>
+            <a:schemeClr val="bg1">
+              <a:alpha val="72000"/>
+            </a:schemeClr>
+          </a:solidFill>
+          <a:ln>
+            <a:noFill/>
+          </a:ln>
+        </p:spPr>
+        <p:style>
+          <a:lnRef idx="2">
+            <a:schemeClr val="accent1">
+              <a:shade val="50000"/>
+            </a:schemeClr>
+          </a:lnRef>
+          <a:fillRef idx="1">
+            <a:schemeClr val="accent1"/>
+          </a:fillRef>
+          <a:effectRef idx="0">
+            <a:schemeClr val="accent1"/>
+          </a:effectRef>
+          <a:fontRef idx="minor">
+            <a:schemeClr val="lt1"/>
+          </a:fontRef>
+        </p:style>
+        <p:txBody>
+          <a:bodyPr rtlCol="0" anchor="ctr"/>
+          <a:lstStyle/>
+          <a:p>
+            <a:pPr algn="ctr"/>
+            <a:r>
+              <a:rPr lang="en-US" dirty="0"/>
+              <a:t>2</a:t>
+            </a:r>
+          </a:p>
+          <a:p>
+            <a:pPr algn="ctr"/>
+            <a:endParaRPr lang="en-US" dirty="0"/>
+          </a:p>
+          <a:p>
+            <a:pPr algn="ctr"/>
+            <a:endParaRPr lang="en-US" dirty="0"/>
+          </a:p>
+          <a:p>
+            <a:pPr algn="ctr"/>
+            <a:endParaRPr lang="en-US" dirty="0"/>
+          </a:p>
+          <a:p>
+            <a:pPr algn="ctr"/>
+            <a:endParaRPr lang="en-US" dirty="0"/>
+          </a:p>
+          <a:p>
+            <a:pPr algn="ctr"/>
+            <a:endParaRPr lang="en-US" dirty="0"/>
+          </a:p>
+          <a:p>
+            <a:pPr algn="ctr"/>
+            <a:endParaRPr lang="en-US" dirty="0"/>
+          </a:p>
+          <a:p>
+            <a:pPr algn="ctr"/>
+            <a:endParaRPr lang="en-US" dirty="0"/>
+          </a:p>
+          <a:p>
+            <a:pPr algn="ctr"/>
+            <a:endParaRPr lang="en-US" dirty="0"/>
+          </a:p>
+          <a:p>
+            <a:pPr algn="ctr"/>
+            <a:endParaRPr lang="en-US" dirty="0"/>
+          </a:p>
+          <a:p>
+            <a:pPr algn="ctr"/>
+            <a:endParaRPr lang="en-US" dirty="0"/>
+          </a:p>
+          <a:p>
+            <a:pPr algn="ctr"/>
+            <a:endParaRPr lang="en-US" dirty="0"/>
+          </a:p>
+          <a:p>
+            <a:pPr algn="ctr"/>
+            <a:endParaRPr lang="en-US" dirty="0"/>
+          </a:p>
+          <a:p>
+            <a:pPr algn="ctr"/>
+            <a:endParaRPr lang="en-US" dirty="0"/>
+          </a:p>
+          <a:p>
+            <a:pPr algn="ctr"/>
+            <a:endParaRPr lang="en-US" dirty="0"/>
+          </a:p>
+          <a:p>
+            <a:pPr algn="ctr"/>
+            <a:endParaRPr lang="en-US" dirty="0"/>
+          </a:p>
+          <a:p>
+            <a:pPr algn="ctr"/>
+            <a:endParaRPr lang="en-US" dirty="0"/>
+          </a:p>
+          <a:p>
+            <a:pPr algn="ctr"/>
+            <a:endParaRPr lang="en-US" dirty="0"/>
+          </a:p>
+          <a:p>
+            <a:pPr algn="ctr"/>
+            <a:endParaRPr lang="en-US" dirty="0"/>
+          </a:p>
+          <a:p>
+            <a:pPr algn="ctr"/>
+            <a:endParaRPr lang="en-US" dirty="0"/>
+          </a:p>
+          <a:p>
+            <a:pPr algn="ctr"/>
+            <a:endParaRPr lang="en-US" dirty="0"/>
+          </a:p>
+          <a:p>
+            <a:pPr algn="ctr"/>
+            <a:endParaRPr lang="en-US" dirty="0"/>
+          </a:p>
+          <a:p>
+            <a:pPr algn="ctr"/>
+            <a:endParaRPr lang="en-US" dirty="0"/>
+          </a:p>
+          <a:p>
+            <a:pPr algn="ctr"/>
+            <a:endParaRPr lang="en-US" dirty="0"/>
+          </a:p>
+          <a:p>
+            <a:pPr algn="ctr"/>
+            <a:endParaRPr lang="en-US" dirty="0"/>
+          </a:p>
+          <a:p>
+            <a:pPr algn="ctr"/>
+            <a:endParaRPr lang="en-US" dirty="0"/>
+          </a:p>
+          <a:p>
+            <a:pPr algn="ctr"/>
+            <a:endParaRPr lang="en-US" dirty="0"/>
+          </a:p>
+          <a:p>
+            <a:pPr algn="ctr"/>
+            <a:endParaRPr lang="en-US" dirty="0"/>
+          </a:p>
+          <a:p>
+            <a:pPr algn="ctr"/>
+            <a:endParaRPr lang="en-US" dirty="0"/>
+          </a:p>
+          <a:p>
+            <a:pPr algn="ctr"/>
+            <a:endParaRPr lang="en-US" dirty="0"/>
+          </a:p>
+          <a:p>
+            <a:pPr algn="ctr"/>
+            <a:endParaRPr lang="en-US" dirty="0"/>
+          </a:p>
+          <a:p>
+            <a:pPr algn="ctr"/>
+            <a:endParaRPr lang="en-US" dirty="0"/>
+          </a:p>
+          <a:p>
+            <a:pPr algn="ctr"/>
+            <a:endParaRPr lang="en-US" dirty="0"/>
+          </a:p>
+          <a:p>
+            <a:pPr algn="ctr"/>
+            <a:endParaRPr lang="en-US" dirty="0"/>
+          </a:p>
+          <a:p>
+            <a:pPr algn="ctr"/>
+            <a:endParaRPr lang="en-US" dirty="0"/>
+          </a:p>
+          <a:p>
+            <a:pPr algn="ctr"/>
+            <a:endParaRPr lang="en-US" dirty="0"/>
+          </a:p>
+          <a:p>
+            <a:pPr algn="ctr"/>
+            <a:endParaRPr lang="en-US" dirty="0"/>
+          </a:p>
+          <a:p>
+            <a:pPr algn="ctr"/>
+            <a:endParaRPr lang="en-US" dirty="0"/>
+          </a:p>
+          <a:p>
+            <a:pPr algn="ctr"/>
+            <a:endParaRPr lang="en-US" dirty="0"/>
+          </a:p>
+          <a:p>
+            <a:pPr algn="ctr"/>
+            <a:endParaRPr lang="en-US" dirty="0"/>
+          </a:p>
+          <a:p>
+            <a:pPr algn="ctr"/>
+            <a:endParaRPr lang="en-US" dirty="0"/>
+          </a:p>
+          <a:p>
+            <a:pPr algn="ctr"/>
+            <a:endParaRPr lang="en-US" dirty="0"/>
+          </a:p>
+          <a:p>
+            <a:pPr algn="ctr"/>
+            <a:endParaRPr lang="en-US" dirty="0"/>
+          </a:p>
+          <a:p>
+            <a:pPr algn="ctr"/>
+            <a:endParaRPr lang="en-US" dirty="0"/>
+          </a:p>
+          <a:p>
+            <a:pPr algn="ctr"/>
+            <a:endParaRPr lang="en-US" dirty="0"/>
+          </a:p>
+          <a:p>
+            <a:pPr algn="ctr"/>
+            <a:endParaRPr lang="en-US" dirty="0"/>
+          </a:p>
+          <a:p>
+            <a:pPr algn="ctr"/>
+            <a:endParaRPr lang="en-US" dirty="0"/>
+          </a:p>
+          <a:p>
+            <a:pPr algn="ctr"/>
+            <a:endParaRPr lang="en-US" dirty="0"/>
+          </a:p>
+          <a:p>
+            <a:pPr algn="ctr"/>
+            <a:endParaRPr lang="en-US" dirty="0"/>
+          </a:p>
+          <a:p>
+            <a:pPr algn="ctr"/>
+            <a:endParaRPr lang="en-US" dirty="0"/>
+          </a:p>
+          <a:p>
+            <a:pPr algn="ctr"/>
+            <a:endParaRPr lang="en-US" dirty="0"/>
+          </a:p>
+          <a:p>
+            <a:pPr algn="ctr"/>
+            <a:endParaRPr lang="en-US" dirty="0"/>
+          </a:p>
+          <a:p>
+            <a:pPr algn="ctr"/>
+            <a:endParaRPr lang="en-US" dirty="0"/>
+          </a:p>
+          <a:p>
+            <a:pPr algn="ctr"/>
+            <a:endParaRPr lang="en-US" dirty="0"/>
+          </a:p>
+          <a:p>
+            <a:pPr algn="ctr"/>
+            <a:endParaRPr lang="en-US" dirty="0"/>
+          </a:p>
+          <a:p>
+            <a:pPr algn="ctr"/>
+            <a:endParaRPr lang="en-US" dirty="0"/>
+          </a:p>
+          <a:p>
+            <a:pPr algn="ctr"/>
+            <a:endParaRPr lang="en-US" dirty="0"/>
+          </a:p>
+          <a:p>
+            <a:pPr algn="ctr"/>
+            <a:endParaRPr lang="en-US" dirty="0"/>
+          </a:p>
+          <a:p>
+            <a:pPr algn="ctr"/>
+            <a:endParaRPr lang="en-US" dirty="0"/>
+          </a:p>
+          <a:p>
+            <a:pPr algn="ctr"/>
+            <a:endParaRPr lang="en-US" dirty="0"/>
+          </a:p>
+          <a:p>
+            <a:pPr algn="ctr"/>
+            <a:endParaRPr lang="en-US" dirty="0"/>
+          </a:p>
+          <a:p>
+            <a:pPr algn="ctr"/>
+            <a:endParaRPr lang="en-US" dirty="0"/>
+          </a:p>
+          <a:p>
+            <a:pPr algn="ctr"/>
+            <a:endParaRPr lang="en-US" dirty="0"/>
+          </a:p>
+          <a:p>
+            <a:pPr algn="ctr"/>
+            <a:endParaRPr lang="en-US" dirty="0"/>
+          </a:p>
+          <a:p>
+            <a:pPr algn="ctr"/>
+            <a:endParaRPr lang="en-US" dirty="0"/>
+          </a:p>
+          <a:p>
+            <a:pPr algn="ctr"/>
+            <a:endParaRPr lang="en-US" dirty="0"/>
+          </a:p>
+          <a:p>
+            <a:pPr algn="ctr"/>
+            <a:r>
+              <a:rPr lang="en-US" dirty="0"/>
+              <a:t>+</a:t>
+            </a:r>
+          </a:p>
+          <a:p>
+            <a:pPr algn="ctr"/>
+            <a:endParaRPr lang="en-US" dirty="0"/>
+          </a:p>
+        </p:txBody>
+      </p:sp>
       <p:sp>
         <p:nvSpPr>
           <p:cNvPr id="12" name="Rectangle 11">
@@ -18460,7 +18817,25 @@
           <a:p>
             <a:r>
               <a:rPr lang="en-US" dirty="0"/>
-              <a:t>Don Norman – Affordance, signifiers, feedback (Design of everyday things)</a:t>
+              <a:t>Affordance – relationship between how an object and a user interact </a:t>
+            </a:r>
+          </a:p>
+          <a:p>
+            <a:r>
+              <a:rPr lang="en-US" dirty="0"/>
+              <a:t>Signifier – communicates the affordance to the user</a:t>
+            </a:r>
+          </a:p>
+          <a:p>
+            <a:r>
+              <a:rPr lang="en-US" dirty="0"/>
+              <a:t>Feedback – communicates an action you expect to happen as a consequence of the user’s interaction </a:t>
+            </a:r>
+          </a:p>
+          <a:p>
+            <a:r>
+              <a:rPr lang="en-US" dirty="0"/>
+              <a:t>Don Norman – Design of Everyday Things</a:t>
             </a:r>
           </a:p>
         </p:txBody>
@@ -19064,7 +19439,7 @@
           <a:p>
             <a:r>
               <a:rPr lang="en-US" dirty="0"/>
-              <a:t>SUBTITLE GOES HERE</a:t>
+              <a:t>“Unsettle the present”</a:t>
             </a:r>
           </a:p>
         </p:txBody>
@@ -19088,17 +19463,35 @@
         <p:spPr/>
         <p:txBody>
           <a:bodyPr>
-            <a:normAutofit lnSpcReduction="10000"/>
+            <a:normAutofit/>
           </a:bodyPr>
           <a:lstStyle/>
+          <a:p>
+            <a:r>
+              <a:rPr lang="en-US" dirty="0"/>
+              <a:t>Associates to future of society </a:t>
+            </a:r>
+          </a:p>
+          <a:p>
+            <a:r>
+              <a:rPr lang="en-US" dirty="0"/>
+              <a:t>Widen perspectives </a:t>
+            </a:r>
+          </a:p>
+          <a:p>
+            <a:r>
+              <a:rPr lang="en-US" dirty="0"/>
+              <a:t>A.I intelligence </a:t>
+            </a:r>
+          </a:p>
+          <a:p>
+            <a:endParaRPr lang="en-US" dirty="0"/>
+          </a:p>
           <a:p>
             <a:pPr marL="0" indent="0">
               <a:buNone/>
             </a:pPr>
-            <a:r>
-              <a:rPr lang="en-US" dirty="0"/>
-              <a:t>Lorem ipsum dolor sit amet, consectetur adipiscing elit. Ut gravida eros erat. Proin a tellus sed risus lobortis sagittis eu quis est. Duis ut aliquam nisi. Suspendisse vehicula mi diam, sit amet lacinia massa sodales ac. Fusce condimentum egestas nunc a maximus. Quisque et orci purus. Proin dolor mi, ultrices sit amet ipsum placerat, congue mattis turpis. Donec vestibulum eros eget mauris dignissim, ut ultricies dolor vi Lorem ipsum dolor sit amet, consectetur adipiscing elit. Ut gravida eros erat. Proin a tellus sed risus lobortis sagittis eu quis est. Duis ut aliquam nisi. Suspendisse vehicula mi diam, sit amet lacinia massa sodales ac. Fusce condimentum egestas nunc a maximus. </a:t>
-            </a:r>
+            <a:endParaRPr lang="en-US" dirty="0"/>
           </a:p>
         </p:txBody>
       </p:sp>
@@ -19226,19 +19619,19 @@
           <a:p>
             <a:r>
               <a:rPr lang="en-US" dirty="0"/>
-              <a:t>Lorem ipsum dolor sit amet, consectetur adipiscing elit. Ut gravida eros erat. </a:t>
+              <a:t>Find the root issue</a:t>
             </a:r>
           </a:p>
           <a:p>
             <a:r>
               <a:rPr lang="en-US" dirty="0"/>
-              <a:t>Proin a tellus sed risus lobortis sagittis eu quis est. Duis ut aliquam nisi. Suspendisse vehicula mi diam, </a:t>
+              <a:t>Make multiple solutions </a:t>
             </a:r>
           </a:p>
           <a:p>
             <a:r>
               <a:rPr lang="en-US" dirty="0"/>
-              <a:t>sit amet lacinia massa sodales ac. Fusce condimentum egestas nunc a  </a:t>
+              <a:t>Propose the best solution</a:t>
             </a:r>
           </a:p>
         </p:txBody>
@@ -19296,19 +19689,13 @@
           <a:p>
             <a:r>
               <a:rPr lang="en-US" dirty="0"/>
-              <a:t>Lorem ipsum dolor sit amet, consectetur adipiscing elit. Ut gravida eros erat. </a:t>
+              <a:t>“Solving the right problem, and doing so in a way that meets human needs and capabilities”</a:t>
             </a:r>
           </a:p>
           <a:p>
             <a:r>
               <a:rPr lang="en-US" dirty="0"/>
-              <a:t>Proin a tellus sed risus lobortis sagittis eu quis est. Duis ut aliquam nisi. Suspendisse vehicula mi diam, </a:t>
-            </a:r>
-          </a:p>
-          <a:p>
-            <a:r>
-              <a:rPr lang="en-US" dirty="0"/>
-              <a:t>sit amet lacinia massa sodales ac. Fusce condimentum egestas nunc a</a:t>
+              <a:t>“A brilliant solution to the wrong problem can be worse than no solution at all” </a:t>
             </a:r>
           </a:p>
         </p:txBody>
@@ -20479,16 +20866,37 @@
         <p:spPr/>
         <p:txBody>
           <a:bodyPr>
-            <a:normAutofit fontScale="85000" lnSpcReduction="10000"/>
+            <a:normAutofit/>
           </a:bodyPr>
           <a:lstStyle/>
           <a:p>
-            <a:pPr marL="0" indent="0">
-              <a:buNone/>
-            </a:pPr>
             <a:r>
               <a:rPr lang="en-US" dirty="0"/>
-              <a:t>Lorem ipsum dolor sit amet, consectetur adipiscing elit. Ut gravida eros erat. Proin a tellus sed risus lobortis sagittis eu quis est. Duis ut aliquam nisi. Suspendisse vehicula mi diam, sit amet lacinia massa sodales ac. Fusce condimentum egestas nunc a maximus. Quisque et orci purus. Proin dolor mi, ultrices sit amet ipsum placerat, congue mattis turpis. Donec vestibulum eros eget mauris dignissim, ut ultricies dolor viverra. Phasellus efficitur ante nec sem convallis, in ornare est accumsan. Lorem ipsum dolor sit amet, consectetur adipiscing elit. Ut gravida eros erat. Proin a tellus sed risus lobortis sagittis eu quis est. </a:t>
+              <a:t>Founded in 2006</a:t>
+            </a:r>
+          </a:p>
+          <a:p>
+            <a:r>
+              <a:rPr lang="en-US" dirty="0"/>
+              <a:t>Streaming service</a:t>
+            </a:r>
+          </a:p>
+          <a:p>
+            <a:r>
+              <a:rPr lang="en-US" dirty="0"/>
+              <a:t>Provided a solution for music records which were suffering from illegal downloads</a:t>
+            </a:r>
+          </a:p>
+          <a:p>
+            <a:r>
+              <a:rPr lang="en-US" dirty="0"/>
+              <a:t>Only available in 6 large European Countries on launch</a:t>
+            </a:r>
+          </a:p>
+          <a:p>
+            <a:r>
+              <a:rPr lang="en-US" dirty="0"/>
+              <a:t>Went through a lot of prototypes/trials before going onto other countries for full release</a:t>
             </a:r>
           </a:p>
         </p:txBody>
@@ -20567,19 +20975,54 @@
         </p:nvPicPr>
         <p:blipFill rotWithShape="1">
           <a:blip r:embed="rId2"/>
-          <a:srcRect l="9453" t="14860" r="55330" b="16026"/>
+          <a:srcRect l="9453" t="16428" r="57993" b="25664"/>
           <a:stretch/>
         </p:blipFill>
         <p:spPr>
           <a:xfrm>
-            <a:off x="5993429" y="0"/>
-            <a:ext cx="6212321" cy="6858000"/>
+            <a:off x="6459193" y="152400"/>
+            <a:ext cx="5621971" cy="5625445"/>
           </a:xfrm>
           <a:prstGeom prst="rect">
             <a:avLst/>
           </a:prstGeom>
         </p:spPr>
       </p:pic>
+      <p:sp>
+        <p:nvSpPr>
+          <p:cNvPr id="5" name="TextBox 4">
+            <a:extLst>
+              <a:ext uri="{FF2B5EF4-FFF2-40B4-BE49-F238E27FC236}">
+                <a16:creationId xmlns:a16="http://schemas.microsoft.com/office/drawing/2014/main" id="{D6AEC1AF-487F-4469-AF7B-472870C5A76B}"/>
+              </a:ext>
+            </a:extLst>
+          </p:cNvPr>
+          <p:cNvSpPr txBox="1"/>
+          <p:nvPr/>
+        </p:nvSpPr>
+        <p:spPr>
+          <a:xfrm>
+            <a:off x="6459193" y="5679397"/>
+            <a:ext cx="5746661" cy="646331"/>
+          </a:xfrm>
+          <a:prstGeom prst="rect">
+            <a:avLst/>
+          </a:prstGeom>
+          <a:noFill/>
+        </p:spPr>
+        <p:txBody>
+          <a:bodyPr wrap="square" rtlCol="0">
+            <a:spAutoFit/>
+          </a:bodyPr>
+          <a:lstStyle/>
+          <a:p>
+            <a:r>
+              <a:rPr lang="en-GB" dirty="0"/>
+              <a:t>The iterative cycle of human design – Design of Everyday Things – Don Norman</a:t>
+            </a:r>
+          </a:p>
+        </p:txBody>
+      </p:sp>
     </p:spTree>
     <p:extLst>
       <p:ext uri="{BB962C8B-B14F-4D97-AF65-F5344CB8AC3E}">
@@ -21029,14 +21472,15 @@
         </p:nvSpPr>
         <p:spPr/>
         <p:txBody>
-          <a:bodyPr/>
+          <a:bodyPr>
+            <a:normAutofit fontScale="90000"/>
+          </a:bodyPr>
           <a:lstStyle/>
           <a:p>
             <a:r>
-              <a:rPr lang="en-US" dirty="0" err="1"/>
-              <a:t>napster</a:t>
+              <a:rPr lang="en-US" dirty="0"/>
+              <a:t>Napster and music services</a:t>
             </a:r>
-            <a:endParaRPr lang="en-US" dirty="0"/>
           </a:p>
         </p:txBody>
       </p:sp>
@@ -21091,10 +21535,63 @@
         </p:nvSpPr>
         <p:spPr/>
         <p:txBody>
-          <a:bodyPr/>
+          <a:bodyPr>
+            <a:normAutofit/>
+          </a:bodyPr>
           <a:lstStyle/>
           <a:p>
-            <a:endParaRPr lang="en-US" dirty="0"/>
+            <a:pPr marL="285750" indent="-285750">
+              <a:buFont typeface="Arial" panose="020B0604020202020204" pitchFamily="34" charset="0"/>
+              <a:buChar char="•"/>
+            </a:pPr>
+            <a:r>
+              <a:rPr lang="en-US" dirty="0"/>
+              <a:t>Developed in 1998 </a:t>
+            </a:r>
+          </a:p>
+          <a:p>
+            <a:pPr marL="285750" indent="-285750">
+              <a:buFont typeface="Arial" panose="020B0604020202020204" pitchFamily="34" charset="0"/>
+              <a:buChar char="•"/>
+            </a:pPr>
+            <a:r>
+              <a:rPr lang="en-US" dirty="0"/>
+              <a:t>Music became more accessible - download induvial songs instead of buying a whole album</a:t>
+            </a:r>
+          </a:p>
+          <a:p>
+            <a:pPr marL="285750" indent="-285750">
+              <a:buFont typeface="Arial" panose="020B0604020202020204" pitchFamily="34" charset="0"/>
+              <a:buChar char="•"/>
+            </a:pPr>
+            <a:r>
+              <a:rPr lang="en-US" dirty="0"/>
+              <a:t>70 million members by 2001</a:t>
+            </a:r>
+          </a:p>
+          <a:p>
+            <a:pPr marL="285750" indent="-285750">
+              <a:buFont typeface="Arial" panose="020B0604020202020204" pitchFamily="34" charset="0"/>
+              <a:buChar char="•"/>
+            </a:pPr>
+            <a:r>
+              <a:rPr lang="en-US" dirty="0"/>
+              <a:t>CD stores lost revenue and shut down </a:t>
+            </a:r>
+          </a:p>
+          <a:p>
+            <a:pPr marL="285750" indent="-285750">
+              <a:buFont typeface="Arial" panose="020B0604020202020204" pitchFamily="34" charset="0"/>
+              <a:buChar char="•"/>
+            </a:pPr>
+            <a:r>
+              <a:rPr lang="en-US" dirty="0" err="1"/>
+              <a:t>Itunes</a:t>
+            </a:r>
+            <a:r>
+              <a:rPr lang="en-US" dirty="0"/>
+              <a:t> founded in 2003 – made distribution easier and  cheaper</a:t>
+            </a:r>
           </a:p>
         </p:txBody>
       </p:sp>
@@ -21274,10 +21771,15 @@
             <p:ph idx="1"/>
           </p:nvPr>
         </p:nvSpPr>
-        <p:spPr/>
+        <p:spPr>
+          <a:xfrm>
+            <a:off x="599167" y="2145234"/>
+            <a:ext cx="4226024" cy="1692475"/>
+          </a:xfrm>
+        </p:spPr>
         <p:txBody>
           <a:bodyPr>
-            <a:normAutofit fontScale="85000" lnSpcReduction="10000"/>
+            <a:normAutofit lnSpcReduction="10000"/>
           </a:bodyPr>
           <a:lstStyle/>
           <a:p>
@@ -21286,8 +21788,56 @@
             </a:pPr>
             <a:r>
               <a:rPr lang="en-US" dirty="0"/>
-              <a:t>Lorem ipsum dolor sit amet, consectetur adipiscing elit. Ut gravida eros erat. Proin a tellus sed risus lobortis sagittis eu quis est. Duis ut aliquam nisi. Suspendisse vehicula mi diam, sit amet lacinia massa sodales ac. Fusce condimentum egestas nunc a maximus. Quisque et orci purus. Proin dolor mi, ultrices sit amet ipsum placerat, congue mattis turpis. Donec vestibulum eros eget mauris dignissim, ut ultricies dolor viverra. Phasellus efficitur ante nec sem convallis, in ornare est accumsan. Lorem ipsum dolor sit amet, consectetur adipiscing elit. Ut gravida eros erat. Proin a tellus sed risus lobortis sagittis eu quis est. </a:t>
+              <a:t>Main Competitors: Apple Music, YouTube Music &amp; Amazon Music.</a:t>
             </a:r>
+          </a:p>
+          <a:p>
+            <a:pPr>
+              <a:buFontTx/>
+              <a:buChar char="-"/>
+            </a:pPr>
+            <a:r>
+              <a:rPr lang="en-US" dirty="0"/>
+              <a:t>Majority of revenue from subscriptions.</a:t>
+            </a:r>
+          </a:p>
+          <a:p>
+            <a:pPr>
+              <a:lnSpc>
+                <a:spcPct val="110000"/>
+              </a:lnSpc>
+              <a:buFontTx/>
+              <a:buChar char="-"/>
+            </a:pPr>
+            <a:r>
+              <a:rPr lang="en-US" dirty="0"/>
+              <a:t>Free version brings revenue through Ads</a:t>
+            </a:r>
+          </a:p>
+          <a:p>
+            <a:pPr>
+              <a:buFontTx/>
+              <a:buChar char="-"/>
+            </a:pPr>
+            <a:endParaRPr lang="en-US" dirty="0"/>
+          </a:p>
+          <a:p>
+            <a:pPr marL="0" indent="0">
+              <a:buNone/>
+            </a:pPr>
+            <a:endParaRPr lang="en-US" dirty="0"/>
+          </a:p>
+          <a:p>
+            <a:pPr marL="0" indent="0">
+              <a:buNone/>
+            </a:pPr>
+            <a:endParaRPr lang="en-US" dirty="0"/>
+          </a:p>
+          <a:p>
+            <a:pPr marL="0" indent="0">
+              <a:buNone/>
+            </a:pPr>
+            <a:endParaRPr lang="en-US" dirty="0"/>
           </a:p>
         </p:txBody>
       </p:sp>
@@ -21316,6 +21866,471 @@
               <a:rPr lang="en-US" dirty="0"/>
               <a:t>Add a Footer</a:t>
             </a:r>
+          </a:p>
+        </p:txBody>
+      </p:sp>
+      <p:sp>
+        <p:nvSpPr>
+          <p:cNvPr id="7" name="Text Placeholder 3">
+            <a:extLst>
+              <a:ext uri="{FF2B5EF4-FFF2-40B4-BE49-F238E27FC236}">
+                <a16:creationId xmlns:a16="http://schemas.microsoft.com/office/drawing/2014/main" id="{FE3658E9-09D1-4B92-9BDE-95D27F34E639}"/>
+              </a:ext>
+            </a:extLst>
+          </p:cNvPr>
+          <p:cNvSpPr txBox="1">
+            <a:spLocks/>
+          </p:cNvSpPr>
+          <p:nvPr/>
+        </p:nvSpPr>
+        <p:spPr>
+          <a:xfrm>
+            <a:off x="595884" y="3837709"/>
+            <a:ext cx="4197802" cy="407670"/>
+          </a:xfrm>
+          <a:prstGeom prst="rect">
+            <a:avLst/>
+          </a:prstGeom>
+        </p:spPr>
+        <p:txBody>
+          <a:bodyPr vert="horz" lIns="0" tIns="45720" rIns="0" bIns="45720" rtlCol="0">
+            <a:noAutofit/>
+          </a:bodyPr>
+          <a:lstStyle>
+            <a:lvl1pPr marL="0" indent="0" algn="l" defTabSz="914400" rtl="0" eaLnBrk="1" latinLnBrk="0" hangingPunct="1">
+              <a:lnSpc>
+                <a:spcPct val="90000"/>
+              </a:lnSpc>
+              <a:spcBef>
+                <a:spcPts val="1000"/>
+              </a:spcBef>
+              <a:buFont typeface="Arial" panose="020B0604020202020204" pitchFamily="34" charset="0"/>
+              <a:buNone/>
+              <a:defRPr sz="2000" kern="1200" spc="600">
+                <a:solidFill>
+                  <a:srgbClr val="2F3342"/>
+                </a:solidFill>
+                <a:latin typeface="+mj-lt"/>
+                <a:ea typeface="+mn-ea"/>
+                <a:cs typeface="+mn-cs"/>
+              </a:defRPr>
+            </a:lvl1pPr>
+            <a:lvl2pPr marL="457200" indent="0" algn="l" defTabSz="914400" rtl="0" eaLnBrk="1" latinLnBrk="0" hangingPunct="1">
+              <a:lnSpc>
+                <a:spcPct val="90000"/>
+              </a:lnSpc>
+              <a:spcBef>
+                <a:spcPts val="500"/>
+              </a:spcBef>
+              <a:buFont typeface="Arial" panose="020B0604020202020204" pitchFamily="34" charset="0"/>
+              <a:buNone/>
+              <a:defRPr sz="2000" kern="1200">
+                <a:solidFill>
+                  <a:schemeClr val="tx1">
+                    <a:tint val="75000"/>
+                  </a:schemeClr>
+                </a:solidFill>
+                <a:latin typeface="+mn-lt"/>
+                <a:ea typeface="+mn-ea"/>
+                <a:cs typeface="+mn-cs"/>
+              </a:defRPr>
+            </a:lvl2pPr>
+            <a:lvl3pPr marL="914400" indent="0" algn="l" defTabSz="914400" rtl="0" eaLnBrk="1" latinLnBrk="0" hangingPunct="1">
+              <a:lnSpc>
+                <a:spcPct val="90000"/>
+              </a:lnSpc>
+              <a:spcBef>
+                <a:spcPts val="500"/>
+              </a:spcBef>
+              <a:buFont typeface="Arial" panose="020B0604020202020204" pitchFamily="34" charset="0"/>
+              <a:buNone/>
+              <a:defRPr sz="1800" kern="1200">
+                <a:solidFill>
+                  <a:schemeClr val="tx1">
+                    <a:tint val="75000"/>
+                  </a:schemeClr>
+                </a:solidFill>
+                <a:latin typeface="+mn-lt"/>
+                <a:ea typeface="+mn-ea"/>
+                <a:cs typeface="+mn-cs"/>
+              </a:defRPr>
+            </a:lvl3pPr>
+            <a:lvl4pPr marL="1371600" indent="0" algn="l" defTabSz="914400" rtl="0" eaLnBrk="1" latinLnBrk="0" hangingPunct="1">
+              <a:lnSpc>
+                <a:spcPct val="90000"/>
+              </a:lnSpc>
+              <a:spcBef>
+                <a:spcPts val="500"/>
+              </a:spcBef>
+              <a:buFont typeface="Arial" panose="020B0604020202020204" pitchFamily="34" charset="0"/>
+              <a:buNone/>
+              <a:defRPr sz="1600" kern="1200">
+                <a:solidFill>
+                  <a:schemeClr val="tx1">
+                    <a:tint val="75000"/>
+                  </a:schemeClr>
+                </a:solidFill>
+                <a:latin typeface="+mn-lt"/>
+                <a:ea typeface="+mn-ea"/>
+                <a:cs typeface="+mn-cs"/>
+              </a:defRPr>
+            </a:lvl4pPr>
+            <a:lvl5pPr marL="1828800" indent="0" algn="l" defTabSz="914400" rtl="0" eaLnBrk="1" latinLnBrk="0" hangingPunct="1">
+              <a:lnSpc>
+                <a:spcPct val="90000"/>
+              </a:lnSpc>
+              <a:spcBef>
+                <a:spcPts val="500"/>
+              </a:spcBef>
+              <a:buFont typeface="Arial" panose="020B0604020202020204" pitchFamily="34" charset="0"/>
+              <a:buNone/>
+              <a:defRPr sz="1600" kern="1200">
+                <a:solidFill>
+                  <a:schemeClr val="tx1">
+                    <a:tint val="75000"/>
+                  </a:schemeClr>
+                </a:solidFill>
+                <a:latin typeface="+mn-lt"/>
+                <a:ea typeface="+mn-ea"/>
+                <a:cs typeface="+mn-cs"/>
+              </a:defRPr>
+            </a:lvl5pPr>
+            <a:lvl6pPr marL="2286000" indent="0" algn="l" defTabSz="914400" rtl="0" eaLnBrk="1" latinLnBrk="0" hangingPunct="1">
+              <a:lnSpc>
+                <a:spcPct val="90000"/>
+              </a:lnSpc>
+              <a:spcBef>
+                <a:spcPts val="500"/>
+              </a:spcBef>
+              <a:buFont typeface="Arial" panose="020B0604020202020204" pitchFamily="34" charset="0"/>
+              <a:buNone/>
+              <a:defRPr sz="1600" kern="1200">
+                <a:solidFill>
+                  <a:schemeClr val="tx1">
+                    <a:tint val="75000"/>
+                  </a:schemeClr>
+                </a:solidFill>
+                <a:latin typeface="+mn-lt"/>
+                <a:ea typeface="+mn-ea"/>
+                <a:cs typeface="+mn-cs"/>
+              </a:defRPr>
+            </a:lvl6pPr>
+            <a:lvl7pPr marL="2743200" indent="0" algn="l" defTabSz="914400" rtl="0" eaLnBrk="1" latinLnBrk="0" hangingPunct="1">
+              <a:lnSpc>
+                <a:spcPct val="90000"/>
+              </a:lnSpc>
+              <a:spcBef>
+                <a:spcPts val="500"/>
+              </a:spcBef>
+              <a:buFont typeface="Arial" panose="020B0604020202020204" pitchFamily="34" charset="0"/>
+              <a:buNone/>
+              <a:defRPr sz="1600" kern="1200">
+                <a:solidFill>
+                  <a:schemeClr val="tx1">
+                    <a:tint val="75000"/>
+                  </a:schemeClr>
+                </a:solidFill>
+                <a:latin typeface="+mn-lt"/>
+                <a:ea typeface="+mn-ea"/>
+                <a:cs typeface="+mn-cs"/>
+              </a:defRPr>
+            </a:lvl7pPr>
+            <a:lvl8pPr marL="3200400" indent="0" algn="l" defTabSz="914400" rtl="0" eaLnBrk="1" latinLnBrk="0" hangingPunct="1">
+              <a:lnSpc>
+                <a:spcPct val="90000"/>
+              </a:lnSpc>
+              <a:spcBef>
+                <a:spcPts val="500"/>
+              </a:spcBef>
+              <a:buFont typeface="Arial" panose="020B0604020202020204" pitchFamily="34" charset="0"/>
+              <a:buNone/>
+              <a:defRPr sz="1600" kern="1200">
+                <a:solidFill>
+                  <a:schemeClr val="tx1">
+                    <a:tint val="75000"/>
+                  </a:schemeClr>
+                </a:solidFill>
+                <a:latin typeface="+mn-lt"/>
+                <a:ea typeface="+mn-ea"/>
+                <a:cs typeface="+mn-cs"/>
+              </a:defRPr>
+            </a:lvl8pPr>
+            <a:lvl9pPr marL="3657600" indent="0" algn="l" defTabSz="914400" rtl="0" eaLnBrk="1" latinLnBrk="0" hangingPunct="1">
+              <a:lnSpc>
+                <a:spcPct val="90000"/>
+              </a:lnSpc>
+              <a:spcBef>
+                <a:spcPts val="500"/>
+              </a:spcBef>
+              <a:buFont typeface="Arial" panose="020B0604020202020204" pitchFamily="34" charset="0"/>
+              <a:buNone/>
+              <a:defRPr sz="1600" kern="1200">
+                <a:solidFill>
+                  <a:schemeClr val="tx1">
+                    <a:tint val="75000"/>
+                  </a:schemeClr>
+                </a:solidFill>
+                <a:latin typeface="+mn-lt"/>
+                <a:ea typeface="+mn-ea"/>
+                <a:cs typeface="+mn-cs"/>
+              </a:defRPr>
+            </a:lvl9pPr>
+          </a:lstStyle>
+          <a:p>
+            <a:r>
+              <a:rPr lang="en-US" dirty="0"/>
+              <a:t>Spotify as a Monopoly:</a:t>
+            </a:r>
+          </a:p>
+        </p:txBody>
+      </p:sp>
+      <p:sp>
+        <p:nvSpPr>
+          <p:cNvPr id="8" name="Content Placeholder 2">
+            <a:extLst>
+              <a:ext uri="{FF2B5EF4-FFF2-40B4-BE49-F238E27FC236}">
+                <a16:creationId xmlns:a16="http://schemas.microsoft.com/office/drawing/2014/main" id="{5B03B2C0-E461-43CC-8A3C-B98811E2A0E4}"/>
+              </a:ext>
+            </a:extLst>
+          </p:cNvPr>
+          <p:cNvSpPr txBox="1">
+            <a:spLocks/>
+          </p:cNvSpPr>
+          <p:nvPr/>
+        </p:nvSpPr>
+        <p:spPr>
+          <a:xfrm>
+            <a:off x="611804" y="4309952"/>
+            <a:ext cx="4226024" cy="1966157"/>
+          </a:xfrm>
+          <a:prstGeom prst="rect">
+            <a:avLst/>
+          </a:prstGeom>
+        </p:spPr>
+        <p:txBody>
+          <a:bodyPr vert="horz" lIns="0" tIns="45720" rIns="0" bIns="45720" rtlCol="0">
+            <a:normAutofit/>
+          </a:bodyPr>
+          <a:lstStyle>
+            <a:lvl1pPr marL="228600" indent="-228600" algn="l" defTabSz="914400" rtl="0" eaLnBrk="1" latinLnBrk="0" hangingPunct="1">
+              <a:lnSpc>
+                <a:spcPct val="150000"/>
+              </a:lnSpc>
+              <a:spcBef>
+                <a:spcPts val="1000"/>
+              </a:spcBef>
+              <a:buFont typeface="Arial" panose="020B0604020202020204" pitchFamily="34" charset="0"/>
+              <a:buChar char="•"/>
+              <a:defRPr sz="1600" kern="1200">
+                <a:solidFill>
+                  <a:srgbClr val="2F3342"/>
+                </a:solidFill>
+                <a:latin typeface="+mn-lt"/>
+                <a:ea typeface="+mn-ea"/>
+                <a:cs typeface="+mn-cs"/>
+              </a:defRPr>
+            </a:lvl1pPr>
+            <a:lvl2pPr marL="685800" indent="-228600" algn="l" defTabSz="914400" rtl="0" eaLnBrk="1" latinLnBrk="0" hangingPunct="1">
+              <a:lnSpc>
+                <a:spcPct val="150000"/>
+              </a:lnSpc>
+              <a:spcBef>
+                <a:spcPts val="500"/>
+              </a:spcBef>
+              <a:buFont typeface="Arial" panose="020B0604020202020204" pitchFamily="34" charset="0"/>
+              <a:buChar char="•"/>
+              <a:defRPr sz="1600" kern="1200">
+                <a:solidFill>
+                  <a:srgbClr val="2F3342"/>
+                </a:solidFill>
+                <a:latin typeface="+mn-lt"/>
+                <a:ea typeface="+mn-ea"/>
+                <a:cs typeface="+mn-cs"/>
+              </a:defRPr>
+            </a:lvl2pPr>
+            <a:lvl3pPr marL="1143000" indent="-228600" algn="l" defTabSz="914400" rtl="0" eaLnBrk="1" latinLnBrk="0" hangingPunct="1">
+              <a:lnSpc>
+                <a:spcPct val="150000"/>
+              </a:lnSpc>
+              <a:spcBef>
+                <a:spcPts val="500"/>
+              </a:spcBef>
+              <a:buFont typeface="Arial" panose="020B0604020202020204" pitchFamily="34" charset="0"/>
+              <a:buChar char="•"/>
+              <a:defRPr sz="1400" kern="1200">
+                <a:solidFill>
+                  <a:srgbClr val="2F3342"/>
+                </a:solidFill>
+                <a:latin typeface="+mn-lt"/>
+                <a:ea typeface="+mn-ea"/>
+                <a:cs typeface="+mn-cs"/>
+              </a:defRPr>
+            </a:lvl3pPr>
+            <a:lvl4pPr marL="1600200" indent="-228600" algn="l" defTabSz="914400" rtl="0" eaLnBrk="1" latinLnBrk="0" hangingPunct="1">
+              <a:lnSpc>
+                <a:spcPct val="150000"/>
+              </a:lnSpc>
+              <a:spcBef>
+                <a:spcPts val="500"/>
+              </a:spcBef>
+              <a:buFont typeface="Arial" panose="020B0604020202020204" pitchFamily="34" charset="0"/>
+              <a:buChar char="•"/>
+              <a:defRPr sz="1200" kern="1200">
+                <a:solidFill>
+                  <a:srgbClr val="2F3342"/>
+                </a:solidFill>
+                <a:latin typeface="+mn-lt"/>
+                <a:ea typeface="+mn-ea"/>
+                <a:cs typeface="+mn-cs"/>
+              </a:defRPr>
+            </a:lvl4pPr>
+            <a:lvl5pPr marL="2057400" indent="-228600" algn="l" defTabSz="914400" rtl="0" eaLnBrk="1" latinLnBrk="0" hangingPunct="1">
+              <a:lnSpc>
+                <a:spcPct val="150000"/>
+              </a:lnSpc>
+              <a:spcBef>
+                <a:spcPts val="500"/>
+              </a:spcBef>
+              <a:buFont typeface="Arial" panose="020B0604020202020204" pitchFamily="34" charset="0"/>
+              <a:buChar char="•"/>
+              <a:defRPr sz="1200" kern="1200">
+                <a:solidFill>
+                  <a:srgbClr val="2F3342"/>
+                </a:solidFill>
+                <a:latin typeface="+mn-lt"/>
+                <a:ea typeface="+mn-ea"/>
+                <a:cs typeface="+mn-cs"/>
+              </a:defRPr>
+            </a:lvl5pPr>
+            <a:lvl6pPr marL="2514600" indent="-228600" algn="l" defTabSz="914400" rtl="0" eaLnBrk="1" latinLnBrk="0" hangingPunct="1">
+              <a:lnSpc>
+                <a:spcPct val="90000"/>
+              </a:lnSpc>
+              <a:spcBef>
+                <a:spcPts val="500"/>
+              </a:spcBef>
+              <a:buFont typeface="Arial" panose="020B0604020202020204" pitchFamily="34" charset="0"/>
+              <a:buChar char="•"/>
+              <a:defRPr sz="1800" kern="1200">
+                <a:solidFill>
+                  <a:schemeClr val="tx1"/>
+                </a:solidFill>
+                <a:latin typeface="+mn-lt"/>
+                <a:ea typeface="+mn-ea"/>
+                <a:cs typeface="+mn-cs"/>
+              </a:defRPr>
+            </a:lvl6pPr>
+            <a:lvl7pPr marL="2971800" indent="-228600" algn="l" defTabSz="914400" rtl="0" eaLnBrk="1" latinLnBrk="0" hangingPunct="1">
+              <a:lnSpc>
+                <a:spcPct val="90000"/>
+              </a:lnSpc>
+              <a:spcBef>
+                <a:spcPts val="500"/>
+              </a:spcBef>
+              <a:buFont typeface="Arial" panose="020B0604020202020204" pitchFamily="34" charset="0"/>
+              <a:buChar char="•"/>
+              <a:defRPr sz="1800" kern="1200">
+                <a:solidFill>
+                  <a:schemeClr val="tx1"/>
+                </a:solidFill>
+                <a:latin typeface="+mn-lt"/>
+                <a:ea typeface="+mn-ea"/>
+                <a:cs typeface="+mn-cs"/>
+              </a:defRPr>
+            </a:lvl7pPr>
+            <a:lvl8pPr marL="3429000" indent="-228600" algn="l" defTabSz="914400" rtl="0" eaLnBrk="1" latinLnBrk="0" hangingPunct="1">
+              <a:lnSpc>
+                <a:spcPct val="90000"/>
+              </a:lnSpc>
+              <a:spcBef>
+                <a:spcPts val="500"/>
+              </a:spcBef>
+              <a:buFont typeface="Arial" panose="020B0604020202020204" pitchFamily="34" charset="0"/>
+              <a:buChar char="•"/>
+              <a:defRPr sz="1800" kern="1200">
+                <a:solidFill>
+                  <a:schemeClr val="tx1"/>
+                </a:solidFill>
+                <a:latin typeface="+mn-lt"/>
+                <a:ea typeface="+mn-ea"/>
+                <a:cs typeface="+mn-cs"/>
+              </a:defRPr>
+            </a:lvl8pPr>
+            <a:lvl9pPr marL="3886200" indent="-228600" algn="l" defTabSz="914400" rtl="0" eaLnBrk="1" latinLnBrk="0" hangingPunct="1">
+              <a:lnSpc>
+                <a:spcPct val="90000"/>
+              </a:lnSpc>
+              <a:spcBef>
+                <a:spcPts val="500"/>
+              </a:spcBef>
+              <a:buFont typeface="Arial" panose="020B0604020202020204" pitchFamily="34" charset="0"/>
+              <a:buChar char="•"/>
+              <a:defRPr sz="1800" kern="1200">
+                <a:solidFill>
+                  <a:schemeClr val="tx1"/>
+                </a:solidFill>
+                <a:latin typeface="+mn-lt"/>
+                <a:ea typeface="+mn-ea"/>
+                <a:cs typeface="+mn-cs"/>
+              </a:defRPr>
+            </a:lvl9pPr>
+          </a:lstStyle>
+          <a:p>
+            <a:pPr marL="0" indent="0">
+              <a:lnSpc>
+                <a:spcPct val="100000"/>
+              </a:lnSpc>
+              <a:buFont typeface="Arial" panose="020B0604020202020204" pitchFamily="34" charset="0"/>
+              <a:buNone/>
+            </a:pPr>
+            <a:r>
+              <a:rPr lang="en-US" dirty="0"/>
+              <a:t>What is a Monopoly?</a:t>
+            </a:r>
+          </a:p>
+          <a:p>
+            <a:pPr>
+              <a:lnSpc>
+                <a:spcPct val="100000"/>
+              </a:lnSpc>
+              <a:buFontTx/>
+              <a:buChar char="-"/>
+            </a:pPr>
+            <a:r>
+              <a:rPr lang="en-US" dirty="0"/>
+              <a:t>A company or business having exclusive control over a specific service.</a:t>
+            </a:r>
+          </a:p>
+          <a:p>
+            <a:pPr marL="0" indent="0">
+              <a:lnSpc>
+                <a:spcPct val="100000"/>
+              </a:lnSpc>
+              <a:buNone/>
+            </a:pPr>
+            <a:r>
+              <a:rPr lang="en-US" dirty="0"/>
+              <a:t>Strong monopoly shown through monthly listeners</a:t>
+            </a:r>
+          </a:p>
+          <a:p>
+            <a:pPr marL="0" indent="0">
+              <a:lnSpc>
+                <a:spcPct val="100000"/>
+              </a:lnSpc>
+              <a:buNone/>
+            </a:pPr>
+            <a:r>
+              <a:rPr lang="en-US" dirty="0"/>
+              <a:t>Also holds a monopoly over the “new” concept of ‘Streaming music on the Go’.</a:t>
+            </a:r>
+          </a:p>
+          <a:p>
+            <a:pPr>
+              <a:buFontTx/>
+              <a:buChar char="-"/>
+            </a:pPr>
+            <a:endParaRPr lang="en-US" dirty="0"/>
           </a:p>
         </p:txBody>
       </p:sp>
@@ -22124,6 +23139,14 @@
 </file>
 
 <file path=customXml/item1.xml><?xml version="1.0" encoding="utf-8"?>
+<p:properties xmlns:p="http://schemas.microsoft.com/office/2006/metadata/properties" xmlns:xsi="http://www.w3.org/2001/XMLSchema-instance" xmlns:pc="http://schemas.microsoft.com/office/infopath/2007/PartnerControls">
+  <documentManagement>
+    <MediaServiceKeyPoints xmlns="71af3243-3dd4-4a8d-8c0d-dd76da1f02a5" xsi:nil="true"/>
+  </documentManagement>
+</p:properties>
+</file>
+
+<file path=customXml/item2.xml><?xml version="1.0" encoding="utf-8"?>
 <ct:contentTypeSchema xmlns:ct="http://schemas.microsoft.com/office/2006/metadata/contentType" xmlns:ma="http://schemas.microsoft.com/office/2006/metadata/properties/metaAttributes" ct:_="" ma:_="" ma:contentTypeName="Document" ma:contentTypeID="0x01010079F111ED35F8CC479449609E8A0923A6" ma:contentTypeVersion="11" ma:contentTypeDescription="Create a new document." ma:contentTypeScope="" ma:versionID="96291512c1ee715ab617f4c07df79fc1">
   <xsd:schema xmlns:xsd="http://www.w3.org/2001/XMLSchema" xmlns:xs="http://www.w3.org/2001/XMLSchema" xmlns:p="http://schemas.microsoft.com/office/2006/metadata/properties" xmlns:ns2="71af3243-3dd4-4a8d-8c0d-dd76da1f02a5" xmlns:ns3="16c05727-aa75-4e4a-9b5f-8a80a1165891" targetNamespace="http://schemas.microsoft.com/office/2006/metadata/properties" ma:root="true" ma:fieldsID="8256c27c40ca5c40ce1cf6c44f0205df" ns2:_="" ns3:_="">
     <xsd:import namespace="71af3243-3dd4-4a8d-8c0d-dd76da1f02a5"/>
@@ -22334,14 +23357,6 @@
 </ct:contentTypeSchema>
 </file>
 
-<file path=customXml/item2.xml><?xml version="1.0" encoding="utf-8"?>
-<p:properties xmlns:p="http://schemas.microsoft.com/office/2006/metadata/properties" xmlns:xsi="http://www.w3.org/2001/XMLSchema-instance" xmlns:pc="http://schemas.microsoft.com/office/infopath/2007/PartnerControls">
-  <documentManagement>
-    <MediaServiceKeyPoints xmlns="71af3243-3dd4-4a8d-8c0d-dd76da1f02a5" xsi:nil="true"/>
-  </documentManagement>
-</p:properties>
-</file>
-
 <file path=customXml/item3.xml><?xml version="1.0" encoding="utf-8"?>
 <?mso-contentType ?>
 <FormTemplates xmlns="http://schemas.microsoft.com/sharepoint/v3/contenttype/forms">
@@ -22352,6 +23367,16 @@
 </file>
 
 <file path=customXml/itemProps1.xml><?xml version="1.0" encoding="utf-8"?>
+<ds:datastoreItem xmlns:ds="http://schemas.openxmlformats.org/officeDocument/2006/customXml" ds:itemID="{9B19B998-C0F0-415C-AF4D-F10DCCD30A25}">
+  <ds:schemaRefs>
+    <ds:schemaRef ds:uri="http://schemas.microsoft.com/office/2006/metadata/properties"/>
+    <ds:schemaRef ds:uri="http://schemas.microsoft.com/office/infopath/2007/PartnerControls"/>
+    <ds:schemaRef ds:uri="71af3243-3dd4-4a8d-8c0d-dd76da1f02a5"/>
+  </ds:schemaRefs>
+</ds:datastoreItem>
+</file>
+
+<file path=customXml/itemProps2.xml><?xml version="1.0" encoding="utf-8"?>
 <ds:datastoreItem xmlns:ds="http://schemas.openxmlformats.org/officeDocument/2006/customXml" ds:itemID="{6AD934DA-6EDB-4DB8-AE5C-9399A13698D6}">
   <ds:schemaRefs>
     <ds:schemaRef ds:uri="http://schemas.microsoft.com/office/2006/metadata/contentType"/>
@@ -22370,16 +23395,6 @@
 </ds:datastoreItem>
 </file>
 
-<file path=customXml/itemProps2.xml><?xml version="1.0" encoding="utf-8"?>
-<ds:datastoreItem xmlns:ds="http://schemas.openxmlformats.org/officeDocument/2006/customXml" ds:itemID="{9B19B998-C0F0-415C-AF4D-F10DCCD30A25}">
-  <ds:schemaRefs>
-    <ds:schemaRef ds:uri="http://schemas.microsoft.com/office/2006/metadata/properties"/>
-    <ds:schemaRef ds:uri="http://schemas.microsoft.com/office/infopath/2007/PartnerControls"/>
-    <ds:schemaRef ds:uri="71af3243-3dd4-4a8d-8c0d-dd76da1f02a5"/>
-  </ds:schemaRefs>
-</ds:datastoreItem>
-</file>
-
 <file path=customXml/itemProps3.xml><?xml version="1.0" encoding="utf-8"?>
 <ds:datastoreItem xmlns:ds="http://schemas.openxmlformats.org/officeDocument/2006/customXml" ds:itemID="{D27BEDAB-01B4-4BD0-9390-31AD9280078C}">
   <ds:schemaRefs>

--- a/Assignment 2/Jarvis x spotify.pptx
+++ b/Assignment 2/Jarvis x spotify.pptx
@@ -17,8 +17,8 @@
     <p:sldId id="2434" r:id="rId8"/>
     <p:sldId id="258" r:id="rId9"/>
     <p:sldId id="2440" r:id="rId10"/>
-    <p:sldId id="2432" r:id="rId11"/>
-    <p:sldId id="2443" r:id="rId12"/>
+    <p:sldId id="2443" r:id="rId11"/>
+    <p:sldId id="2432" r:id="rId12"/>
     <p:sldId id="2444" r:id="rId13"/>
     <p:sldId id="2445" r:id="rId14"/>
     <p:sldId id="2441" r:id="rId15"/>
@@ -225,7 +225,7 @@
           <a:p>
             <a:fld id="{D1CB9CF0-A540-4793-A5F3-F4917CFDDCB6}" type="datetimeFigureOut">
               <a:rPr lang="en-US" smtClean="0"/>
-              <a:t>3/28/2022</a:t>
+              <a:t>4/1/2022</a:t>
             </a:fld>
             <a:endParaRPr lang="en-US" dirty="0"/>
           </a:p>
@@ -402,7 +402,7 @@
           <a:p>
             <a:fld id="{EDA03753-A5BE-4D79-AEA9-C0A65A6F8851}" type="datetimeFigureOut">
               <a:rPr lang="en-US" smtClean="0"/>
-              <a:t>3/28/2022</a:t>
+              <a:t>4/1/2022</a:t>
             </a:fld>
             <a:endParaRPr lang="en-US" dirty="0"/>
           </a:p>
@@ -15444,14 +15444,13 @@
           <a:lstStyle/>
           <a:p>
             <a:r>
-              <a:rPr lang="en-US" dirty="0"/>
-              <a:t>Cerys, Luke &amp; Oz</a:t>
+              <a:rPr lang="en-US" dirty="0">
+                <a:solidFill>
+                  <a:srgbClr val="2F3342"/>
+                </a:solidFill>
+              </a:rPr>
+              <a:t>Oz, Luke &amp; Cerys</a:t>
             </a:r>
-            <a:endParaRPr lang="en-US" dirty="0">
-              <a:solidFill>
-                <a:srgbClr val="2F3342"/>
-              </a:solidFill>
-            </a:endParaRPr>
           </a:p>
         </p:txBody>
       </p:sp>
@@ -16007,7 +16006,7 @@
           <a:p>
             <a:r>
               <a:rPr lang="en-US" dirty="0"/>
-              <a:t>SUBTITLE GOES HERE</a:t>
+              <a:t>How can it stay number one?</a:t>
             </a:r>
           </a:p>
         </p:txBody>
@@ -16098,7 +16097,7 @@
         </p:blipFill>
         <p:spPr bwMode="auto">
           <a:xfrm>
-            <a:off x="0" y="371475"/>
+            <a:off x="-30996" y="371475"/>
             <a:ext cx="4036941" cy="6471790"/>
           </a:xfrm>
           <a:prstGeom prst="rect">
@@ -17125,8 +17124,8 @@
         </p:blipFill>
         <p:spPr bwMode="auto">
           <a:xfrm>
-            <a:off x="5280755" y="0"/>
-            <a:ext cx="6911244" cy="6911244"/>
+            <a:off x="5235431" y="0"/>
+            <a:ext cx="6956568" cy="6911244"/>
           </a:xfrm>
           <a:prstGeom prst="rect">
             <a:avLst/>
@@ -17143,6 +17142,337 @@
           </a:extLst>
         </p:spPr>
       </p:pic>
+      <p:sp>
+        <p:nvSpPr>
+          <p:cNvPr id="9" name="Rectangle 8">
+            <a:extLst>
+              <a:ext uri="{FF2B5EF4-FFF2-40B4-BE49-F238E27FC236}">
+                <a16:creationId xmlns:a16="http://schemas.microsoft.com/office/drawing/2014/main" id="{FA2859F4-D922-40E8-9116-4941B6C03F81}"/>
+              </a:ext>
+              <a:ext uri="{C183D7F6-B498-43B3-948B-1728B52AA6E4}">
+                <adec:decorative xmlns:adec="http://schemas.microsoft.com/office/drawing/2017/decorative" val="1"/>
+              </a:ext>
+            </a:extLst>
+          </p:cNvPr>
+          <p:cNvSpPr/>
+          <p:nvPr/>
+        </p:nvSpPr>
+        <p:spPr>
+          <a:xfrm>
+            <a:off x="5235431" y="0"/>
+            <a:ext cx="6956568" cy="6858000"/>
+          </a:xfrm>
+          <a:prstGeom prst="rect">
+            <a:avLst/>
+          </a:prstGeom>
+          <a:solidFill>
+            <a:schemeClr val="bg1">
+              <a:alpha val="72000"/>
+            </a:schemeClr>
+          </a:solidFill>
+          <a:ln>
+            <a:noFill/>
+          </a:ln>
+        </p:spPr>
+        <p:style>
+          <a:lnRef idx="2">
+            <a:schemeClr val="accent1">
+              <a:shade val="50000"/>
+            </a:schemeClr>
+          </a:lnRef>
+          <a:fillRef idx="1">
+            <a:schemeClr val="accent1"/>
+          </a:fillRef>
+          <a:effectRef idx="0">
+            <a:schemeClr val="accent1"/>
+          </a:effectRef>
+          <a:fontRef idx="minor">
+            <a:schemeClr val="lt1"/>
+          </a:fontRef>
+        </p:style>
+        <p:txBody>
+          <a:bodyPr rtlCol="0" anchor="ctr"/>
+          <a:lstStyle/>
+          <a:p>
+            <a:pPr algn="ctr"/>
+            <a:r>
+              <a:rPr lang="en-US" dirty="0"/>
+              <a:t>2</a:t>
+            </a:r>
+          </a:p>
+          <a:p>
+            <a:pPr algn="ctr"/>
+            <a:endParaRPr lang="en-US" dirty="0"/>
+          </a:p>
+          <a:p>
+            <a:pPr algn="ctr"/>
+            <a:endParaRPr lang="en-US" dirty="0"/>
+          </a:p>
+          <a:p>
+            <a:pPr algn="ctr"/>
+            <a:endParaRPr lang="en-US" dirty="0"/>
+          </a:p>
+          <a:p>
+            <a:pPr algn="ctr"/>
+            <a:endParaRPr lang="en-US" dirty="0"/>
+          </a:p>
+          <a:p>
+            <a:pPr algn="ctr"/>
+            <a:endParaRPr lang="en-US" dirty="0"/>
+          </a:p>
+          <a:p>
+            <a:pPr algn="ctr"/>
+            <a:endParaRPr lang="en-US" dirty="0"/>
+          </a:p>
+          <a:p>
+            <a:pPr algn="ctr"/>
+            <a:endParaRPr lang="en-US" dirty="0"/>
+          </a:p>
+          <a:p>
+            <a:pPr algn="ctr"/>
+            <a:endParaRPr lang="en-US" dirty="0"/>
+          </a:p>
+          <a:p>
+            <a:pPr algn="ctr"/>
+            <a:endParaRPr lang="en-US" dirty="0"/>
+          </a:p>
+          <a:p>
+            <a:pPr algn="ctr"/>
+            <a:endParaRPr lang="en-US" dirty="0"/>
+          </a:p>
+          <a:p>
+            <a:pPr algn="ctr"/>
+            <a:endParaRPr lang="en-US" dirty="0"/>
+          </a:p>
+          <a:p>
+            <a:pPr algn="ctr"/>
+            <a:endParaRPr lang="en-US" dirty="0"/>
+          </a:p>
+          <a:p>
+            <a:pPr algn="ctr"/>
+            <a:endParaRPr lang="en-US" dirty="0"/>
+          </a:p>
+          <a:p>
+            <a:pPr algn="ctr"/>
+            <a:endParaRPr lang="en-US" dirty="0"/>
+          </a:p>
+          <a:p>
+            <a:pPr algn="ctr"/>
+            <a:endParaRPr lang="en-US" dirty="0"/>
+          </a:p>
+          <a:p>
+            <a:pPr algn="ctr"/>
+            <a:endParaRPr lang="en-US" dirty="0"/>
+          </a:p>
+          <a:p>
+            <a:pPr algn="ctr"/>
+            <a:endParaRPr lang="en-US" dirty="0"/>
+          </a:p>
+          <a:p>
+            <a:pPr algn="ctr"/>
+            <a:endParaRPr lang="en-US" dirty="0"/>
+          </a:p>
+          <a:p>
+            <a:pPr algn="ctr"/>
+            <a:endParaRPr lang="en-US" dirty="0"/>
+          </a:p>
+          <a:p>
+            <a:pPr algn="ctr"/>
+            <a:endParaRPr lang="en-US" dirty="0"/>
+          </a:p>
+          <a:p>
+            <a:pPr algn="ctr"/>
+            <a:endParaRPr lang="en-US" dirty="0"/>
+          </a:p>
+          <a:p>
+            <a:pPr algn="ctr"/>
+            <a:endParaRPr lang="en-US" dirty="0"/>
+          </a:p>
+          <a:p>
+            <a:pPr algn="ctr"/>
+            <a:endParaRPr lang="en-US" dirty="0"/>
+          </a:p>
+          <a:p>
+            <a:pPr algn="ctr"/>
+            <a:endParaRPr lang="en-US" dirty="0"/>
+          </a:p>
+          <a:p>
+            <a:pPr algn="ctr"/>
+            <a:endParaRPr lang="en-US" dirty="0"/>
+          </a:p>
+          <a:p>
+            <a:pPr algn="ctr"/>
+            <a:endParaRPr lang="en-US" dirty="0"/>
+          </a:p>
+          <a:p>
+            <a:pPr algn="ctr"/>
+            <a:endParaRPr lang="en-US" dirty="0"/>
+          </a:p>
+          <a:p>
+            <a:pPr algn="ctr"/>
+            <a:endParaRPr lang="en-US" dirty="0"/>
+          </a:p>
+          <a:p>
+            <a:pPr algn="ctr"/>
+            <a:endParaRPr lang="en-US" dirty="0"/>
+          </a:p>
+          <a:p>
+            <a:pPr algn="ctr"/>
+            <a:endParaRPr lang="en-US" dirty="0"/>
+          </a:p>
+          <a:p>
+            <a:pPr algn="ctr"/>
+            <a:endParaRPr lang="en-US" dirty="0"/>
+          </a:p>
+          <a:p>
+            <a:pPr algn="ctr"/>
+            <a:endParaRPr lang="en-US" dirty="0"/>
+          </a:p>
+          <a:p>
+            <a:pPr algn="ctr"/>
+            <a:endParaRPr lang="en-US" dirty="0"/>
+          </a:p>
+          <a:p>
+            <a:pPr algn="ctr"/>
+            <a:endParaRPr lang="en-US" dirty="0"/>
+          </a:p>
+          <a:p>
+            <a:pPr algn="ctr"/>
+            <a:endParaRPr lang="en-US" dirty="0"/>
+          </a:p>
+          <a:p>
+            <a:pPr algn="ctr"/>
+            <a:endParaRPr lang="en-US" dirty="0"/>
+          </a:p>
+          <a:p>
+            <a:pPr algn="ctr"/>
+            <a:endParaRPr lang="en-US" dirty="0"/>
+          </a:p>
+          <a:p>
+            <a:pPr algn="ctr"/>
+            <a:endParaRPr lang="en-US" dirty="0"/>
+          </a:p>
+          <a:p>
+            <a:pPr algn="ctr"/>
+            <a:endParaRPr lang="en-US" dirty="0"/>
+          </a:p>
+          <a:p>
+            <a:pPr algn="ctr"/>
+            <a:endParaRPr lang="en-US" dirty="0"/>
+          </a:p>
+          <a:p>
+            <a:pPr algn="ctr"/>
+            <a:endParaRPr lang="en-US" dirty="0"/>
+          </a:p>
+          <a:p>
+            <a:pPr algn="ctr"/>
+            <a:endParaRPr lang="en-US" dirty="0"/>
+          </a:p>
+          <a:p>
+            <a:pPr algn="ctr"/>
+            <a:endParaRPr lang="en-US" dirty="0"/>
+          </a:p>
+          <a:p>
+            <a:pPr algn="ctr"/>
+            <a:endParaRPr lang="en-US" dirty="0"/>
+          </a:p>
+          <a:p>
+            <a:pPr algn="ctr"/>
+            <a:endParaRPr lang="en-US" dirty="0"/>
+          </a:p>
+          <a:p>
+            <a:pPr algn="ctr"/>
+            <a:endParaRPr lang="en-US" dirty="0"/>
+          </a:p>
+          <a:p>
+            <a:pPr algn="ctr"/>
+            <a:endParaRPr lang="en-US" dirty="0"/>
+          </a:p>
+          <a:p>
+            <a:pPr algn="ctr"/>
+            <a:endParaRPr lang="en-US" dirty="0"/>
+          </a:p>
+          <a:p>
+            <a:pPr algn="ctr"/>
+            <a:endParaRPr lang="en-US" dirty="0"/>
+          </a:p>
+          <a:p>
+            <a:pPr algn="ctr"/>
+            <a:endParaRPr lang="en-US" dirty="0"/>
+          </a:p>
+          <a:p>
+            <a:pPr algn="ctr"/>
+            <a:endParaRPr lang="en-US" dirty="0"/>
+          </a:p>
+          <a:p>
+            <a:pPr algn="ctr"/>
+            <a:endParaRPr lang="en-US" dirty="0"/>
+          </a:p>
+          <a:p>
+            <a:pPr algn="ctr"/>
+            <a:endParaRPr lang="en-US" dirty="0"/>
+          </a:p>
+          <a:p>
+            <a:pPr algn="ctr"/>
+            <a:endParaRPr lang="en-US" dirty="0"/>
+          </a:p>
+          <a:p>
+            <a:pPr algn="ctr"/>
+            <a:endParaRPr lang="en-US" dirty="0"/>
+          </a:p>
+          <a:p>
+            <a:pPr algn="ctr"/>
+            <a:endParaRPr lang="en-US" dirty="0"/>
+          </a:p>
+          <a:p>
+            <a:pPr algn="ctr"/>
+            <a:endParaRPr lang="en-US" dirty="0"/>
+          </a:p>
+          <a:p>
+            <a:pPr algn="ctr"/>
+            <a:endParaRPr lang="en-US" dirty="0"/>
+          </a:p>
+          <a:p>
+            <a:pPr algn="ctr"/>
+            <a:endParaRPr lang="en-US" dirty="0"/>
+          </a:p>
+          <a:p>
+            <a:pPr algn="ctr"/>
+            <a:endParaRPr lang="en-US" dirty="0"/>
+          </a:p>
+          <a:p>
+            <a:pPr algn="ctr"/>
+            <a:endParaRPr lang="en-US" dirty="0"/>
+          </a:p>
+          <a:p>
+            <a:pPr algn="ctr"/>
+            <a:endParaRPr lang="en-US" dirty="0"/>
+          </a:p>
+          <a:p>
+            <a:pPr algn="ctr"/>
+            <a:endParaRPr lang="en-US" dirty="0"/>
+          </a:p>
+          <a:p>
+            <a:pPr algn="ctr"/>
+            <a:endParaRPr lang="en-US" dirty="0"/>
+          </a:p>
+          <a:p>
+            <a:pPr algn="ctr"/>
+            <a:endParaRPr lang="en-US" dirty="0"/>
+          </a:p>
+          <a:p>
+            <a:pPr algn="ctr"/>
+            <a:r>
+              <a:rPr lang="en-US" dirty="0"/>
+              <a:t>+</a:t>
+            </a:r>
+          </a:p>
+          <a:p>
+            <a:pPr algn="ctr"/>
+            <a:endParaRPr lang="en-US" dirty="0"/>
+          </a:p>
+        </p:txBody>
+      </p:sp>
       <p:grpSp>
         <p:nvGrpSpPr>
           <p:cNvPr id="2" name="Group 1">
@@ -18832,12 +19162,6 @@
               <a:t>Feedback – communicates an action you expect to happen as a consequence of the user’s interaction </a:t>
             </a:r>
           </a:p>
-          <a:p>
-            <a:r>
-              <a:rPr lang="en-US" dirty="0"/>
-              <a:t>Don Norman – Design of Everyday Things</a:t>
-            </a:r>
-          </a:p>
         </p:txBody>
       </p:sp>
     </p:spTree>
@@ -19469,28 +19793,344 @@
           <a:p>
             <a:r>
               <a:rPr lang="en-US" dirty="0"/>
-              <a:t>Associates to future of society </a:t>
+              <a:t>Addressing big societal problems and looking towards the future</a:t>
             </a:r>
-          </a:p>
-          <a:p>
-            <a:r>
-              <a:rPr lang="en-US" dirty="0"/>
-              <a:t>Widen perspectives </a:t>
-            </a:r>
-          </a:p>
-          <a:p>
-            <a:r>
-              <a:rPr lang="en-US" dirty="0"/>
-              <a:t>A.I intelligence </a:t>
-            </a:r>
-          </a:p>
-          <a:p>
-            <a:endParaRPr lang="en-US" dirty="0"/>
           </a:p>
           <a:p>
             <a:pPr marL="0" indent="0">
               <a:buNone/>
             </a:pPr>
+            <a:endParaRPr lang="en-US" dirty="0"/>
+          </a:p>
+        </p:txBody>
+      </p:sp>
+      <p:sp>
+        <p:nvSpPr>
+          <p:cNvPr id="10" name="Rectangle 9">
+            <a:extLst>
+              <a:ext uri="{FF2B5EF4-FFF2-40B4-BE49-F238E27FC236}">
+                <a16:creationId xmlns:a16="http://schemas.microsoft.com/office/drawing/2014/main" id="{17704105-CF42-40B0-B702-8975CB537EDF}"/>
+              </a:ext>
+              <a:ext uri="{C183D7F6-B498-43B3-948B-1728B52AA6E4}">
+                <adec:decorative xmlns:adec="http://schemas.microsoft.com/office/drawing/2017/decorative" val="1"/>
+              </a:ext>
+            </a:extLst>
+          </p:cNvPr>
+          <p:cNvSpPr/>
+          <p:nvPr/>
+        </p:nvSpPr>
+        <p:spPr>
+          <a:xfrm>
+            <a:off x="17711" y="0"/>
+            <a:ext cx="5317523" cy="6858000"/>
+          </a:xfrm>
+          <a:prstGeom prst="rect">
+            <a:avLst/>
+          </a:prstGeom>
+          <a:solidFill>
+            <a:schemeClr val="bg1">
+              <a:alpha val="72000"/>
+            </a:schemeClr>
+          </a:solidFill>
+          <a:ln>
+            <a:noFill/>
+          </a:ln>
+        </p:spPr>
+        <p:style>
+          <a:lnRef idx="2">
+            <a:schemeClr val="accent1">
+              <a:shade val="50000"/>
+            </a:schemeClr>
+          </a:lnRef>
+          <a:fillRef idx="1">
+            <a:schemeClr val="accent1"/>
+          </a:fillRef>
+          <a:effectRef idx="0">
+            <a:schemeClr val="accent1"/>
+          </a:effectRef>
+          <a:fontRef idx="minor">
+            <a:schemeClr val="lt1"/>
+          </a:fontRef>
+        </p:style>
+        <p:txBody>
+          <a:bodyPr rtlCol="0" anchor="ctr"/>
+          <a:lstStyle/>
+          <a:p>
+            <a:pPr algn="ctr"/>
+            <a:r>
+              <a:rPr lang="en-US" dirty="0"/>
+              <a:t>2</a:t>
+            </a:r>
+          </a:p>
+          <a:p>
+            <a:pPr algn="ctr"/>
+            <a:endParaRPr lang="en-US" dirty="0"/>
+          </a:p>
+          <a:p>
+            <a:pPr algn="ctr"/>
+            <a:endParaRPr lang="en-US" dirty="0"/>
+          </a:p>
+          <a:p>
+            <a:pPr algn="ctr"/>
+            <a:endParaRPr lang="en-US" dirty="0"/>
+          </a:p>
+          <a:p>
+            <a:pPr algn="ctr"/>
+            <a:endParaRPr lang="en-US" dirty="0"/>
+          </a:p>
+          <a:p>
+            <a:pPr algn="ctr"/>
+            <a:endParaRPr lang="en-US" dirty="0"/>
+          </a:p>
+          <a:p>
+            <a:pPr algn="ctr"/>
+            <a:endParaRPr lang="en-US" dirty="0"/>
+          </a:p>
+          <a:p>
+            <a:pPr algn="ctr"/>
+            <a:endParaRPr lang="en-US" dirty="0"/>
+          </a:p>
+          <a:p>
+            <a:pPr algn="ctr"/>
+            <a:endParaRPr lang="en-US" dirty="0"/>
+          </a:p>
+          <a:p>
+            <a:pPr algn="ctr"/>
+            <a:endParaRPr lang="en-US" dirty="0"/>
+          </a:p>
+          <a:p>
+            <a:pPr algn="ctr"/>
+            <a:endParaRPr lang="en-US" dirty="0"/>
+          </a:p>
+          <a:p>
+            <a:pPr algn="ctr"/>
+            <a:endParaRPr lang="en-US" dirty="0"/>
+          </a:p>
+          <a:p>
+            <a:pPr algn="ctr"/>
+            <a:endParaRPr lang="en-US" dirty="0"/>
+          </a:p>
+          <a:p>
+            <a:pPr algn="ctr"/>
+            <a:endParaRPr lang="en-US" dirty="0"/>
+          </a:p>
+          <a:p>
+            <a:pPr algn="ctr"/>
+            <a:endParaRPr lang="en-US" dirty="0"/>
+          </a:p>
+          <a:p>
+            <a:pPr algn="ctr"/>
+            <a:endParaRPr lang="en-US" dirty="0"/>
+          </a:p>
+          <a:p>
+            <a:pPr algn="ctr"/>
+            <a:endParaRPr lang="en-US" dirty="0"/>
+          </a:p>
+          <a:p>
+            <a:pPr algn="ctr"/>
+            <a:endParaRPr lang="en-US" dirty="0"/>
+          </a:p>
+          <a:p>
+            <a:pPr algn="ctr"/>
+            <a:endParaRPr lang="en-US" dirty="0"/>
+          </a:p>
+          <a:p>
+            <a:pPr algn="ctr"/>
+            <a:endParaRPr lang="en-US" dirty="0"/>
+          </a:p>
+          <a:p>
+            <a:pPr algn="ctr"/>
+            <a:endParaRPr lang="en-US" dirty="0"/>
+          </a:p>
+          <a:p>
+            <a:pPr algn="ctr"/>
+            <a:endParaRPr lang="en-US" dirty="0"/>
+          </a:p>
+          <a:p>
+            <a:pPr algn="ctr"/>
+            <a:endParaRPr lang="en-US" dirty="0"/>
+          </a:p>
+          <a:p>
+            <a:pPr algn="ctr"/>
+            <a:endParaRPr lang="en-US" dirty="0"/>
+          </a:p>
+          <a:p>
+            <a:pPr algn="ctr"/>
+            <a:endParaRPr lang="en-US" dirty="0"/>
+          </a:p>
+          <a:p>
+            <a:pPr algn="ctr"/>
+            <a:endParaRPr lang="en-US" dirty="0"/>
+          </a:p>
+          <a:p>
+            <a:pPr algn="ctr"/>
+            <a:endParaRPr lang="en-US" dirty="0"/>
+          </a:p>
+          <a:p>
+            <a:pPr algn="ctr"/>
+            <a:endParaRPr lang="en-US" dirty="0"/>
+          </a:p>
+          <a:p>
+            <a:pPr algn="ctr"/>
+            <a:endParaRPr lang="en-US" dirty="0"/>
+          </a:p>
+          <a:p>
+            <a:pPr algn="ctr"/>
+            <a:endParaRPr lang="en-US" dirty="0"/>
+          </a:p>
+          <a:p>
+            <a:pPr algn="ctr"/>
+            <a:endParaRPr lang="en-US" dirty="0"/>
+          </a:p>
+          <a:p>
+            <a:pPr algn="ctr"/>
+            <a:endParaRPr lang="en-US" dirty="0"/>
+          </a:p>
+          <a:p>
+            <a:pPr algn="ctr"/>
+            <a:endParaRPr lang="en-US" dirty="0"/>
+          </a:p>
+          <a:p>
+            <a:pPr algn="ctr"/>
+            <a:endParaRPr lang="en-US" dirty="0"/>
+          </a:p>
+          <a:p>
+            <a:pPr algn="ctr"/>
+            <a:endParaRPr lang="en-US" dirty="0"/>
+          </a:p>
+          <a:p>
+            <a:pPr algn="ctr"/>
+            <a:endParaRPr lang="en-US" dirty="0"/>
+          </a:p>
+          <a:p>
+            <a:pPr algn="ctr"/>
+            <a:endParaRPr lang="en-US" dirty="0"/>
+          </a:p>
+          <a:p>
+            <a:pPr algn="ctr"/>
+            <a:endParaRPr lang="en-US" dirty="0"/>
+          </a:p>
+          <a:p>
+            <a:pPr algn="ctr"/>
+            <a:endParaRPr lang="en-US" dirty="0"/>
+          </a:p>
+          <a:p>
+            <a:pPr algn="ctr"/>
+            <a:endParaRPr lang="en-US" dirty="0"/>
+          </a:p>
+          <a:p>
+            <a:pPr algn="ctr"/>
+            <a:endParaRPr lang="en-US" dirty="0"/>
+          </a:p>
+          <a:p>
+            <a:pPr algn="ctr"/>
+            <a:endParaRPr lang="en-US" dirty="0"/>
+          </a:p>
+          <a:p>
+            <a:pPr algn="ctr"/>
+            <a:endParaRPr lang="en-US" dirty="0"/>
+          </a:p>
+          <a:p>
+            <a:pPr algn="ctr"/>
+            <a:endParaRPr lang="en-US" dirty="0"/>
+          </a:p>
+          <a:p>
+            <a:pPr algn="ctr"/>
+            <a:endParaRPr lang="en-US" dirty="0"/>
+          </a:p>
+          <a:p>
+            <a:pPr algn="ctr"/>
+            <a:endParaRPr lang="en-US" dirty="0"/>
+          </a:p>
+          <a:p>
+            <a:pPr algn="ctr"/>
+            <a:endParaRPr lang="en-US" dirty="0"/>
+          </a:p>
+          <a:p>
+            <a:pPr algn="ctr"/>
+            <a:endParaRPr lang="en-US" dirty="0"/>
+          </a:p>
+          <a:p>
+            <a:pPr algn="ctr"/>
+            <a:endParaRPr lang="en-US" dirty="0"/>
+          </a:p>
+          <a:p>
+            <a:pPr algn="ctr"/>
+            <a:endParaRPr lang="en-US" dirty="0"/>
+          </a:p>
+          <a:p>
+            <a:pPr algn="ctr"/>
+            <a:endParaRPr lang="en-US" dirty="0"/>
+          </a:p>
+          <a:p>
+            <a:pPr algn="ctr"/>
+            <a:endParaRPr lang="en-US" dirty="0"/>
+          </a:p>
+          <a:p>
+            <a:pPr algn="ctr"/>
+            <a:endParaRPr lang="en-US" dirty="0"/>
+          </a:p>
+          <a:p>
+            <a:pPr algn="ctr"/>
+            <a:endParaRPr lang="en-US" dirty="0"/>
+          </a:p>
+          <a:p>
+            <a:pPr algn="ctr"/>
+            <a:endParaRPr lang="en-US" dirty="0"/>
+          </a:p>
+          <a:p>
+            <a:pPr algn="ctr"/>
+            <a:endParaRPr lang="en-US" dirty="0"/>
+          </a:p>
+          <a:p>
+            <a:pPr algn="ctr"/>
+            <a:endParaRPr lang="en-US" dirty="0"/>
+          </a:p>
+          <a:p>
+            <a:pPr algn="ctr"/>
+            <a:endParaRPr lang="en-US" dirty="0"/>
+          </a:p>
+          <a:p>
+            <a:pPr algn="ctr"/>
+            <a:endParaRPr lang="en-US" dirty="0"/>
+          </a:p>
+          <a:p>
+            <a:pPr algn="ctr"/>
+            <a:endParaRPr lang="en-US" dirty="0"/>
+          </a:p>
+          <a:p>
+            <a:pPr algn="ctr"/>
+            <a:endParaRPr lang="en-US" dirty="0"/>
+          </a:p>
+          <a:p>
+            <a:pPr algn="ctr"/>
+            <a:endParaRPr lang="en-US" dirty="0"/>
+          </a:p>
+          <a:p>
+            <a:pPr algn="ctr"/>
+            <a:endParaRPr lang="en-US" dirty="0"/>
+          </a:p>
+          <a:p>
+            <a:pPr algn="ctr"/>
+            <a:endParaRPr lang="en-US" dirty="0"/>
+          </a:p>
+          <a:p>
+            <a:pPr algn="ctr"/>
+            <a:endParaRPr lang="en-US" dirty="0"/>
+          </a:p>
+          <a:p>
+            <a:pPr algn="ctr"/>
+            <a:endParaRPr lang="en-US" dirty="0"/>
+          </a:p>
+          <a:p>
+            <a:pPr algn="ctr"/>
+            <a:r>
+              <a:rPr lang="en-US" dirty="0"/>
+              <a:t>+</a:t>
+            </a:r>
+          </a:p>
+          <a:p>
+            <a:pPr algn="ctr"/>
             <a:endParaRPr lang="en-US" dirty="0"/>
           </a:p>
         </p:txBody>
@@ -19563,7 +20203,7 @@
             </a:r>
             <a:r>
               <a:rPr lang="en-US" dirty="0"/>
-              <a:t> – design of everyday things</a:t>
+              <a:t> – The design of everyday things</a:t>
             </a:r>
           </a:p>
         </p:txBody>
@@ -19700,6 +20340,51 @@
           </a:p>
         </p:txBody>
       </p:sp>
+      <p:pic>
+        <p:nvPicPr>
+          <p:cNvPr id="1026" name="Picture 2" descr="jnd.org">
+            <a:extLst>
+              <a:ext uri="{FF2B5EF4-FFF2-40B4-BE49-F238E27FC236}">
+                <a16:creationId xmlns:a16="http://schemas.microsoft.com/office/drawing/2014/main" id="{397E76A8-6762-4D88-9A27-6EEDF07175DC}"/>
+              </a:ext>
+            </a:extLst>
+          </p:cNvPr>
+          <p:cNvPicPr>
+            <a:picLocks noChangeAspect="1" noChangeArrowheads="1"/>
+          </p:cNvPicPr>
+          <p:nvPr/>
+        </p:nvPicPr>
+        <p:blipFill rotWithShape="1">
+          <a:blip r:embed="rId2">
+            <a:extLst>
+              <a:ext uri="{28A0092B-C50C-407E-A947-70E740481C1C}">
+                <a14:useLocalDpi xmlns:a14="http://schemas.microsoft.com/office/drawing/2010/main" val="0"/>
+              </a:ext>
+            </a:extLst>
+          </a:blip>
+          <a:srcRect t="8176"/>
+          <a:stretch/>
+        </p:blipFill>
+        <p:spPr bwMode="auto">
+          <a:xfrm>
+            <a:off x="5044654" y="1885044"/>
+            <a:ext cx="2102691" cy="2933331"/>
+          </a:xfrm>
+          <a:prstGeom prst="rect">
+            <a:avLst/>
+          </a:prstGeom>
+          <a:noFill/>
+          <a:extLst>
+            <a:ext uri="{909E8E84-426E-40DD-AFC4-6F175D3DCCD1}">
+              <a14:hiddenFill xmlns:a14="http://schemas.microsoft.com/office/drawing/2010/main">
+                <a:solidFill>
+                  <a:srgbClr val="FFFFFF"/>
+                </a:solidFill>
+              </a14:hiddenFill>
+            </a:ext>
+          </a:extLst>
+        </p:spPr>
+      </p:pic>
     </p:spTree>
     <p:extLst>
       <p:ext uri="{BB962C8B-B14F-4D97-AF65-F5344CB8AC3E}">
@@ -20793,268 +21478,6 @@
       </p:grpSpPr>
       <p:sp>
         <p:nvSpPr>
-          <p:cNvPr id="2" name="Title 1">
-            <a:extLst>
-              <a:ext uri="{FF2B5EF4-FFF2-40B4-BE49-F238E27FC236}">
-                <a16:creationId xmlns:a16="http://schemas.microsoft.com/office/drawing/2014/main" id="{C09ADB54-3897-4872-B9B3-1888BB60FDFF}"/>
-              </a:ext>
-            </a:extLst>
-          </p:cNvPr>
-          <p:cNvSpPr>
-            <a:spLocks noGrp="1"/>
-          </p:cNvSpPr>
-          <p:nvPr>
-            <p:ph type="title"/>
-          </p:nvPr>
-        </p:nvSpPr>
-        <p:spPr/>
-        <p:txBody>
-          <a:bodyPr/>
-          <a:lstStyle/>
-          <a:p>
-            <a:r>
-              <a:rPr lang="en-US" dirty="0"/>
-              <a:t>Founding</a:t>
-            </a:r>
-          </a:p>
-        </p:txBody>
-      </p:sp>
-      <p:sp>
-        <p:nvSpPr>
-          <p:cNvPr id="4" name="Text Placeholder 3">
-            <a:extLst>
-              <a:ext uri="{FF2B5EF4-FFF2-40B4-BE49-F238E27FC236}">
-                <a16:creationId xmlns:a16="http://schemas.microsoft.com/office/drawing/2014/main" id="{46E2CC9E-302A-4500-B0E3-4BE84867E197}"/>
-              </a:ext>
-            </a:extLst>
-          </p:cNvPr>
-          <p:cNvSpPr>
-            <a:spLocks noGrp="1"/>
-          </p:cNvSpPr>
-          <p:nvPr>
-            <p:ph type="body" idx="13"/>
-          </p:nvPr>
-        </p:nvSpPr>
-        <p:spPr/>
-        <p:txBody>
-          <a:bodyPr/>
-          <a:lstStyle/>
-          <a:p>
-            <a:r>
-              <a:rPr lang="en-US" dirty="0"/>
-              <a:t>Speculative Design</a:t>
-            </a:r>
-          </a:p>
-        </p:txBody>
-      </p:sp>
-      <p:sp>
-        <p:nvSpPr>
-          <p:cNvPr id="3" name="Content Placeholder 2">
-            <a:extLst>
-              <a:ext uri="{FF2B5EF4-FFF2-40B4-BE49-F238E27FC236}">
-                <a16:creationId xmlns:a16="http://schemas.microsoft.com/office/drawing/2014/main" id="{A999491B-46DB-4307-8E1A-E1066E4FBAEB}"/>
-              </a:ext>
-            </a:extLst>
-          </p:cNvPr>
-          <p:cNvSpPr>
-            <a:spLocks noGrp="1"/>
-          </p:cNvSpPr>
-          <p:nvPr>
-            <p:ph idx="1"/>
-          </p:nvPr>
-        </p:nvSpPr>
-        <p:spPr/>
-        <p:txBody>
-          <a:bodyPr>
-            <a:normAutofit/>
-          </a:bodyPr>
-          <a:lstStyle/>
-          <a:p>
-            <a:r>
-              <a:rPr lang="en-US" dirty="0"/>
-              <a:t>Founded in 2006</a:t>
-            </a:r>
-          </a:p>
-          <a:p>
-            <a:r>
-              <a:rPr lang="en-US" dirty="0"/>
-              <a:t>Streaming service</a:t>
-            </a:r>
-          </a:p>
-          <a:p>
-            <a:r>
-              <a:rPr lang="en-US" dirty="0"/>
-              <a:t>Provided a solution for music records which were suffering from illegal downloads</a:t>
-            </a:r>
-          </a:p>
-          <a:p>
-            <a:r>
-              <a:rPr lang="en-US" dirty="0"/>
-              <a:t>Only available in 6 large European Countries on launch</a:t>
-            </a:r>
-          </a:p>
-          <a:p>
-            <a:r>
-              <a:rPr lang="en-US" dirty="0"/>
-              <a:t>Went through a lot of prototypes/trials before going onto other countries for full release</a:t>
-            </a:r>
-          </a:p>
-        </p:txBody>
-      </p:sp>
-      <p:sp>
-        <p:nvSpPr>
-          <p:cNvPr id="6" name="Footer Placeholder 5">
-            <a:extLst>
-              <a:ext uri="{FF2B5EF4-FFF2-40B4-BE49-F238E27FC236}">
-                <a16:creationId xmlns:a16="http://schemas.microsoft.com/office/drawing/2014/main" id="{ED283012-E559-4D67-A1F1-07C0DEE40216}"/>
-              </a:ext>
-            </a:extLst>
-          </p:cNvPr>
-          <p:cNvSpPr>
-            <a:spLocks noGrp="1"/>
-          </p:cNvSpPr>
-          <p:nvPr>
-            <p:ph type="ftr" sz="quarter" idx="17"/>
-          </p:nvPr>
-        </p:nvSpPr>
-        <p:spPr/>
-        <p:txBody>
-          <a:bodyPr/>
-          <a:lstStyle/>
-          <a:p>
-            <a:r>
-              <a:rPr lang="en-US" dirty="0"/>
-              <a:t>Add a Footer</a:t>
-            </a:r>
-          </a:p>
-        </p:txBody>
-      </p:sp>
-      <p:sp>
-        <p:nvSpPr>
-          <p:cNvPr id="8" name="Slide Number Placeholder 7">
-            <a:extLst>
-              <a:ext uri="{FF2B5EF4-FFF2-40B4-BE49-F238E27FC236}">
-                <a16:creationId xmlns:a16="http://schemas.microsoft.com/office/drawing/2014/main" id="{69D39C07-CD0F-4304-9E26-F1075415EBEF}"/>
-              </a:ext>
-            </a:extLst>
-          </p:cNvPr>
-          <p:cNvSpPr>
-            <a:spLocks noGrp="1"/>
-          </p:cNvSpPr>
-          <p:nvPr>
-            <p:ph type="sldNum" sz="quarter" idx="18"/>
-          </p:nvPr>
-        </p:nvSpPr>
-        <p:spPr/>
-        <p:txBody>
-          <a:bodyPr/>
-          <a:lstStyle/>
-          <a:p>
-            <a:fld id="{8C2E478F-E849-4A8C-AF1F-CBCC78A7CBFA}" type="slidenum">
-              <a:rPr lang="en-US" smtClean="0"/>
-              <a:pPr/>
-              <a:t>7</a:t>
-            </a:fld>
-            <a:endParaRPr lang="en-US" dirty="0"/>
-          </a:p>
-        </p:txBody>
-      </p:sp>
-      <p:pic>
-        <p:nvPicPr>
-          <p:cNvPr id="12" name="Picture 11">
-            <a:extLst>
-              <a:ext uri="{FF2B5EF4-FFF2-40B4-BE49-F238E27FC236}">
-                <a16:creationId xmlns:a16="http://schemas.microsoft.com/office/drawing/2014/main" id="{84BC7BC6-B177-4246-A7C7-FF42DA63E0CD}"/>
-              </a:ext>
-            </a:extLst>
-          </p:cNvPr>
-          <p:cNvPicPr>
-            <a:picLocks noChangeAspect="1"/>
-          </p:cNvPicPr>
-          <p:nvPr/>
-        </p:nvPicPr>
-        <p:blipFill rotWithShape="1">
-          <a:blip r:embed="rId2"/>
-          <a:srcRect l="9453" t="16428" r="57993" b="25664"/>
-          <a:stretch/>
-        </p:blipFill>
-        <p:spPr>
-          <a:xfrm>
-            <a:off x="6459193" y="152400"/>
-            <a:ext cx="5621971" cy="5625445"/>
-          </a:xfrm>
-          <a:prstGeom prst="rect">
-            <a:avLst/>
-          </a:prstGeom>
-        </p:spPr>
-      </p:pic>
-      <p:sp>
-        <p:nvSpPr>
-          <p:cNvPr id="5" name="TextBox 4">
-            <a:extLst>
-              <a:ext uri="{FF2B5EF4-FFF2-40B4-BE49-F238E27FC236}">
-                <a16:creationId xmlns:a16="http://schemas.microsoft.com/office/drawing/2014/main" id="{D6AEC1AF-487F-4469-AF7B-472870C5A76B}"/>
-              </a:ext>
-            </a:extLst>
-          </p:cNvPr>
-          <p:cNvSpPr txBox="1"/>
-          <p:nvPr/>
-        </p:nvSpPr>
-        <p:spPr>
-          <a:xfrm>
-            <a:off x="6459193" y="5679397"/>
-            <a:ext cx="5746661" cy="646331"/>
-          </a:xfrm>
-          <a:prstGeom prst="rect">
-            <a:avLst/>
-          </a:prstGeom>
-          <a:noFill/>
-        </p:spPr>
-        <p:txBody>
-          <a:bodyPr wrap="square" rtlCol="0">
-            <a:spAutoFit/>
-          </a:bodyPr>
-          <a:lstStyle/>
-          <a:p>
-            <a:r>
-              <a:rPr lang="en-GB" dirty="0"/>
-              <a:t>The iterative cycle of human design – Design of Everyday Things – Don Norman</a:t>
-            </a:r>
-          </a:p>
-        </p:txBody>
-      </p:sp>
-    </p:spTree>
-    <p:extLst>
-      <p:ext uri="{BB962C8B-B14F-4D97-AF65-F5344CB8AC3E}">
-        <p14:creationId xmlns:p14="http://schemas.microsoft.com/office/powerpoint/2010/main" val="869470413"/>
-      </p:ext>
-    </p:extLst>
-  </p:cSld>
-  <p:clrMapOvr>
-    <a:masterClrMapping/>
-  </p:clrMapOvr>
-</p:sld>
-</file>
-
-<file path=ppt/slides/slide8.xml><?xml version="1.0" encoding="utf-8"?>
-<p:sld xmlns:a="http://schemas.openxmlformats.org/drawingml/2006/main" xmlns:r="http://schemas.openxmlformats.org/officeDocument/2006/relationships" xmlns:p="http://schemas.openxmlformats.org/presentationml/2006/main">
-  <p:cSld>
-    <p:spTree>
-      <p:nvGrpSpPr>
-        <p:cNvPr id="1" name=""/>
-        <p:cNvGrpSpPr/>
-        <p:nvPr/>
-      </p:nvGrpSpPr>
-      <p:grpSpPr>
-        <a:xfrm>
-          <a:off x="0" y="0"/>
-          <a:ext cx="0" cy="0"/>
-          <a:chOff x="0" y="0"/>
-          <a:chExt cx="0" cy="0"/>
-        </a:xfrm>
-      </p:grpSpPr>
-      <p:sp>
-        <p:nvSpPr>
           <p:cNvPr id="12" name="Rectangle 11">
             <a:extLst>
               <a:ext uri="{FF2B5EF4-FFF2-40B4-BE49-F238E27FC236}">
@@ -21622,8 +22045,55 @@
         </p:blipFill>
         <p:spPr bwMode="auto">
           <a:xfrm>
-            <a:off x="8543924" y="1794782"/>
+            <a:off x="8264954" y="0"/>
             <a:ext cx="3276601" cy="3005818"/>
+          </a:xfrm>
+          <a:prstGeom prst="rect">
+            <a:avLst/>
+          </a:prstGeom>
+          <a:noFill/>
+          <a:extLst>
+            <a:ext uri="{909E8E84-426E-40DD-AFC4-6F175D3DCCD1}">
+              <a14:hiddenFill xmlns:a14="http://schemas.microsoft.com/office/drawing/2010/main">
+                <a:solidFill>
+                  <a:srgbClr val="FFFFFF"/>
+                </a:solidFill>
+              </a14:hiddenFill>
+            </a:ext>
+          </a:extLst>
+        </p:spPr>
+      </p:pic>
+      <p:pic>
+        <p:nvPicPr>
+          <p:cNvPr id="2050" name="Picture 2" descr="How the music industry shifted from Napster to Spotify — Quartz">
+            <a:extLst>
+              <a:ext uri="{FF2B5EF4-FFF2-40B4-BE49-F238E27FC236}">
+                <a16:creationId xmlns:a16="http://schemas.microsoft.com/office/drawing/2014/main" id="{81CF97F7-1CB1-48BD-B1B9-89F4B99F8C44}"/>
+              </a:ext>
+            </a:extLst>
+          </p:cNvPr>
+          <p:cNvPicPr>
+            <a:picLocks noChangeAspect="1" noChangeArrowheads="1"/>
+          </p:cNvPicPr>
+          <p:nvPr/>
+        </p:nvPicPr>
+        <p:blipFill>
+          <a:blip r:embed="rId3">
+            <a:extLst>
+              <a:ext uri="{28A0092B-C50C-407E-A947-70E740481C1C}">
+                <a14:useLocalDpi xmlns:a14="http://schemas.microsoft.com/office/drawing/2010/main" val="0"/>
+              </a:ext>
+            </a:extLst>
+          </a:blip>
+          <a:srcRect/>
+          <a:stretch>
+            <a:fillRect/>
+          </a:stretch>
+        </p:blipFill>
+        <p:spPr bwMode="auto">
+          <a:xfrm>
+            <a:off x="7906554" y="3087211"/>
+            <a:ext cx="4117383" cy="2316028"/>
           </a:xfrm>
           <a:prstGeom prst="rect">
             <a:avLst/>
@@ -21644,6 +22114,240 @@
     <p:extLst>
       <p:ext uri="{BB962C8B-B14F-4D97-AF65-F5344CB8AC3E}">
         <p14:creationId xmlns:p14="http://schemas.microsoft.com/office/powerpoint/2010/main" val="168916925"/>
+      </p:ext>
+    </p:extLst>
+  </p:cSld>
+  <p:clrMapOvr>
+    <a:masterClrMapping/>
+  </p:clrMapOvr>
+</p:sld>
+</file>
+
+<file path=ppt/slides/slide8.xml><?xml version="1.0" encoding="utf-8"?>
+<p:sld xmlns:a="http://schemas.openxmlformats.org/drawingml/2006/main" xmlns:r="http://schemas.openxmlformats.org/officeDocument/2006/relationships" xmlns:p="http://schemas.openxmlformats.org/presentationml/2006/main">
+  <p:cSld>
+    <p:spTree>
+      <p:nvGrpSpPr>
+        <p:cNvPr id="1" name=""/>
+        <p:cNvGrpSpPr/>
+        <p:nvPr/>
+      </p:nvGrpSpPr>
+      <p:grpSpPr>
+        <a:xfrm>
+          <a:off x="0" y="0"/>
+          <a:ext cx="0" cy="0"/>
+          <a:chOff x="0" y="0"/>
+          <a:chExt cx="0" cy="0"/>
+        </a:xfrm>
+      </p:grpSpPr>
+      <p:sp>
+        <p:nvSpPr>
+          <p:cNvPr id="2" name="Title 1">
+            <a:extLst>
+              <a:ext uri="{FF2B5EF4-FFF2-40B4-BE49-F238E27FC236}">
+                <a16:creationId xmlns:a16="http://schemas.microsoft.com/office/drawing/2014/main" id="{C09ADB54-3897-4872-B9B3-1888BB60FDFF}"/>
+              </a:ext>
+            </a:extLst>
+          </p:cNvPr>
+          <p:cNvSpPr>
+            <a:spLocks noGrp="1"/>
+          </p:cNvSpPr>
+          <p:nvPr>
+            <p:ph type="title"/>
+          </p:nvPr>
+        </p:nvSpPr>
+        <p:spPr/>
+        <p:txBody>
+          <a:bodyPr/>
+          <a:lstStyle/>
+          <a:p>
+            <a:r>
+              <a:rPr lang="en-US" dirty="0"/>
+              <a:t>Founding</a:t>
+            </a:r>
+          </a:p>
+        </p:txBody>
+      </p:sp>
+      <p:sp>
+        <p:nvSpPr>
+          <p:cNvPr id="4" name="Text Placeholder 3">
+            <a:extLst>
+              <a:ext uri="{FF2B5EF4-FFF2-40B4-BE49-F238E27FC236}">
+                <a16:creationId xmlns:a16="http://schemas.microsoft.com/office/drawing/2014/main" id="{46E2CC9E-302A-4500-B0E3-4BE84867E197}"/>
+              </a:ext>
+            </a:extLst>
+          </p:cNvPr>
+          <p:cNvSpPr>
+            <a:spLocks noGrp="1"/>
+          </p:cNvSpPr>
+          <p:nvPr>
+            <p:ph type="body" idx="13"/>
+          </p:nvPr>
+        </p:nvSpPr>
+        <p:spPr/>
+        <p:txBody>
+          <a:bodyPr/>
+          <a:lstStyle/>
+          <a:p>
+            <a:r>
+              <a:rPr lang="en-US" dirty="0"/>
+              <a:t>Speculative Design</a:t>
+            </a:r>
+          </a:p>
+        </p:txBody>
+      </p:sp>
+      <p:sp>
+        <p:nvSpPr>
+          <p:cNvPr id="3" name="Content Placeholder 2">
+            <a:extLst>
+              <a:ext uri="{FF2B5EF4-FFF2-40B4-BE49-F238E27FC236}">
+                <a16:creationId xmlns:a16="http://schemas.microsoft.com/office/drawing/2014/main" id="{A999491B-46DB-4307-8E1A-E1066E4FBAEB}"/>
+              </a:ext>
+            </a:extLst>
+          </p:cNvPr>
+          <p:cNvSpPr>
+            <a:spLocks noGrp="1"/>
+          </p:cNvSpPr>
+          <p:nvPr>
+            <p:ph idx="1"/>
+          </p:nvPr>
+        </p:nvSpPr>
+        <p:spPr/>
+        <p:txBody>
+          <a:bodyPr>
+            <a:normAutofit/>
+          </a:bodyPr>
+          <a:lstStyle/>
+          <a:p>
+            <a:r>
+              <a:rPr lang="en-US" dirty="0"/>
+              <a:t>Founded in 2006</a:t>
+            </a:r>
+          </a:p>
+          <a:p>
+            <a:r>
+              <a:rPr lang="en-US" dirty="0"/>
+              <a:t>Streaming service</a:t>
+            </a:r>
+          </a:p>
+          <a:p>
+            <a:r>
+              <a:rPr lang="en-US" dirty="0"/>
+              <a:t>Provided a solution for music records which were suffering from illegal downloads</a:t>
+            </a:r>
+          </a:p>
+          <a:p>
+            <a:r>
+              <a:rPr lang="en-US" dirty="0"/>
+              <a:t>Only available in 6 large European Countries on launch</a:t>
+            </a:r>
+          </a:p>
+          <a:p>
+            <a:r>
+              <a:rPr lang="en-US" dirty="0"/>
+              <a:t>Went through a lot of prototypes/trials before going onto other countries for full release</a:t>
+            </a:r>
+          </a:p>
+        </p:txBody>
+      </p:sp>
+      <p:sp>
+        <p:nvSpPr>
+          <p:cNvPr id="8" name="Slide Number Placeholder 7">
+            <a:extLst>
+              <a:ext uri="{FF2B5EF4-FFF2-40B4-BE49-F238E27FC236}">
+                <a16:creationId xmlns:a16="http://schemas.microsoft.com/office/drawing/2014/main" id="{69D39C07-CD0F-4304-9E26-F1075415EBEF}"/>
+              </a:ext>
+            </a:extLst>
+          </p:cNvPr>
+          <p:cNvSpPr>
+            <a:spLocks noGrp="1"/>
+          </p:cNvSpPr>
+          <p:nvPr>
+            <p:ph type="sldNum" sz="quarter" idx="18"/>
+          </p:nvPr>
+        </p:nvSpPr>
+        <p:spPr/>
+        <p:txBody>
+          <a:bodyPr/>
+          <a:lstStyle/>
+          <a:p>
+            <a:fld id="{8C2E478F-E849-4A8C-AF1F-CBCC78A7CBFA}" type="slidenum">
+              <a:rPr lang="en-US" smtClean="0"/>
+              <a:pPr/>
+              <a:t>8</a:t>
+            </a:fld>
+            <a:endParaRPr lang="en-US" dirty="0"/>
+          </a:p>
+        </p:txBody>
+      </p:sp>
+      <p:pic>
+        <p:nvPicPr>
+          <p:cNvPr id="12" name="Picture 11">
+            <a:extLst>
+              <a:ext uri="{FF2B5EF4-FFF2-40B4-BE49-F238E27FC236}">
+                <a16:creationId xmlns:a16="http://schemas.microsoft.com/office/drawing/2014/main" id="{84BC7BC6-B177-4246-A7C7-FF42DA63E0CD}"/>
+              </a:ext>
+            </a:extLst>
+          </p:cNvPr>
+          <p:cNvPicPr>
+            <a:picLocks noChangeAspect="1"/>
+          </p:cNvPicPr>
+          <p:nvPr/>
+        </p:nvPicPr>
+        <p:blipFill rotWithShape="1">
+          <a:blip r:embed="rId2"/>
+          <a:srcRect l="9453" t="16428" r="57993" b="25664"/>
+          <a:stretch/>
+        </p:blipFill>
+        <p:spPr>
+          <a:xfrm>
+            <a:off x="6459193" y="152400"/>
+            <a:ext cx="5621971" cy="5625445"/>
+          </a:xfrm>
+          <a:prstGeom prst="rect">
+            <a:avLst/>
+          </a:prstGeom>
+        </p:spPr>
+      </p:pic>
+      <p:sp>
+        <p:nvSpPr>
+          <p:cNvPr id="5" name="TextBox 4">
+            <a:extLst>
+              <a:ext uri="{FF2B5EF4-FFF2-40B4-BE49-F238E27FC236}">
+                <a16:creationId xmlns:a16="http://schemas.microsoft.com/office/drawing/2014/main" id="{D6AEC1AF-487F-4469-AF7B-472870C5A76B}"/>
+              </a:ext>
+            </a:extLst>
+          </p:cNvPr>
+          <p:cNvSpPr txBox="1"/>
+          <p:nvPr/>
+        </p:nvSpPr>
+        <p:spPr>
+          <a:xfrm>
+            <a:off x="6459193" y="5679397"/>
+            <a:ext cx="5746661" cy="646331"/>
+          </a:xfrm>
+          <a:prstGeom prst="rect">
+            <a:avLst/>
+          </a:prstGeom>
+          <a:noFill/>
+        </p:spPr>
+        <p:txBody>
+          <a:bodyPr wrap="square" rtlCol="0">
+            <a:spAutoFit/>
+          </a:bodyPr>
+          <a:lstStyle/>
+          <a:p>
+            <a:r>
+              <a:rPr lang="en-GB" dirty="0"/>
+              <a:t>The iterative cycle of human design – Design of Everyday Things – Don Norman</a:t>
+            </a:r>
+          </a:p>
+        </p:txBody>
+      </p:sp>
+    </p:spTree>
+    <p:extLst>
+      <p:ext uri="{BB962C8B-B14F-4D97-AF65-F5344CB8AC3E}">
+        <p14:creationId xmlns:p14="http://schemas.microsoft.com/office/powerpoint/2010/main" val="869470413"/>
       </p:ext>
     </p:extLst>
   </p:cSld>
@@ -21838,34 +22542,6 @@
               <a:buNone/>
             </a:pPr>
             <a:endParaRPr lang="en-US" dirty="0"/>
-          </a:p>
-        </p:txBody>
-      </p:sp>
-      <p:sp>
-        <p:nvSpPr>
-          <p:cNvPr id="6" name="Footer Placeholder 5">
-            <a:extLst>
-              <a:ext uri="{FF2B5EF4-FFF2-40B4-BE49-F238E27FC236}">
-                <a16:creationId xmlns:a16="http://schemas.microsoft.com/office/drawing/2014/main" id="{ED283012-E559-4D67-A1F1-07C0DEE40216}"/>
-              </a:ext>
-            </a:extLst>
-          </p:cNvPr>
-          <p:cNvSpPr>
-            <a:spLocks noGrp="1"/>
-          </p:cNvSpPr>
-          <p:nvPr>
-            <p:ph type="ftr" sz="quarter" idx="17"/>
-          </p:nvPr>
-        </p:nvSpPr>
-        <p:spPr/>
-        <p:txBody>
-          <a:bodyPr/>
-          <a:lstStyle/>
-          <a:p>
-            <a:r>
-              <a:rPr lang="en-US" dirty="0"/>
-              <a:t>Add a Footer</a:t>
-            </a:r>
           </a:p>
         </p:txBody>
       </p:sp>
@@ -23139,14 +23815,6 @@
 </file>
 
 <file path=customXml/item1.xml><?xml version="1.0" encoding="utf-8"?>
-<p:properties xmlns:p="http://schemas.microsoft.com/office/2006/metadata/properties" xmlns:xsi="http://www.w3.org/2001/XMLSchema-instance" xmlns:pc="http://schemas.microsoft.com/office/infopath/2007/PartnerControls">
-  <documentManagement>
-    <MediaServiceKeyPoints xmlns="71af3243-3dd4-4a8d-8c0d-dd76da1f02a5" xsi:nil="true"/>
-  </documentManagement>
-</p:properties>
-</file>
-
-<file path=customXml/item2.xml><?xml version="1.0" encoding="utf-8"?>
 <ct:contentTypeSchema xmlns:ct="http://schemas.microsoft.com/office/2006/metadata/contentType" xmlns:ma="http://schemas.microsoft.com/office/2006/metadata/properties/metaAttributes" ct:_="" ma:_="" ma:contentTypeName="Document" ma:contentTypeID="0x01010079F111ED35F8CC479449609E8A0923A6" ma:contentTypeVersion="11" ma:contentTypeDescription="Create a new document." ma:contentTypeScope="" ma:versionID="96291512c1ee715ab617f4c07df79fc1">
   <xsd:schema xmlns:xsd="http://www.w3.org/2001/XMLSchema" xmlns:xs="http://www.w3.org/2001/XMLSchema" xmlns:p="http://schemas.microsoft.com/office/2006/metadata/properties" xmlns:ns2="71af3243-3dd4-4a8d-8c0d-dd76da1f02a5" xmlns:ns3="16c05727-aa75-4e4a-9b5f-8a80a1165891" targetNamespace="http://schemas.microsoft.com/office/2006/metadata/properties" ma:root="true" ma:fieldsID="8256c27c40ca5c40ce1cf6c44f0205df" ns2:_="" ns3:_="">
     <xsd:import namespace="71af3243-3dd4-4a8d-8c0d-dd76da1f02a5"/>
@@ -23357,6 +24025,14 @@
 </ct:contentTypeSchema>
 </file>
 
+<file path=customXml/item2.xml><?xml version="1.0" encoding="utf-8"?>
+<p:properties xmlns:p="http://schemas.microsoft.com/office/2006/metadata/properties" xmlns:xsi="http://www.w3.org/2001/XMLSchema-instance" xmlns:pc="http://schemas.microsoft.com/office/infopath/2007/PartnerControls">
+  <documentManagement>
+    <MediaServiceKeyPoints xmlns="71af3243-3dd4-4a8d-8c0d-dd76da1f02a5" xsi:nil="true"/>
+  </documentManagement>
+</p:properties>
+</file>
+
 <file path=customXml/item3.xml><?xml version="1.0" encoding="utf-8"?>
 <?mso-contentType ?>
 <FormTemplates xmlns="http://schemas.microsoft.com/sharepoint/v3/contenttype/forms">
@@ -23367,16 +24043,6 @@
 </file>
 
 <file path=customXml/itemProps1.xml><?xml version="1.0" encoding="utf-8"?>
-<ds:datastoreItem xmlns:ds="http://schemas.openxmlformats.org/officeDocument/2006/customXml" ds:itemID="{9B19B998-C0F0-415C-AF4D-F10DCCD30A25}">
-  <ds:schemaRefs>
-    <ds:schemaRef ds:uri="http://schemas.microsoft.com/office/2006/metadata/properties"/>
-    <ds:schemaRef ds:uri="http://schemas.microsoft.com/office/infopath/2007/PartnerControls"/>
-    <ds:schemaRef ds:uri="71af3243-3dd4-4a8d-8c0d-dd76da1f02a5"/>
-  </ds:schemaRefs>
-</ds:datastoreItem>
-</file>
-
-<file path=customXml/itemProps2.xml><?xml version="1.0" encoding="utf-8"?>
 <ds:datastoreItem xmlns:ds="http://schemas.openxmlformats.org/officeDocument/2006/customXml" ds:itemID="{6AD934DA-6EDB-4DB8-AE5C-9399A13698D6}">
   <ds:schemaRefs>
     <ds:schemaRef ds:uri="http://schemas.microsoft.com/office/2006/metadata/contentType"/>
@@ -23395,6 +24061,16 @@
 </ds:datastoreItem>
 </file>
 
+<file path=customXml/itemProps2.xml><?xml version="1.0" encoding="utf-8"?>
+<ds:datastoreItem xmlns:ds="http://schemas.openxmlformats.org/officeDocument/2006/customXml" ds:itemID="{9B19B998-C0F0-415C-AF4D-F10DCCD30A25}">
+  <ds:schemaRefs>
+    <ds:schemaRef ds:uri="http://schemas.microsoft.com/office/2006/metadata/properties"/>
+    <ds:schemaRef ds:uri="http://schemas.microsoft.com/office/infopath/2007/PartnerControls"/>
+    <ds:schemaRef ds:uri="71af3243-3dd4-4a8d-8c0d-dd76da1f02a5"/>
+  </ds:schemaRefs>
+</ds:datastoreItem>
+</file>
+
 <file path=customXml/itemProps3.xml><?xml version="1.0" encoding="utf-8"?>
 <ds:datastoreItem xmlns:ds="http://schemas.openxmlformats.org/officeDocument/2006/customXml" ds:itemID="{D27BEDAB-01B4-4BD0-9390-31AD9280078C}">
   <ds:schemaRefs>

--- a/Assignment 2/Jarvis x spotify.pptx
+++ b/Assignment 2/Jarvis x spotify.pptx
@@ -5,23 +5,25 @@
     <p:sldMasterId id="2147483648" r:id="rId4"/>
   </p:sldMasterIdLst>
   <p:notesMasterIdLst>
-    <p:notesMasterId r:id="rId16"/>
+    <p:notesMasterId r:id="rId18"/>
   </p:notesMasterIdLst>
   <p:handoutMasterIdLst>
-    <p:handoutMasterId r:id="rId17"/>
+    <p:handoutMasterId r:id="rId19"/>
   </p:handoutMasterIdLst>
   <p:sldIdLst>
     <p:sldId id="256" r:id="rId5"/>
     <p:sldId id="2439" r:id="rId6"/>
     <p:sldId id="260" r:id="rId7"/>
-    <p:sldId id="2434" r:id="rId8"/>
-    <p:sldId id="258" r:id="rId9"/>
+    <p:sldId id="258" r:id="rId8"/>
+    <p:sldId id="2434" r:id="rId9"/>
     <p:sldId id="2440" r:id="rId10"/>
     <p:sldId id="2443" r:id="rId11"/>
     <p:sldId id="2432" r:id="rId12"/>
     <p:sldId id="2444" r:id="rId13"/>
     <p:sldId id="2445" r:id="rId14"/>
-    <p:sldId id="2441" r:id="rId15"/>
+    <p:sldId id="2447" r:id="rId15"/>
+    <p:sldId id="2448" r:id="rId16"/>
+    <p:sldId id="2441" r:id="rId17"/>
   </p:sldIdLst>
   <p:sldSz cx="12192000" cy="6858000"/>
   <p:notesSz cx="6858000" cy="9144000"/>
@@ -225,7 +227,7 @@
           <a:p>
             <a:fld id="{D1CB9CF0-A540-4793-A5F3-F4917CFDDCB6}" type="datetimeFigureOut">
               <a:rPr lang="en-US" smtClean="0"/>
-              <a:t>4/1/2022</a:t>
+              <a:t>4/7/2022</a:t>
             </a:fld>
             <a:endParaRPr lang="en-US" dirty="0"/>
           </a:p>
@@ -402,7 +404,7 @@
           <a:p>
             <a:fld id="{EDA03753-A5BE-4D79-AEA9-C0A65A6F8851}" type="datetimeFigureOut">
               <a:rPr lang="en-US" smtClean="0"/>
-              <a:t>4/1/2022</a:t>
+              <a:t>4/7/2022</a:t>
             </a:fld>
             <a:endParaRPr lang="en-US" dirty="0"/>
           </a:p>
@@ -16131,6 +16133,1255 @@
 <file path=ppt/slides/slide11.xml><?xml version="1.0" encoding="utf-8"?>
 <p:sld xmlns:a="http://schemas.openxmlformats.org/drawingml/2006/main" xmlns:r="http://schemas.openxmlformats.org/officeDocument/2006/relationships" xmlns:p="http://schemas.openxmlformats.org/presentationml/2006/main">
   <p:cSld>
+    <p:spTree>
+      <p:nvGrpSpPr>
+        <p:cNvPr id="1" name=""/>
+        <p:cNvGrpSpPr/>
+        <p:nvPr/>
+      </p:nvGrpSpPr>
+      <p:grpSpPr>
+        <a:xfrm>
+          <a:off x="0" y="0"/>
+          <a:ext cx="0" cy="0"/>
+          <a:chOff x="0" y="0"/>
+          <a:chExt cx="0" cy="0"/>
+        </a:xfrm>
+      </p:grpSpPr>
+      <p:sp>
+        <p:nvSpPr>
+          <p:cNvPr id="3" name="Slide Number Placeholder 2">
+            <a:extLst>
+              <a:ext uri="{FF2B5EF4-FFF2-40B4-BE49-F238E27FC236}">
+                <a16:creationId xmlns:a16="http://schemas.microsoft.com/office/drawing/2014/main" id="{F84A6A36-BFC0-43F7-8D52-046D4878C8F0}"/>
+              </a:ext>
+            </a:extLst>
+          </p:cNvPr>
+          <p:cNvSpPr>
+            <a:spLocks noGrp="1"/>
+          </p:cNvSpPr>
+          <p:nvPr>
+            <p:ph type="sldNum" sz="quarter" idx="11"/>
+          </p:nvPr>
+        </p:nvSpPr>
+        <p:spPr/>
+        <p:txBody>
+          <a:bodyPr/>
+          <a:lstStyle/>
+          <a:p>
+            <a:fld id="{8C2E478F-E849-4A8C-AF1F-CBCC78A7CBFA}" type="slidenum">
+              <a:rPr lang="en-US" smtClean="0"/>
+              <a:pPr/>
+              <a:t>11</a:t>
+            </a:fld>
+            <a:endParaRPr lang="en-US" dirty="0"/>
+          </a:p>
+        </p:txBody>
+      </p:sp>
+      <p:sp>
+        <p:nvSpPr>
+          <p:cNvPr id="4" name="TextBox 3">
+            <a:extLst>
+              <a:ext uri="{FF2B5EF4-FFF2-40B4-BE49-F238E27FC236}">
+                <a16:creationId xmlns:a16="http://schemas.microsoft.com/office/drawing/2014/main" id="{43BA2787-CB8C-4858-B1BE-966095FA2C28}"/>
+              </a:ext>
+            </a:extLst>
+          </p:cNvPr>
+          <p:cNvSpPr txBox="1"/>
+          <p:nvPr/>
+        </p:nvSpPr>
+        <p:spPr>
+          <a:xfrm>
+            <a:off x="0" y="0"/>
+            <a:ext cx="12191999" cy="8325356"/>
+          </a:xfrm>
+          <a:prstGeom prst="rect">
+            <a:avLst/>
+          </a:prstGeom>
+          <a:noFill/>
+        </p:spPr>
+        <p:txBody>
+          <a:bodyPr wrap="square" rtlCol="0">
+            <a:spAutoFit/>
+          </a:bodyPr>
+          <a:lstStyle/>
+          <a:p>
+            <a:pPr rtl="0">
+              <a:spcBef>
+                <a:spcPts val="0"/>
+              </a:spcBef>
+              <a:spcAft>
+                <a:spcPts val="0"/>
+              </a:spcAft>
+            </a:pPr>
+            <a:r>
+              <a:rPr lang="en-GB" sz="1400" b="1" u="sng" dirty="0">
+                <a:effectLst/>
+              </a:rPr>
+              <a:t>Spotify References</a:t>
+            </a:r>
+            <a:endParaRPr lang="en-GB" sz="1400" b="0" dirty="0">
+              <a:effectLst/>
+            </a:endParaRPr>
+          </a:p>
+          <a:p>
+            <a:pPr rtl="0">
+              <a:spcBef>
+                <a:spcPts val="0"/>
+              </a:spcBef>
+              <a:spcAft>
+                <a:spcPts val="0"/>
+              </a:spcAft>
+            </a:pPr>
+            <a:endParaRPr lang="en-GB" sz="1100" i="0" u="none" strike="noStrike" dirty="0">
+              <a:solidFill>
+                <a:srgbClr val="000000"/>
+              </a:solidFill>
+              <a:latin typeface="Arial" panose="020B0604020202020204" pitchFamily="34" charset="0"/>
+            </a:endParaRPr>
+          </a:p>
+          <a:p>
+            <a:pPr rtl="0">
+              <a:spcBef>
+                <a:spcPts val="0"/>
+              </a:spcBef>
+              <a:spcAft>
+                <a:spcPts val="0"/>
+              </a:spcAft>
+            </a:pPr>
+            <a:r>
+              <a:rPr lang="en-GB" sz="1000" b="1" i="0" u="none" strike="noStrike" dirty="0">
+                <a:solidFill>
+                  <a:srgbClr val="000000"/>
+                </a:solidFill>
+                <a:effectLst/>
+                <a:latin typeface="Arial" panose="020B0604020202020204" pitchFamily="34" charset="0"/>
+              </a:rPr>
+              <a:t>The Spotify Effect: Digital Distribution and Financial Growth</a:t>
+            </a:r>
+            <a:br>
+              <a:rPr lang="en-GB" sz="1000" b="0" dirty="0">
+                <a:effectLst/>
+              </a:rPr>
+            </a:br>
+            <a:r>
+              <a:rPr lang="en-GB" sz="1000" b="0" i="0" u="sng" strike="noStrike" dirty="0">
+                <a:solidFill>
+                  <a:srgbClr val="1155CC"/>
+                </a:solidFill>
+                <a:effectLst/>
+                <a:latin typeface="Arial" panose="020B0604020202020204" pitchFamily="34" charset="0"/>
+                <a:hlinkClick r:id="rId2"/>
+              </a:rPr>
+              <a:t>https://journals-sagepub-com.ezproxy.uwe.ac.uk/doi/full/10.1177/1527476417741200?utm_source=summon&amp;utm_medium=discovery-provider</a:t>
+            </a:r>
+            <a:endParaRPr lang="en-GB" sz="1000" b="0" dirty="0">
+              <a:effectLst/>
+            </a:endParaRPr>
+          </a:p>
+          <a:p>
+            <a:endParaRPr lang="en-GB" sz="1000" dirty="0"/>
+          </a:p>
+          <a:p>
+            <a:r>
+              <a:rPr lang="en-GB" sz="1000" b="1" i="0" u="none" strike="noStrike" dirty="0">
+                <a:solidFill>
+                  <a:srgbClr val="000000"/>
+                </a:solidFill>
+                <a:effectLst/>
+                <a:latin typeface="Arial" panose="020B0604020202020204" pitchFamily="34" charset="0"/>
+              </a:rPr>
+              <a:t>Spotify financial results show struggle to make streaming music more profitable (BIBLIOGRAPHY FROM THE SPOTIFY EFFECT)</a:t>
+            </a:r>
+            <a:r>
+              <a:rPr lang="en-GB" sz="1000" b="0" i="0" u="none" strike="noStrike" dirty="0">
+                <a:solidFill>
+                  <a:srgbClr val="000000"/>
+                </a:solidFill>
+                <a:effectLst/>
+                <a:latin typeface="Arial" panose="020B0604020202020204" pitchFamily="34" charset="0"/>
+              </a:rPr>
+              <a:t> </a:t>
+            </a:r>
+          </a:p>
+          <a:p>
+            <a:r>
+              <a:rPr lang="en-GB" sz="1000" b="0" i="0" u="sng" strike="noStrike" dirty="0">
+                <a:solidFill>
+                  <a:srgbClr val="1155CC"/>
+                </a:solidFill>
+                <a:effectLst/>
+                <a:latin typeface="Arial" panose="020B0604020202020204" pitchFamily="34" charset="0"/>
+                <a:hlinkClick r:id="rId3"/>
+              </a:rPr>
+              <a:t>https://www.theguardian.com/technology/2015/may/11/spotify-financial-results-streaming-music-profitable</a:t>
+            </a:r>
+            <a:endParaRPr lang="en-GB" sz="1000" b="0" i="0" u="sng" strike="noStrike" dirty="0">
+              <a:solidFill>
+                <a:srgbClr val="1155CC"/>
+              </a:solidFill>
+              <a:effectLst/>
+              <a:latin typeface="Arial" panose="020B0604020202020204" pitchFamily="34" charset="0"/>
+            </a:endParaRPr>
+          </a:p>
+          <a:p>
+            <a:endParaRPr lang="en-GB" sz="1000" u="sng" dirty="0">
+              <a:solidFill>
+                <a:srgbClr val="1155CC"/>
+              </a:solidFill>
+              <a:latin typeface="Arial" panose="020B0604020202020204" pitchFamily="34" charset="0"/>
+            </a:endParaRPr>
+          </a:p>
+          <a:p>
+            <a:pPr indent="457200" rtl="0">
+              <a:spcBef>
+                <a:spcPts val="0"/>
+              </a:spcBef>
+              <a:spcAft>
+                <a:spcPts val="0"/>
+              </a:spcAft>
+            </a:pPr>
+            <a:br>
+              <a:rPr lang="en-GB" sz="1000" b="0" dirty="0">
+                <a:effectLst/>
+              </a:rPr>
+            </a:br>
+            <a:r>
+              <a:rPr lang="en-GB" sz="1000" b="1" i="0" u="none" strike="noStrike" dirty="0">
+                <a:solidFill>
+                  <a:srgbClr val="000000"/>
+                </a:solidFill>
+                <a:effectLst/>
+                <a:latin typeface="Arial" panose="020B0604020202020204" pitchFamily="34" charset="0"/>
+              </a:rPr>
+              <a:t>The Use of Social Media for Artist Marketing: Music Industry Perspectives and Consumer Motivations:</a:t>
+            </a:r>
+            <a:br>
+              <a:rPr lang="en-GB" sz="1000" b="0" dirty="0">
+                <a:effectLst/>
+              </a:rPr>
+            </a:br>
+            <a:r>
+              <a:rPr lang="en-GB" sz="1000" b="0" i="0" u="sng" strike="noStrike" dirty="0">
+                <a:solidFill>
+                  <a:srgbClr val="1155CC"/>
+                </a:solidFill>
+                <a:effectLst/>
+                <a:latin typeface="Arial" panose="020B0604020202020204" pitchFamily="34" charset="0"/>
+                <a:hlinkClick r:id="rId4"/>
+              </a:rPr>
+              <a:t>https://www.tandfonline.com/doi/full/10.1080/14241277.2012.755682</a:t>
+            </a:r>
+            <a:endParaRPr lang="en-GB" sz="1000" u="sng" dirty="0">
+              <a:solidFill>
+                <a:srgbClr val="1155CC"/>
+              </a:solidFill>
+              <a:latin typeface="Arial" panose="020B0604020202020204" pitchFamily="34" charset="0"/>
+            </a:endParaRPr>
+          </a:p>
+          <a:p>
+            <a:pPr rtl="0">
+              <a:spcBef>
+                <a:spcPts val="0"/>
+              </a:spcBef>
+              <a:spcAft>
+                <a:spcPts val="0"/>
+              </a:spcAft>
+            </a:pPr>
+            <a:br>
+              <a:rPr lang="en-GB" sz="1000" b="0" dirty="0">
+                <a:effectLst/>
+              </a:rPr>
+            </a:br>
+            <a:r>
+              <a:rPr lang="en-GB" sz="1000" b="1" i="0" u="none" strike="noStrike" dirty="0">
+                <a:solidFill>
+                  <a:srgbClr val="000000"/>
+                </a:solidFill>
+                <a:effectLst/>
+                <a:latin typeface="Arial" panose="020B0604020202020204" pitchFamily="34" charset="0"/>
+              </a:rPr>
+              <a:t>Algorithmic Effects on the Diversity of Consumption on Spotify:</a:t>
+            </a:r>
+            <a:endParaRPr lang="en-GB" sz="1000" b="0" dirty="0">
+              <a:effectLst/>
+            </a:endParaRPr>
+          </a:p>
+          <a:p>
+            <a:pPr rtl="0">
+              <a:spcBef>
+                <a:spcPts val="0"/>
+              </a:spcBef>
+              <a:spcAft>
+                <a:spcPts val="0"/>
+              </a:spcAft>
+            </a:pPr>
+            <a:r>
+              <a:rPr lang="en-GB" sz="1000" b="0" i="0" u="sng" strike="noStrike" dirty="0">
+                <a:solidFill>
+                  <a:srgbClr val="1155CC"/>
+                </a:solidFill>
+                <a:effectLst/>
+                <a:latin typeface="Arial" panose="020B0604020202020204" pitchFamily="34" charset="0"/>
+                <a:hlinkClick r:id="rId5"/>
+              </a:rPr>
+              <a:t>https://dl.acm.org/doi/abs/10.1145/3366423.3380281</a:t>
+            </a:r>
+            <a:endParaRPr lang="en-GB" sz="1000" b="0" dirty="0">
+              <a:effectLst/>
+            </a:endParaRPr>
+          </a:p>
+          <a:p>
+            <a:pPr rtl="0">
+              <a:spcBef>
+                <a:spcPts val="0"/>
+              </a:spcBef>
+              <a:spcAft>
+                <a:spcPts val="0"/>
+              </a:spcAft>
+            </a:pPr>
+            <a:r>
+              <a:rPr lang="en-GB" sz="1000" b="0" dirty="0">
+                <a:effectLst/>
+              </a:rPr>
+              <a:t> </a:t>
+            </a:r>
+          </a:p>
+          <a:p>
+            <a:pPr rtl="0">
+              <a:spcBef>
+                <a:spcPts val="0"/>
+              </a:spcBef>
+              <a:spcAft>
+                <a:spcPts val="0"/>
+              </a:spcAft>
+            </a:pPr>
+            <a:r>
+              <a:rPr lang="en-GB" sz="1000" b="1" i="0" u="none" strike="noStrike" dirty="0">
+                <a:solidFill>
+                  <a:srgbClr val="333333"/>
+                </a:solidFill>
+                <a:effectLst/>
+                <a:latin typeface="Arial" panose="020B0604020202020204" pitchFamily="34" charset="0"/>
+              </a:rPr>
+              <a:t>Music Personalization at Spotify:</a:t>
+            </a:r>
+            <a:endParaRPr lang="en-GB" sz="1000" b="1" dirty="0">
+              <a:effectLst/>
+            </a:endParaRPr>
+          </a:p>
+          <a:p>
+            <a:pPr rtl="0">
+              <a:spcBef>
+                <a:spcPts val="0"/>
+              </a:spcBef>
+              <a:spcAft>
+                <a:spcPts val="0"/>
+              </a:spcAft>
+            </a:pPr>
+            <a:r>
+              <a:rPr lang="en-GB" sz="1000" b="0" i="0" u="sng" strike="noStrike" dirty="0">
+                <a:solidFill>
+                  <a:srgbClr val="1155CC"/>
+                </a:solidFill>
+                <a:effectLst/>
+                <a:latin typeface="Arial" panose="020B0604020202020204" pitchFamily="34" charset="0"/>
+                <a:hlinkClick r:id="rId6"/>
+              </a:rPr>
+              <a:t>https://dl.acm.org/doi/abs/10.1145/2959100.2959120</a:t>
+            </a:r>
+            <a:endParaRPr lang="en-GB" sz="1000" b="0" dirty="0">
+              <a:effectLst/>
+            </a:endParaRPr>
+          </a:p>
+          <a:p>
+            <a:pPr rtl="0">
+              <a:spcBef>
+                <a:spcPts val="0"/>
+              </a:spcBef>
+              <a:spcAft>
+                <a:spcPts val="0"/>
+              </a:spcAft>
+            </a:pPr>
+            <a:br>
+              <a:rPr lang="en-GB" sz="1000" b="0" dirty="0">
+                <a:effectLst/>
+              </a:rPr>
+            </a:br>
+            <a:r>
+              <a:rPr lang="en-GB" sz="1000" b="1" i="0" u="none" strike="noStrike" dirty="0">
+                <a:solidFill>
+                  <a:srgbClr val="000000"/>
+                </a:solidFill>
+                <a:effectLst/>
+                <a:latin typeface="Arial" panose="020B0604020202020204" pitchFamily="34" charset="0"/>
+              </a:rPr>
+              <a:t>Apple Music vs Spotify:</a:t>
+            </a:r>
+            <a:endParaRPr lang="en-GB" sz="1000" b="0" dirty="0">
+              <a:effectLst/>
+            </a:endParaRPr>
+          </a:p>
+          <a:p>
+            <a:pPr rtl="0">
+              <a:spcBef>
+                <a:spcPts val="0"/>
+              </a:spcBef>
+              <a:spcAft>
+                <a:spcPts val="0"/>
+              </a:spcAft>
+            </a:pPr>
+            <a:r>
+              <a:rPr lang="en-GB" sz="1000" b="0" i="0" u="sng" strike="noStrike" dirty="0">
+                <a:solidFill>
+                  <a:srgbClr val="1155CC"/>
+                </a:solidFill>
+                <a:effectLst/>
+                <a:latin typeface="Arial" panose="020B0604020202020204" pitchFamily="34" charset="0"/>
+                <a:hlinkClick r:id="rId7"/>
+              </a:rPr>
+              <a:t>Apple Music vs Spotify – </a:t>
+            </a:r>
+            <a:r>
+              <a:rPr lang="en-GB" sz="1000" b="0" i="0" u="sng" strike="noStrike" dirty="0" err="1">
+                <a:solidFill>
+                  <a:srgbClr val="1155CC"/>
+                </a:solidFill>
+                <a:effectLst/>
+                <a:latin typeface="Arial" panose="020B0604020202020204" pitchFamily="34" charset="0"/>
+                <a:hlinkClick r:id="rId7"/>
+              </a:rPr>
+              <a:t>SoundGuys</a:t>
+            </a:r>
+            <a:endParaRPr lang="en-GB" sz="1000" b="0" i="0" u="sng" strike="noStrike" dirty="0">
+              <a:solidFill>
+                <a:srgbClr val="1155CC"/>
+              </a:solidFill>
+              <a:effectLst/>
+              <a:latin typeface="Arial" panose="020B0604020202020204" pitchFamily="34" charset="0"/>
+            </a:endParaRPr>
+          </a:p>
+          <a:p>
+            <a:pPr rtl="0">
+              <a:spcBef>
+                <a:spcPts val="0"/>
+              </a:spcBef>
+              <a:spcAft>
+                <a:spcPts val="0"/>
+              </a:spcAft>
+            </a:pPr>
+            <a:endParaRPr lang="en-GB" sz="1000" u="sng" dirty="0">
+              <a:solidFill>
+                <a:srgbClr val="1155CC"/>
+              </a:solidFill>
+              <a:latin typeface="Arial" panose="020B0604020202020204" pitchFamily="34" charset="0"/>
+            </a:endParaRPr>
+          </a:p>
+          <a:p>
+            <a:pPr rtl="0">
+              <a:spcBef>
+                <a:spcPts val="0"/>
+              </a:spcBef>
+              <a:spcAft>
+                <a:spcPts val="0"/>
+              </a:spcAft>
+            </a:pPr>
+            <a:r>
+              <a:rPr lang="en-GB" sz="1000" b="1" i="0" u="none" strike="noStrike" dirty="0">
+                <a:solidFill>
+                  <a:srgbClr val="000000"/>
+                </a:solidFill>
+                <a:effectLst/>
+                <a:latin typeface="Arial" panose="020B0604020202020204" pitchFamily="34" charset="0"/>
+              </a:rPr>
+              <a:t>Let’s Keep Music Special. F-Spotify.</a:t>
+            </a:r>
+            <a:endParaRPr lang="en-GB" sz="1000" b="0" dirty="0">
+              <a:effectLst/>
+            </a:endParaRPr>
+          </a:p>
+          <a:p>
+            <a:pPr rtl="0">
+              <a:spcBef>
+                <a:spcPts val="0"/>
+              </a:spcBef>
+              <a:spcAft>
+                <a:spcPts val="0"/>
+              </a:spcAft>
+            </a:pPr>
+            <a:r>
+              <a:rPr lang="en-GB" sz="1000" b="0" i="0" u="sng" strike="noStrike" dirty="0">
+                <a:solidFill>
+                  <a:srgbClr val="1155CC"/>
+                </a:solidFill>
+                <a:effectLst/>
+                <a:latin typeface="Arial" panose="020B0604020202020204" pitchFamily="34" charset="0"/>
+                <a:hlinkClick r:id="rId8"/>
+              </a:rPr>
+              <a:t>https://webpebscohostcom.ezproxy.uwe.ac.uk/ehost/detail/detail?vid=0&amp;sid=09e0249c94054ee180b1a63b4ce4eda4%40redis&amp;bdata=JnNpdGU9ZWhvc3QtbGl2ZQ%3d%3d#AN=127873367&amp;db=bth</a:t>
+            </a:r>
+            <a:endParaRPr lang="en-GB" sz="1000" b="0" dirty="0">
+              <a:effectLst/>
+            </a:endParaRPr>
+          </a:p>
+          <a:p>
+            <a:endParaRPr lang="en-GB" sz="1000" dirty="0"/>
+          </a:p>
+          <a:p>
+            <a:pPr rtl="0">
+              <a:spcBef>
+                <a:spcPts val="0"/>
+              </a:spcBef>
+              <a:spcAft>
+                <a:spcPts val="0"/>
+              </a:spcAft>
+            </a:pPr>
+            <a:r>
+              <a:rPr lang="en-GB" sz="1000" b="1" i="0" u="none" strike="noStrike" dirty="0">
+                <a:solidFill>
+                  <a:srgbClr val="000000"/>
+                </a:solidFill>
+                <a:effectLst/>
+                <a:latin typeface="Arial" panose="020B0604020202020204" pitchFamily="34" charset="0"/>
+              </a:rPr>
+              <a:t>Napster Documentary: Culture of Free | Retro Report | The New York Times:</a:t>
+            </a:r>
+            <a:endParaRPr lang="en-GB" sz="1000" b="0" dirty="0">
+              <a:effectLst/>
+            </a:endParaRPr>
+          </a:p>
+          <a:p>
+            <a:pPr rtl="0">
+              <a:spcBef>
+                <a:spcPts val="0"/>
+              </a:spcBef>
+              <a:spcAft>
+                <a:spcPts val="0"/>
+              </a:spcAft>
+            </a:pPr>
+            <a:r>
+              <a:rPr lang="en-GB" sz="1000" b="0" i="0" u="sng" strike="noStrike" dirty="0">
+                <a:solidFill>
+                  <a:srgbClr val="1155CC"/>
+                </a:solidFill>
+                <a:effectLst/>
+                <a:latin typeface="Arial" panose="020B0604020202020204" pitchFamily="34" charset="0"/>
+                <a:hlinkClick r:id="rId9"/>
+              </a:rPr>
+              <a:t>https://www.youtube.com/watch?v=CKrdsGdLVQ8</a:t>
+            </a:r>
+            <a:endParaRPr lang="en-GB" sz="1000" b="0" dirty="0">
+              <a:effectLst/>
+            </a:endParaRPr>
+          </a:p>
+          <a:p>
+            <a:pPr rtl="0">
+              <a:spcBef>
+                <a:spcPts val="0"/>
+              </a:spcBef>
+              <a:spcAft>
+                <a:spcPts val="0"/>
+              </a:spcAft>
+            </a:pPr>
+            <a:r>
+              <a:rPr lang="en-GB" sz="1000" b="0" dirty="0">
+                <a:effectLst/>
+              </a:rPr>
+              <a:t> </a:t>
+            </a:r>
+          </a:p>
+          <a:p>
+            <a:pPr rtl="0">
+              <a:spcBef>
+                <a:spcPts val="0"/>
+              </a:spcBef>
+              <a:spcAft>
+                <a:spcPts val="0"/>
+              </a:spcAft>
+            </a:pPr>
+            <a:r>
+              <a:rPr lang="en-GB" sz="1000" b="1" i="0" u="none" strike="noStrike" dirty="0">
+                <a:solidFill>
+                  <a:srgbClr val="000000"/>
+                </a:solidFill>
+                <a:effectLst/>
+                <a:latin typeface="Arial" panose="020B0604020202020204" pitchFamily="34" charset="0"/>
+              </a:rPr>
+              <a:t>How Spotify Dominates Apple, Google and Amazon in Music</a:t>
+            </a:r>
+            <a:endParaRPr lang="en-GB" sz="1000" b="0" dirty="0">
+              <a:effectLst/>
+            </a:endParaRPr>
+          </a:p>
+          <a:p>
+            <a:pPr rtl="0">
+              <a:spcBef>
+                <a:spcPts val="0"/>
+              </a:spcBef>
+              <a:spcAft>
+                <a:spcPts val="0"/>
+              </a:spcAft>
+            </a:pPr>
+            <a:r>
+              <a:rPr lang="en-GB" sz="1000" b="0" i="0" u="sng" strike="noStrike" dirty="0">
+                <a:solidFill>
+                  <a:srgbClr val="1155CC"/>
+                </a:solidFill>
+                <a:effectLst/>
+                <a:latin typeface="Arial" panose="020B0604020202020204" pitchFamily="34" charset="0"/>
+                <a:hlinkClick r:id="rId10"/>
+              </a:rPr>
+              <a:t>https://www.youtube.com/watch?v=6viSSo12-PQ&amp;list=WL&amp;index=13</a:t>
+            </a:r>
+            <a:endParaRPr lang="en-GB" sz="1000" b="0" dirty="0">
+              <a:effectLst/>
+            </a:endParaRPr>
+          </a:p>
+          <a:p>
+            <a:pPr rtl="0">
+              <a:spcBef>
+                <a:spcPts val="0"/>
+              </a:spcBef>
+              <a:spcAft>
+                <a:spcPts val="0"/>
+              </a:spcAft>
+            </a:pPr>
+            <a:r>
+              <a:rPr lang="en-GB" sz="1000" b="0" dirty="0">
+                <a:effectLst/>
+              </a:rPr>
+              <a:t> </a:t>
+            </a:r>
+          </a:p>
+          <a:p>
+            <a:pPr rtl="0">
+              <a:spcBef>
+                <a:spcPts val="0"/>
+              </a:spcBef>
+              <a:spcAft>
+                <a:spcPts val="0"/>
+              </a:spcAft>
+            </a:pPr>
+            <a:r>
+              <a:rPr lang="en-GB" sz="1000" b="1" i="0" u="none" strike="noStrike" dirty="0">
+                <a:solidFill>
+                  <a:srgbClr val="000000"/>
+                </a:solidFill>
+                <a:effectLst/>
+                <a:latin typeface="Arial" panose="020B0604020202020204" pitchFamily="34" charset="0"/>
+              </a:rPr>
+              <a:t>Spotify - Why They’re Successful</a:t>
+            </a:r>
+            <a:endParaRPr lang="en-GB" sz="1000" b="0" dirty="0">
+              <a:effectLst/>
+            </a:endParaRPr>
+          </a:p>
+          <a:p>
+            <a:pPr rtl="0">
+              <a:spcBef>
+                <a:spcPts val="0"/>
+              </a:spcBef>
+              <a:spcAft>
+                <a:spcPts val="0"/>
+              </a:spcAft>
+            </a:pPr>
+            <a:r>
+              <a:rPr lang="en-GB" sz="1000" b="0" i="0" u="sng" strike="noStrike" dirty="0">
+                <a:solidFill>
+                  <a:srgbClr val="1155CC"/>
+                </a:solidFill>
+                <a:effectLst/>
+                <a:latin typeface="Arial" panose="020B0604020202020204" pitchFamily="34" charset="0"/>
+                <a:hlinkClick r:id="rId11"/>
+              </a:rPr>
+              <a:t>https://www.youtube.com/watch?v=PBoz2XigTFA&amp;list=WL&amp;index=14</a:t>
+            </a:r>
+            <a:endParaRPr lang="en-GB" sz="1000" b="0" dirty="0">
+              <a:effectLst/>
+            </a:endParaRPr>
+          </a:p>
+          <a:p>
+            <a:pPr rtl="0">
+              <a:spcBef>
+                <a:spcPts val="0"/>
+              </a:spcBef>
+              <a:spcAft>
+                <a:spcPts val="0"/>
+              </a:spcAft>
+            </a:pPr>
+            <a:endParaRPr lang="en-GB" sz="1000" b="0" dirty="0">
+              <a:effectLst/>
+            </a:endParaRPr>
+          </a:p>
+          <a:p>
+            <a:pPr rtl="0">
+              <a:spcBef>
+                <a:spcPts val="0"/>
+              </a:spcBef>
+              <a:spcAft>
+                <a:spcPts val="0"/>
+              </a:spcAft>
+            </a:pPr>
+            <a:r>
+              <a:rPr lang="en-GB" sz="1000" b="1" i="0" u="none" strike="noStrike" dirty="0" err="1">
+                <a:solidFill>
+                  <a:srgbClr val="000000"/>
+                </a:solidFill>
+                <a:effectLst/>
+                <a:latin typeface="Arial" panose="020B0604020202020204" pitchFamily="34" charset="0"/>
+              </a:rPr>
+              <a:t>BusinessofApps</a:t>
+            </a:r>
+            <a:endParaRPr lang="en-GB" sz="1000" b="1" dirty="0">
+              <a:effectLst/>
+            </a:endParaRPr>
+          </a:p>
+          <a:p>
+            <a:pPr rtl="0">
+              <a:spcBef>
+                <a:spcPts val="0"/>
+              </a:spcBef>
+              <a:spcAft>
+                <a:spcPts val="0"/>
+              </a:spcAft>
+            </a:pPr>
+            <a:r>
+              <a:rPr lang="en-GB" sz="1000" b="0" i="0" u="none" strike="noStrike" dirty="0">
+                <a:solidFill>
+                  <a:srgbClr val="000000"/>
+                </a:solidFill>
+                <a:effectLst/>
+                <a:latin typeface="Arial" panose="020B0604020202020204" pitchFamily="34" charset="0"/>
+              </a:rPr>
+              <a:t>https://www.businessofapps.com/data/music-streaming-market/</a:t>
+            </a:r>
+            <a:endParaRPr lang="en-GB" sz="1000" b="0" dirty="0">
+              <a:effectLst/>
+            </a:endParaRPr>
+          </a:p>
+          <a:p>
+            <a:endParaRPr lang="en-GB" sz="1000" dirty="0"/>
+          </a:p>
+          <a:p>
+            <a:r>
+              <a:rPr lang="en-GB" sz="1000" b="1" dirty="0"/>
+              <a:t>BBC – How Spotify came to be worth millions</a:t>
+            </a:r>
+          </a:p>
+          <a:p>
+            <a:r>
+              <a:rPr lang="en-GB" sz="1000" b="0" i="0" u="none" strike="noStrike" dirty="0">
+                <a:solidFill>
+                  <a:srgbClr val="000000"/>
+                </a:solidFill>
+                <a:effectLst/>
+                <a:latin typeface="Arial" panose="020B0604020202020204" pitchFamily="34" charset="0"/>
+              </a:rPr>
+              <a:t>https://www.bbc.co.uk/news/newsbeat-43240886#:~:text=Founded%20by%20Daniel%20Ek%20and,the%20music%20 industry%20was%20facing.</a:t>
+            </a:r>
+            <a:br>
+              <a:rPr lang="en-GB" sz="1000" dirty="0"/>
+            </a:br>
+            <a:endParaRPr lang="en-GB" sz="1000" dirty="0"/>
+          </a:p>
+          <a:p>
+            <a:r>
+              <a:rPr lang="en-GB" sz="1000" b="1" dirty="0"/>
+              <a:t>Spotify</a:t>
+            </a:r>
+          </a:p>
+          <a:p>
+            <a:r>
+              <a:rPr lang="en-GB" sz="1000" dirty="0"/>
+              <a:t>https://spotify.design/team/</a:t>
+            </a:r>
+            <a:br>
+              <a:rPr lang="en-GB" sz="1100" dirty="0"/>
+            </a:br>
+            <a:endParaRPr lang="en-GB" sz="1100" b="0" i="0" u="sng" strike="noStrike" dirty="0">
+              <a:solidFill>
+                <a:srgbClr val="1155CC"/>
+              </a:solidFill>
+              <a:effectLst/>
+              <a:latin typeface="Arial" panose="020B0604020202020204" pitchFamily="34" charset="0"/>
+            </a:endParaRPr>
+          </a:p>
+          <a:p>
+            <a:pPr rtl="0">
+              <a:spcBef>
+                <a:spcPts val="0"/>
+              </a:spcBef>
+              <a:spcAft>
+                <a:spcPts val="0"/>
+              </a:spcAft>
+            </a:pPr>
+            <a:endParaRPr lang="en-GB" sz="1100" u="sng" dirty="0">
+              <a:solidFill>
+                <a:srgbClr val="1155CC"/>
+              </a:solidFill>
+              <a:latin typeface="Arial" panose="020B0604020202020204" pitchFamily="34" charset="0"/>
+            </a:endParaRPr>
+          </a:p>
+          <a:p>
+            <a:pPr rtl="0">
+              <a:spcBef>
+                <a:spcPts val="0"/>
+              </a:spcBef>
+              <a:spcAft>
+                <a:spcPts val="0"/>
+              </a:spcAft>
+            </a:pPr>
+            <a:endParaRPr lang="en-GB" sz="1100" b="0" dirty="0">
+              <a:effectLst/>
+            </a:endParaRPr>
+          </a:p>
+          <a:p>
+            <a:br>
+              <a:rPr lang="en-GB" sz="1100" dirty="0"/>
+            </a:br>
+            <a:endParaRPr lang="en-GB" sz="1100" u="sng" dirty="0">
+              <a:solidFill>
+                <a:srgbClr val="1155CC"/>
+              </a:solidFill>
+              <a:latin typeface="Arial" panose="020B0604020202020204" pitchFamily="34" charset="0"/>
+            </a:endParaRPr>
+          </a:p>
+          <a:p>
+            <a:pPr rtl="0">
+              <a:spcBef>
+                <a:spcPts val="0"/>
+              </a:spcBef>
+              <a:spcAft>
+                <a:spcPts val="0"/>
+              </a:spcAft>
+            </a:pPr>
+            <a:endParaRPr lang="en-GB" sz="1100" b="0" dirty="0">
+              <a:effectLst/>
+            </a:endParaRPr>
+          </a:p>
+          <a:p>
+            <a:br>
+              <a:rPr lang="en-GB" dirty="0"/>
+            </a:br>
+            <a:br>
+              <a:rPr lang="en-GB" dirty="0"/>
+            </a:br>
+            <a:endParaRPr lang="en-GB" dirty="0"/>
+          </a:p>
+        </p:txBody>
+      </p:sp>
+    </p:spTree>
+    <p:extLst>
+      <p:ext uri="{BB962C8B-B14F-4D97-AF65-F5344CB8AC3E}">
+        <p14:creationId xmlns:p14="http://schemas.microsoft.com/office/powerpoint/2010/main" val="778595322"/>
+      </p:ext>
+    </p:extLst>
+  </p:cSld>
+  <p:clrMapOvr>
+    <a:masterClrMapping/>
+  </p:clrMapOvr>
+</p:sld>
+</file>
+
+<file path=ppt/slides/slide12.xml><?xml version="1.0" encoding="utf-8"?>
+<p:sld xmlns:a="http://schemas.openxmlformats.org/drawingml/2006/main" xmlns:r="http://schemas.openxmlformats.org/officeDocument/2006/relationships" xmlns:p="http://schemas.openxmlformats.org/presentationml/2006/main">
+  <p:cSld>
+    <p:spTree>
+      <p:nvGrpSpPr>
+        <p:cNvPr id="1" name=""/>
+        <p:cNvGrpSpPr/>
+        <p:nvPr/>
+      </p:nvGrpSpPr>
+      <p:grpSpPr>
+        <a:xfrm>
+          <a:off x="0" y="0"/>
+          <a:ext cx="0" cy="0"/>
+          <a:chOff x="0" y="0"/>
+          <a:chExt cx="0" cy="0"/>
+        </a:xfrm>
+      </p:grpSpPr>
+      <p:sp>
+        <p:nvSpPr>
+          <p:cNvPr id="3" name="Slide Number Placeholder 2">
+            <a:extLst>
+              <a:ext uri="{FF2B5EF4-FFF2-40B4-BE49-F238E27FC236}">
+                <a16:creationId xmlns:a16="http://schemas.microsoft.com/office/drawing/2014/main" id="{F84A6A36-BFC0-43F7-8D52-046D4878C8F0}"/>
+              </a:ext>
+            </a:extLst>
+          </p:cNvPr>
+          <p:cNvSpPr>
+            <a:spLocks noGrp="1"/>
+          </p:cNvSpPr>
+          <p:nvPr>
+            <p:ph type="sldNum" sz="quarter" idx="11"/>
+          </p:nvPr>
+        </p:nvSpPr>
+        <p:spPr/>
+        <p:txBody>
+          <a:bodyPr/>
+          <a:lstStyle/>
+          <a:p>
+            <a:fld id="{8C2E478F-E849-4A8C-AF1F-CBCC78A7CBFA}" type="slidenum">
+              <a:rPr lang="en-US" smtClean="0"/>
+              <a:pPr/>
+              <a:t>12</a:t>
+            </a:fld>
+            <a:endParaRPr lang="en-US" dirty="0"/>
+          </a:p>
+        </p:txBody>
+      </p:sp>
+      <p:sp>
+        <p:nvSpPr>
+          <p:cNvPr id="4" name="TextBox 3">
+            <a:extLst>
+              <a:ext uri="{FF2B5EF4-FFF2-40B4-BE49-F238E27FC236}">
+                <a16:creationId xmlns:a16="http://schemas.microsoft.com/office/drawing/2014/main" id="{43BA2787-CB8C-4858-B1BE-966095FA2C28}"/>
+              </a:ext>
+            </a:extLst>
+          </p:cNvPr>
+          <p:cNvSpPr txBox="1"/>
+          <p:nvPr/>
+        </p:nvSpPr>
+        <p:spPr>
+          <a:xfrm>
+            <a:off x="0" y="0"/>
+            <a:ext cx="12191999" cy="5032147"/>
+          </a:xfrm>
+          <a:prstGeom prst="rect">
+            <a:avLst/>
+          </a:prstGeom>
+          <a:noFill/>
+        </p:spPr>
+        <p:txBody>
+          <a:bodyPr wrap="square" rtlCol="0">
+            <a:spAutoFit/>
+          </a:bodyPr>
+          <a:lstStyle/>
+          <a:p>
+            <a:pPr rtl="0">
+              <a:spcBef>
+                <a:spcPts val="0"/>
+              </a:spcBef>
+              <a:spcAft>
+                <a:spcPts val="0"/>
+              </a:spcAft>
+            </a:pPr>
+            <a:r>
+              <a:rPr lang="en-GB" sz="1400" b="1" u="sng" dirty="0"/>
+              <a:t>J.A.R.V.I.S</a:t>
+            </a:r>
+            <a:r>
+              <a:rPr lang="en-GB" sz="1400" b="1" u="sng" dirty="0">
+                <a:effectLst/>
+              </a:rPr>
+              <a:t> References</a:t>
+            </a:r>
+            <a:endParaRPr lang="en-GB" sz="1400" b="0" dirty="0">
+              <a:effectLst/>
+            </a:endParaRPr>
+          </a:p>
+          <a:p>
+            <a:endParaRPr lang="en-GB" sz="1100" dirty="0">
+              <a:solidFill>
+                <a:srgbClr val="000000"/>
+              </a:solidFill>
+              <a:latin typeface="Arial" panose="020B0604020202020204" pitchFamily="34" charset="0"/>
+            </a:endParaRPr>
+          </a:p>
+          <a:p>
+            <a:r>
+              <a:rPr lang="en-GB" sz="1100" b="1" dirty="0">
+                <a:solidFill>
+                  <a:srgbClr val="000000"/>
+                </a:solidFill>
+                <a:latin typeface="Arial" panose="020B0604020202020204" pitchFamily="34" charset="0"/>
+              </a:rPr>
+              <a:t>Ironman Fandom</a:t>
+            </a:r>
+          </a:p>
+          <a:p>
+            <a:pPr rtl="0">
+              <a:spcBef>
+                <a:spcPts val="0"/>
+              </a:spcBef>
+              <a:spcAft>
+                <a:spcPts val="0"/>
+              </a:spcAft>
+            </a:pPr>
+            <a:r>
+              <a:rPr lang="en-GB" sz="1100" b="0" i="0" u="sng" strike="noStrike" dirty="0">
+                <a:solidFill>
+                  <a:srgbClr val="1155CC"/>
+                </a:solidFill>
+                <a:effectLst/>
+                <a:latin typeface="Arial" panose="020B0604020202020204" pitchFamily="34" charset="0"/>
+                <a:hlinkClick r:id="rId2"/>
+              </a:rPr>
+              <a:t>https://ironman.fandom.com/wiki/J.A.R.V.I.S</a:t>
+            </a:r>
+            <a:r>
+              <a:rPr lang="en-GB" sz="1100" b="0" i="0" u="none" strike="noStrike" dirty="0">
+                <a:solidFill>
+                  <a:srgbClr val="0A1829"/>
+                </a:solidFill>
+                <a:effectLst/>
+                <a:latin typeface="Arial" panose="020B0604020202020204" pitchFamily="34" charset="0"/>
+              </a:rPr>
+              <a:t>.</a:t>
+            </a:r>
+          </a:p>
+          <a:p>
+            <a:pPr rtl="0">
+              <a:spcBef>
+                <a:spcPts val="0"/>
+              </a:spcBef>
+              <a:spcAft>
+                <a:spcPts val="0"/>
+              </a:spcAft>
+            </a:pPr>
+            <a:endParaRPr lang="en-GB" sz="1100" b="0" dirty="0">
+              <a:effectLst/>
+            </a:endParaRPr>
+          </a:p>
+          <a:p>
+            <a:pPr rtl="0">
+              <a:spcBef>
+                <a:spcPts val="0"/>
+              </a:spcBef>
+              <a:spcAft>
+                <a:spcPts val="0"/>
+              </a:spcAft>
+            </a:pPr>
+            <a:r>
+              <a:rPr lang="en-GB" sz="1100" b="1" dirty="0"/>
+              <a:t>J.A.R.V.I.S Fandom</a:t>
+            </a:r>
+            <a:br>
+              <a:rPr lang="en-GB" sz="1100" b="0" dirty="0">
+                <a:effectLst/>
+              </a:rPr>
+            </a:br>
+            <a:r>
+              <a:rPr lang="en-GB" sz="1100" b="0" i="0" u="sng" strike="noStrike" dirty="0">
+                <a:solidFill>
+                  <a:srgbClr val="1155CC"/>
+                </a:solidFill>
+                <a:effectLst/>
+                <a:latin typeface="Arial" panose="020B0604020202020204" pitchFamily="34" charset="0"/>
+                <a:hlinkClick r:id="rId3"/>
+              </a:rPr>
+              <a:t>J.A.R.V.I.S. | Marvel Cinematic Universe Wiki | Fandom</a:t>
+            </a:r>
+            <a:endParaRPr lang="en-GB" sz="1100" b="0" dirty="0">
+              <a:effectLst/>
+            </a:endParaRPr>
+          </a:p>
+          <a:p>
+            <a:pPr rtl="0">
+              <a:spcBef>
+                <a:spcPts val="0"/>
+              </a:spcBef>
+              <a:spcAft>
+                <a:spcPts val="0"/>
+              </a:spcAft>
+            </a:pPr>
+            <a:endParaRPr lang="en-GB" sz="1100" b="0" dirty="0">
+              <a:effectLst/>
+            </a:endParaRPr>
+          </a:p>
+          <a:p>
+            <a:pPr rtl="0">
+              <a:spcBef>
+                <a:spcPts val="0"/>
+              </a:spcBef>
+              <a:spcAft>
+                <a:spcPts val="0"/>
+              </a:spcAft>
+            </a:pPr>
+            <a:r>
+              <a:rPr lang="en-GB" sz="1100" b="1" dirty="0">
+                <a:effectLst/>
+              </a:rPr>
+              <a:t>Marvel Movies Fandom</a:t>
+            </a:r>
+            <a:br>
+              <a:rPr lang="en-GB" sz="1100" b="0" dirty="0">
+                <a:effectLst/>
+              </a:rPr>
+            </a:br>
+            <a:r>
+              <a:rPr lang="en-GB" sz="1100" b="0" i="0" u="sng" strike="noStrike" dirty="0">
+                <a:solidFill>
+                  <a:srgbClr val="1155CC"/>
+                </a:solidFill>
+                <a:effectLst/>
+                <a:latin typeface="Arial" panose="020B0604020202020204" pitchFamily="34" charset="0"/>
+                <a:hlinkClick r:id="rId4"/>
+              </a:rPr>
+              <a:t>Just A Rather Very Intelligent System | Marvel Movies | Fandom</a:t>
+            </a:r>
+            <a:endParaRPr lang="en-GB" sz="1100" b="0" dirty="0">
+              <a:effectLst/>
+            </a:endParaRPr>
+          </a:p>
+          <a:p>
+            <a:pPr rtl="0">
+              <a:spcBef>
+                <a:spcPts val="0"/>
+              </a:spcBef>
+              <a:spcAft>
+                <a:spcPts val="0"/>
+              </a:spcAft>
+            </a:pPr>
+            <a:endParaRPr lang="en-GB" sz="1100" b="0" dirty="0">
+              <a:effectLst/>
+            </a:endParaRPr>
+          </a:p>
+          <a:p>
+            <a:pPr rtl="0">
+              <a:spcBef>
+                <a:spcPts val="0"/>
+              </a:spcBef>
+              <a:spcAft>
+                <a:spcPts val="0"/>
+              </a:spcAft>
+            </a:pPr>
+            <a:r>
+              <a:rPr lang="en-GB" sz="1100" b="1" dirty="0">
+                <a:effectLst/>
+              </a:rPr>
+              <a:t>Marvel Fandom page</a:t>
+            </a:r>
+            <a:br>
+              <a:rPr lang="en-GB" sz="1100" b="0" dirty="0">
+                <a:effectLst/>
+              </a:rPr>
+            </a:br>
+            <a:r>
+              <a:rPr lang="en-GB" sz="1100" b="0" i="0" u="sng" strike="noStrike" dirty="0">
+                <a:solidFill>
+                  <a:srgbClr val="1155CC"/>
+                </a:solidFill>
+                <a:effectLst/>
+                <a:latin typeface="Arial" panose="020B0604020202020204" pitchFamily="34" charset="0"/>
+                <a:hlinkClick r:id="rId5"/>
+              </a:rPr>
+              <a:t>https://marvel.fandom.com/wiki/Marvel_Database</a:t>
+            </a:r>
+            <a:endParaRPr lang="en-GB" sz="1100" b="0" dirty="0">
+              <a:effectLst/>
+            </a:endParaRPr>
+          </a:p>
+          <a:p>
+            <a:pPr rtl="0">
+              <a:spcBef>
+                <a:spcPts val="0"/>
+              </a:spcBef>
+              <a:spcAft>
+                <a:spcPts val="0"/>
+              </a:spcAft>
+            </a:pPr>
+            <a:br>
+              <a:rPr lang="en-GB" sz="1100" b="0" dirty="0">
+                <a:effectLst/>
+              </a:rPr>
+            </a:br>
+            <a:br>
+              <a:rPr lang="en-GB" sz="1100" dirty="0"/>
+            </a:br>
+            <a:br>
+              <a:rPr lang="en-GB" sz="1100" dirty="0"/>
+            </a:br>
+            <a:br>
+              <a:rPr lang="en-GB" sz="1100" dirty="0"/>
+            </a:br>
+            <a:endParaRPr lang="en-GB" sz="1100" b="0" i="0" u="sng" strike="noStrike" dirty="0">
+              <a:solidFill>
+                <a:srgbClr val="1155CC"/>
+              </a:solidFill>
+              <a:effectLst/>
+              <a:latin typeface="Arial" panose="020B0604020202020204" pitchFamily="34" charset="0"/>
+            </a:endParaRPr>
+          </a:p>
+          <a:p>
+            <a:pPr rtl="0">
+              <a:spcBef>
+                <a:spcPts val="0"/>
+              </a:spcBef>
+              <a:spcAft>
+                <a:spcPts val="0"/>
+              </a:spcAft>
+            </a:pPr>
+            <a:endParaRPr lang="en-GB" sz="1100" u="sng" dirty="0">
+              <a:solidFill>
+                <a:srgbClr val="1155CC"/>
+              </a:solidFill>
+              <a:latin typeface="Arial" panose="020B0604020202020204" pitchFamily="34" charset="0"/>
+            </a:endParaRPr>
+          </a:p>
+          <a:p>
+            <a:pPr rtl="0">
+              <a:spcBef>
+                <a:spcPts val="0"/>
+              </a:spcBef>
+              <a:spcAft>
+                <a:spcPts val="0"/>
+              </a:spcAft>
+            </a:pPr>
+            <a:endParaRPr lang="en-GB" sz="1100" b="0" dirty="0">
+              <a:effectLst/>
+            </a:endParaRPr>
+          </a:p>
+          <a:p>
+            <a:br>
+              <a:rPr lang="en-GB" sz="1100" dirty="0"/>
+            </a:br>
+            <a:endParaRPr lang="en-GB" sz="1100" u="sng" dirty="0">
+              <a:solidFill>
+                <a:srgbClr val="1155CC"/>
+              </a:solidFill>
+              <a:latin typeface="Arial" panose="020B0604020202020204" pitchFamily="34" charset="0"/>
+            </a:endParaRPr>
+          </a:p>
+          <a:p>
+            <a:pPr rtl="0">
+              <a:spcBef>
+                <a:spcPts val="0"/>
+              </a:spcBef>
+              <a:spcAft>
+                <a:spcPts val="0"/>
+              </a:spcAft>
+            </a:pPr>
+            <a:endParaRPr lang="en-GB" sz="1100" b="0" dirty="0">
+              <a:effectLst/>
+            </a:endParaRPr>
+          </a:p>
+          <a:p>
+            <a:br>
+              <a:rPr lang="en-GB" dirty="0"/>
+            </a:br>
+            <a:br>
+              <a:rPr lang="en-GB" dirty="0"/>
+            </a:br>
+            <a:endParaRPr lang="en-GB" dirty="0"/>
+          </a:p>
+        </p:txBody>
+      </p:sp>
+    </p:spTree>
+    <p:extLst>
+      <p:ext uri="{BB962C8B-B14F-4D97-AF65-F5344CB8AC3E}">
+        <p14:creationId xmlns:p14="http://schemas.microsoft.com/office/powerpoint/2010/main" val="3973190086"/>
+      </p:ext>
+    </p:extLst>
+  </p:cSld>
+  <p:clrMapOvr>
+    <a:masterClrMapping/>
+  </p:clrMapOvr>
+</p:sld>
+</file>
+
+<file path=ppt/slides/slide13.xml><?xml version="1.0" encoding="utf-8"?>
+<p:sld xmlns:a="http://schemas.openxmlformats.org/drawingml/2006/main" xmlns:r="http://schemas.openxmlformats.org/officeDocument/2006/relationships" xmlns:p="http://schemas.openxmlformats.org/presentationml/2006/main">
+  <p:cSld>
     <p:bg>
       <p:bgPr>
         <a:solidFill>
@@ -17059,7 +18310,7 @@
             <a:fld id="{8C2E478F-E849-4A8C-AF1F-CBCC78A7CBFA}" type="slidenum">
               <a:rPr lang="en-US" smtClean="0"/>
               <a:pPr/>
-              <a:t>11</a:t>
+              <a:t>13</a:t>
             </a:fld>
             <a:endParaRPr lang="en-US" dirty="0"/>
           </a:p>
@@ -19164,6 +20415,41 @@
           </a:p>
         </p:txBody>
       </p:sp>
+      <p:sp>
+        <p:nvSpPr>
+          <p:cNvPr id="2" name="TextBox 1">
+            <a:extLst>
+              <a:ext uri="{FF2B5EF4-FFF2-40B4-BE49-F238E27FC236}">
+                <a16:creationId xmlns:a16="http://schemas.microsoft.com/office/drawing/2014/main" id="{CEA73058-F125-48F1-A8EA-3FB93CC9B739}"/>
+              </a:ext>
+            </a:extLst>
+          </p:cNvPr>
+          <p:cNvSpPr txBox="1"/>
+          <p:nvPr/>
+        </p:nvSpPr>
+        <p:spPr>
+          <a:xfrm>
+            <a:off x="0" y="6607628"/>
+            <a:ext cx="6198994" cy="215444"/>
+          </a:xfrm>
+          <a:prstGeom prst="rect">
+            <a:avLst/>
+          </a:prstGeom>
+          <a:noFill/>
+        </p:spPr>
+        <p:txBody>
+          <a:bodyPr wrap="square" rtlCol="0">
+            <a:spAutoFit/>
+          </a:bodyPr>
+          <a:lstStyle/>
+          <a:p>
+            <a:r>
+              <a:rPr lang="en-GB" sz="800" dirty="0"/>
+              <a:t>https://www.fandango.com/movie-news/mark-zuckerberg-is-building-a-real-life-jarvis-just-like-tony-stark-in-the-iron-man-movies-750308</a:t>
+            </a:r>
+          </a:p>
+        </p:txBody>
+      </p:sp>
     </p:spTree>
     <p:extLst>
       <p:ext uri="{BB962C8B-B14F-4D97-AF65-F5344CB8AC3E}">
@@ -19178,6 +20464,256 @@
 </file>
 
 <file path=ppt/slides/slide4.xml><?xml version="1.0" encoding="utf-8"?>
+<p:sld xmlns:a="http://schemas.openxmlformats.org/drawingml/2006/main" xmlns:r="http://schemas.openxmlformats.org/officeDocument/2006/relationships" xmlns:p="http://schemas.openxmlformats.org/presentationml/2006/main">
+  <p:cSld>
+    <p:spTree>
+      <p:nvGrpSpPr>
+        <p:cNvPr id="1" name=""/>
+        <p:cNvGrpSpPr/>
+        <p:nvPr/>
+      </p:nvGrpSpPr>
+      <p:grpSpPr>
+        <a:xfrm>
+          <a:off x="0" y="0"/>
+          <a:ext cx="0" cy="0"/>
+          <a:chOff x="0" y="0"/>
+          <a:chExt cx="0" cy="0"/>
+        </a:xfrm>
+      </p:grpSpPr>
+      <p:sp>
+        <p:nvSpPr>
+          <p:cNvPr id="38" name="Title 37">
+            <a:extLst>
+              <a:ext uri="{FF2B5EF4-FFF2-40B4-BE49-F238E27FC236}">
+                <a16:creationId xmlns:a16="http://schemas.microsoft.com/office/drawing/2014/main" id="{4C646910-F4B3-42FF-94CF-BEAFDD606400}"/>
+              </a:ext>
+            </a:extLst>
+          </p:cNvPr>
+          <p:cNvSpPr>
+            <a:spLocks noGrp="1"/>
+          </p:cNvSpPr>
+          <p:nvPr>
+            <p:ph type="title"/>
+          </p:nvPr>
+        </p:nvSpPr>
+        <p:spPr>
+          <a:xfrm>
+            <a:off x="4424934" y="-1"/>
+            <a:ext cx="2823591" cy="1419225"/>
+          </a:xfrm>
+        </p:spPr>
+        <p:txBody>
+          <a:bodyPr>
+            <a:normAutofit fontScale="90000"/>
+          </a:bodyPr>
+          <a:lstStyle/>
+          <a:p>
+            <a:r>
+              <a:rPr lang="en-US" dirty="0"/>
+              <a:t>Don </a:t>
+            </a:r>
+            <a:r>
+              <a:rPr lang="en-US" dirty="0" err="1"/>
+              <a:t>norman</a:t>
+            </a:r>
+            <a:r>
+              <a:rPr lang="en-US" dirty="0"/>
+              <a:t> – The design of everyday things</a:t>
+            </a:r>
+          </a:p>
+        </p:txBody>
+      </p:sp>
+      <p:sp>
+        <p:nvSpPr>
+          <p:cNvPr id="4" name="Text Placeholder 3">
+            <a:extLst>
+              <a:ext uri="{FF2B5EF4-FFF2-40B4-BE49-F238E27FC236}">
+                <a16:creationId xmlns:a16="http://schemas.microsoft.com/office/drawing/2014/main" id="{4033542F-D085-445E-BEBE-DEE6D4F79CAD}"/>
+              </a:ext>
+            </a:extLst>
+          </p:cNvPr>
+          <p:cNvSpPr>
+            <a:spLocks noGrp="1"/>
+          </p:cNvSpPr>
+          <p:nvPr>
+            <p:ph type="body" idx="1"/>
+          </p:nvPr>
+        </p:nvSpPr>
+        <p:spPr/>
+        <p:txBody>
+          <a:bodyPr/>
+          <a:lstStyle/>
+          <a:p>
+            <a:r>
+              <a:rPr lang="en-US" dirty="0"/>
+              <a:t>Design Thinking</a:t>
+            </a:r>
+          </a:p>
+        </p:txBody>
+      </p:sp>
+      <p:sp>
+        <p:nvSpPr>
+          <p:cNvPr id="5" name="Content Placeholder 4">
+            <a:extLst>
+              <a:ext uri="{FF2B5EF4-FFF2-40B4-BE49-F238E27FC236}">
+                <a16:creationId xmlns:a16="http://schemas.microsoft.com/office/drawing/2014/main" id="{FDF153A6-0E4B-417F-85BB-FD8402B100BD}"/>
+              </a:ext>
+            </a:extLst>
+          </p:cNvPr>
+          <p:cNvSpPr>
+            <a:spLocks noGrp="1"/>
+          </p:cNvSpPr>
+          <p:nvPr>
+            <p:ph sz="half" idx="2"/>
+          </p:nvPr>
+        </p:nvSpPr>
+        <p:spPr/>
+        <p:txBody>
+          <a:bodyPr/>
+          <a:lstStyle/>
+          <a:p>
+            <a:r>
+              <a:rPr lang="en-US" dirty="0"/>
+              <a:t>Find the root issue</a:t>
+            </a:r>
+          </a:p>
+          <a:p>
+            <a:r>
+              <a:rPr lang="en-US" dirty="0"/>
+              <a:t>Make multiple solutions </a:t>
+            </a:r>
+          </a:p>
+          <a:p>
+            <a:r>
+              <a:rPr lang="en-US" dirty="0"/>
+              <a:t>Propose the best solution</a:t>
+            </a:r>
+          </a:p>
+        </p:txBody>
+      </p:sp>
+      <p:sp>
+        <p:nvSpPr>
+          <p:cNvPr id="6" name="Text Placeholder 5">
+            <a:extLst>
+              <a:ext uri="{FF2B5EF4-FFF2-40B4-BE49-F238E27FC236}">
+                <a16:creationId xmlns:a16="http://schemas.microsoft.com/office/drawing/2014/main" id="{89C32B2A-F443-47DA-A5C9-E0CCEC6C2F29}"/>
+              </a:ext>
+            </a:extLst>
+          </p:cNvPr>
+          <p:cNvSpPr>
+            <a:spLocks noGrp="1"/>
+          </p:cNvSpPr>
+          <p:nvPr>
+            <p:ph type="body" idx="13"/>
+          </p:nvPr>
+        </p:nvSpPr>
+        <p:spPr/>
+        <p:txBody>
+          <a:bodyPr>
+            <a:normAutofit/>
+          </a:bodyPr>
+          <a:lstStyle/>
+          <a:p>
+            <a:r>
+              <a:rPr lang="en-US" dirty="0"/>
+              <a:t>Human-centered design (HCD)</a:t>
+            </a:r>
+          </a:p>
+        </p:txBody>
+      </p:sp>
+      <p:sp>
+        <p:nvSpPr>
+          <p:cNvPr id="7" name="Content Placeholder 6">
+            <a:extLst>
+              <a:ext uri="{FF2B5EF4-FFF2-40B4-BE49-F238E27FC236}">
+                <a16:creationId xmlns:a16="http://schemas.microsoft.com/office/drawing/2014/main" id="{53DDF559-AB16-43D3-96DE-5FD6A71C1A24}"/>
+              </a:ext>
+            </a:extLst>
+          </p:cNvPr>
+          <p:cNvSpPr>
+            <a:spLocks noGrp="1"/>
+          </p:cNvSpPr>
+          <p:nvPr>
+            <p:ph sz="half" idx="14"/>
+          </p:nvPr>
+        </p:nvSpPr>
+        <p:spPr/>
+        <p:txBody>
+          <a:bodyPr/>
+          <a:lstStyle/>
+          <a:p>
+            <a:r>
+              <a:rPr lang="en-US" dirty="0"/>
+              <a:t>“Solving the right problem, and doing so in a way that meets human needs and capabilities”</a:t>
+            </a:r>
+          </a:p>
+          <a:p>
+            <a:r>
+              <a:rPr lang="en-US" dirty="0"/>
+              <a:t>“A brilliant solution to the wrong problem can be worse than no solution at all” </a:t>
+            </a:r>
+          </a:p>
+        </p:txBody>
+      </p:sp>
+      <p:pic>
+        <p:nvPicPr>
+          <p:cNvPr id="1026" name="Picture 2" descr="jnd.org">
+            <a:extLst>
+              <a:ext uri="{FF2B5EF4-FFF2-40B4-BE49-F238E27FC236}">
+                <a16:creationId xmlns:a16="http://schemas.microsoft.com/office/drawing/2014/main" id="{397E76A8-6762-4D88-9A27-6EEDF07175DC}"/>
+              </a:ext>
+            </a:extLst>
+          </p:cNvPr>
+          <p:cNvPicPr>
+            <a:picLocks noChangeAspect="1" noChangeArrowheads="1"/>
+          </p:cNvPicPr>
+          <p:nvPr/>
+        </p:nvPicPr>
+        <p:blipFill rotWithShape="1">
+          <a:blip r:embed="rId2">
+            <a:extLst>
+              <a:ext uri="{28A0092B-C50C-407E-A947-70E740481C1C}">
+                <a14:useLocalDpi xmlns:a14="http://schemas.microsoft.com/office/drawing/2010/main" val="0"/>
+              </a:ext>
+            </a:extLst>
+          </a:blip>
+          <a:srcRect t="8176"/>
+          <a:stretch/>
+        </p:blipFill>
+        <p:spPr bwMode="auto">
+          <a:xfrm>
+            <a:off x="5044654" y="1885044"/>
+            <a:ext cx="2102691" cy="2933331"/>
+          </a:xfrm>
+          <a:prstGeom prst="rect">
+            <a:avLst/>
+          </a:prstGeom>
+          <a:noFill/>
+          <a:extLst>
+            <a:ext uri="{909E8E84-426E-40DD-AFC4-6F175D3DCCD1}">
+              <a14:hiddenFill xmlns:a14="http://schemas.microsoft.com/office/drawing/2010/main">
+                <a:solidFill>
+                  <a:srgbClr val="FFFFFF"/>
+                </a:solidFill>
+              </a14:hiddenFill>
+            </a:ext>
+          </a:extLst>
+        </p:spPr>
+      </p:pic>
+    </p:spTree>
+    <p:extLst>
+      <p:ext uri="{BB962C8B-B14F-4D97-AF65-F5344CB8AC3E}">
+        <p14:creationId xmlns:p14="http://schemas.microsoft.com/office/powerpoint/2010/main" val="3174381467"/>
+      </p:ext>
+    </p:extLst>
+  </p:cSld>
+  <p:clrMapOvr>
+    <a:masterClrMapping/>
+  </p:clrMapOvr>
+</p:sld>
+</file>
+
+<file path=ppt/slides/slide5.xml><?xml version="1.0" encoding="utf-8"?>
 <p:sld xmlns:a="http://schemas.openxmlformats.org/drawingml/2006/main" xmlns:r="http://schemas.openxmlformats.org/officeDocument/2006/relationships" xmlns:p="http://schemas.openxmlformats.org/presentationml/2006/main">
   <p:cSld>
     <p:spTree>
@@ -19756,7 +21292,12 @@
             <p:ph type="body" idx="13"/>
           </p:nvPr>
         </p:nvSpPr>
-        <p:spPr/>
+        <p:spPr>
+          <a:xfrm>
+            <a:off x="5535810" y="1658313"/>
+            <a:ext cx="6076915" cy="407670"/>
+          </a:xfrm>
+        </p:spPr>
         <p:txBody>
           <a:bodyPr/>
           <a:lstStyle/>
@@ -19784,16 +21325,39 @@
             <p:ph idx="1"/>
           </p:nvPr>
         </p:nvSpPr>
-        <p:spPr/>
+        <p:spPr>
+          <a:xfrm>
+            <a:off x="5510539" y="2318546"/>
+            <a:ext cx="6117771" cy="3032020"/>
+          </a:xfrm>
+        </p:spPr>
         <p:txBody>
           <a:bodyPr>
-            <a:normAutofit/>
+            <a:normAutofit fontScale="92500" lnSpcReduction="20000"/>
           </a:bodyPr>
           <a:lstStyle/>
           <a:p>
             <a:r>
               <a:rPr lang="en-US" dirty="0"/>
-              <a:t>Addressing big societal problems and looking towards the future</a:t>
+              <a:t>Addressing big societal problems and looking towards the future.</a:t>
+            </a:r>
+          </a:p>
+          <a:p>
+            <a:r>
+              <a:rPr lang="en-US" dirty="0"/>
+              <a:t>Introducing the concept of ‘Radical Design’ – A design that introduces a new way of seeing or perceiving a current societal situation</a:t>
+            </a:r>
+          </a:p>
+          <a:p>
+            <a:r>
+              <a:rPr lang="en-US" dirty="0"/>
+              <a:t>JARVIS exposes the world to new opinions regarding the ever-growing current fear of A.I ‘over-taking’ or simply running our lives.</a:t>
+            </a:r>
+          </a:p>
+          <a:p>
+            <a:r>
+              <a:rPr lang="en-US" dirty="0"/>
+              <a:t>Disrupts the present through the realism of Artificial Intelligence, JARVIS’ ability to talk and think for ‘himself’ making the prospect of him and others a-like seem more likely to happen.</a:t>
             </a:r>
           </a:p>
           <a:p>
@@ -20139,256 +21703,6 @@
     <p:extLst>
       <p:ext uri="{BB962C8B-B14F-4D97-AF65-F5344CB8AC3E}">
         <p14:creationId xmlns:p14="http://schemas.microsoft.com/office/powerpoint/2010/main" val="259734590"/>
-      </p:ext>
-    </p:extLst>
-  </p:cSld>
-  <p:clrMapOvr>
-    <a:masterClrMapping/>
-  </p:clrMapOvr>
-</p:sld>
-</file>
-
-<file path=ppt/slides/slide5.xml><?xml version="1.0" encoding="utf-8"?>
-<p:sld xmlns:a="http://schemas.openxmlformats.org/drawingml/2006/main" xmlns:r="http://schemas.openxmlformats.org/officeDocument/2006/relationships" xmlns:p="http://schemas.openxmlformats.org/presentationml/2006/main">
-  <p:cSld>
-    <p:spTree>
-      <p:nvGrpSpPr>
-        <p:cNvPr id="1" name=""/>
-        <p:cNvGrpSpPr/>
-        <p:nvPr/>
-      </p:nvGrpSpPr>
-      <p:grpSpPr>
-        <a:xfrm>
-          <a:off x="0" y="0"/>
-          <a:ext cx="0" cy="0"/>
-          <a:chOff x="0" y="0"/>
-          <a:chExt cx="0" cy="0"/>
-        </a:xfrm>
-      </p:grpSpPr>
-      <p:sp>
-        <p:nvSpPr>
-          <p:cNvPr id="38" name="Title 37">
-            <a:extLst>
-              <a:ext uri="{FF2B5EF4-FFF2-40B4-BE49-F238E27FC236}">
-                <a16:creationId xmlns:a16="http://schemas.microsoft.com/office/drawing/2014/main" id="{4C646910-F4B3-42FF-94CF-BEAFDD606400}"/>
-              </a:ext>
-            </a:extLst>
-          </p:cNvPr>
-          <p:cNvSpPr>
-            <a:spLocks noGrp="1"/>
-          </p:cNvSpPr>
-          <p:nvPr>
-            <p:ph type="title"/>
-          </p:nvPr>
-        </p:nvSpPr>
-        <p:spPr>
-          <a:xfrm>
-            <a:off x="4424934" y="-1"/>
-            <a:ext cx="2823591" cy="1419225"/>
-          </a:xfrm>
-        </p:spPr>
-        <p:txBody>
-          <a:bodyPr>
-            <a:normAutofit fontScale="90000"/>
-          </a:bodyPr>
-          <a:lstStyle/>
-          <a:p>
-            <a:r>
-              <a:rPr lang="en-US" dirty="0"/>
-              <a:t>Don </a:t>
-            </a:r>
-            <a:r>
-              <a:rPr lang="en-US" dirty="0" err="1"/>
-              <a:t>norman</a:t>
-            </a:r>
-            <a:r>
-              <a:rPr lang="en-US" dirty="0"/>
-              <a:t> – The design of everyday things</a:t>
-            </a:r>
-          </a:p>
-        </p:txBody>
-      </p:sp>
-      <p:sp>
-        <p:nvSpPr>
-          <p:cNvPr id="4" name="Text Placeholder 3">
-            <a:extLst>
-              <a:ext uri="{FF2B5EF4-FFF2-40B4-BE49-F238E27FC236}">
-                <a16:creationId xmlns:a16="http://schemas.microsoft.com/office/drawing/2014/main" id="{4033542F-D085-445E-BEBE-DEE6D4F79CAD}"/>
-              </a:ext>
-            </a:extLst>
-          </p:cNvPr>
-          <p:cNvSpPr>
-            <a:spLocks noGrp="1"/>
-          </p:cNvSpPr>
-          <p:nvPr>
-            <p:ph type="body" idx="1"/>
-          </p:nvPr>
-        </p:nvSpPr>
-        <p:spPr/>
-        <p:txBody>
-          <a:bodyPr/>
-          <a:lstStyle/>
-          <a:p>
-            <a:r>
-              <a:rPr lang="en-US" dirty="0"/>
-              <a:t>Design Thinking</a:t>
-            </a:r>
-          </a:p>
-        </p:txBody>
-      </p:sp>
-      <p:sp>
-        <p:nvSpPr>
-          <p:cNvPr id="5" name="Content Placeholder 4">
-            <a:extLst>
-              <a:ext uri="{FF2B5EF4-FFF2-40B4-BE49-F238E27FC236}">
-                <a16:creationId xmlns:a16="http://schemas.microsoft.com/office/drawing/2014/main" id="{FDF153A6-0E4B-417F-85BB-FD8402B100BD}"/>
-              </a:ext>
-            </a:extLst>
-          </p:cNvPr>
-          <p:cNvSpPr>
-            <a:spLocks noGrp="1"/>
-          </p:cNvSpPr>
-          <p:nvPr>
-            <p:ph sz="half" idx="2"/>
-          </p:nvPr>
-        </p:nvSpPr>
-        <p:spPr/>
-        <p:txBody>
-          <a:bodyPr/>
-          <a:lstStyle/>
-          <a:p>
-            <a:r>
-              <a:rPr lang="en-US" dirty="0"/>
-              <a:t>Find the root issue</a:t>
-            </a:r>
-          </a:p>
-          <a:p>
-            <a:r>
-              <a:rPr lang="en-US" dirty="0"/>
-              <a:t>Make multiple solutions </a:t>
-            </a:r>
-          </a:p>
-          <a:p>
-            <a:r>
-              <a:rPr lang="en-US" dirty="0"/>
-              <a:t>Propose the best solution</a:t>
-            </a:r>
-          </a:p>
-        </p:txBody>
-      </p:sp>
-      <p:sp>
-        <p:nvSpPr>
-          <p:cNvPr id="6" name="Text Placeholder 5">
-            <a:extLst>
-              <a:ext uri="{FF2B5EF4-FFF2-40B4-BE49-F238E27FC236}">
-                <a16:creationId xmlns:a16="http://schemas.microsoft.com/office/drawing/2014/main" id="{89C32B2A-F443-47DA-A5C9-E0CCEC6C2F29}"/>
-              </a:ext>
-            </a:extLst>
-          </p:cNvPr>
-          <p:cNvSpPr>
-            <a:spLocks noGrp="1"/>
-          </p:cNvSpPr>
-          <p:nvPr>
-            <p:ph type="body" idx="13"/>
-          </p:nvPr>
-        </p:nvSpPr>
-        <p:spPr/>
-        <p:txBody>
-          <a:bodyPr>
-            <a:normAutofit/>
-          </a:bodyPr>
-          <a:lstStyle/>
-          <a:p>
-            <a:r>
-              <a:rPr lang="en-US" dirty="0"/>
-              <a:t>Human-centered design (HCD)</a:t>
-            </a:r>
-          </a:p>
-        </p:txBody>
-      </p:sp>
-      <p:sp>
-        <p:nvSpPr>
-          <p:cNvPr id="7" name="Content Placeholder 6">
-            <a:extLst>
-              <a:ext uri="{FF2B5EF4-FFF2-40B4-BE49-F238E27FC236}">
-                <a16:creationId xmlns:a16="http://schemas.microsoft.com/office/drawing/2014/main" id="{53DDF559-AB16-43D3-96DE-5FD6A71C1A24}"/>
-              </a:ext>
-            </a:extLst>
-          </p:cNvPr>
-          <p:cNvSpPr>
-            <a:spLocks noGrp="1"/>
-          </p:cNvSpPr>
-          <p:nvPr>
-            <p:ph sz="half" idx="14"/>
-          </p:nvPr>
-        </p:nvSpPr>
-        <p:spPr/>
-        <p:txBody>
-          <a:bodyPr/>
-          <a:lstStyle/>
-          <a:p>
-            <a:r>
-              <a:rPr lang="en-US" dirty="0"/>
-              <a:t>“Solving the right problem, and doing so in a way that meets human needs and capabilities”</a:t>
-            </a:r>
-          </a:p>
-          <a:p>
-            <a:r>
-              <a:rPr lang="en-US" dirty="0"/>
-              <a:t>“A brilliant solution to the wrong problem can be worse than no solution at all” </a:t>
-            </a:r>
-          </a:p>
-        </p:txBody>
-      </p:sp>
-      <p:pic>
-        <p:nvPicPr>
-          <p:cNvPr id="1026" name="Picture 2" descr="jnd.org">
-            <a:extLst>
-              <a:ext uri="{FF2B5EF4-FFF2-40B4-BE49-F238E27FC236}">
-                <a16:creationId xmlns:a16="http://schemas.microsoft.com/office/drawing/2014/main" id="{397E76A8-6762-4D88-9A27-6EEDF07175DC}"/>
-              </a:ext>
-            </a:extLst>
-          </p:cNvPr>
-          <p:cNvPicPr>
-            <a:picLocks noChangeAspect="1" noChangeArrowheads="1"/>
-          </p:cNvPicPr>
-          <p:nvPr/>
-        </p:nvPicPr>
-        <p:blipFill rotWithShape="1">
-          <a:blip r:embed="rId2">
-            <a:extLst>
-              <a:ext uri="{28A0092B-C50C-407E-A947-70E740481C1C}">
-                <a14:useLocalDpi xmlns:a14="http://schemas.microsoft.com/office/drawing/2010/main" val="0"/>
-              </a:ext>
-            </a:extLst>
-          </a:blip>
-          <a:srcRect t="8176"/>
-          <a:stretch/>
-        </p:blipFill>
-        <p:spPr bwMode="auto">
-          <a:xfrm>
-            <a:off x="5044654" y="1885044"/>
-            <a:ext cx="2102691" cy="2933331"/>
-          </a:xfrm>
-          <a:prstGeom prst="rect">
-            <a:avLst/>
-          </a:prstGeom>
-          <a:noFill/>
-          <a:extLst>
-            <a:ext uri="{909E8E84-426E-40DD-AFC4-6F175D3DCCD1}">
-              <a14:hiddenFill xmlns:a14="http://schemas.microsoft.com/office/drawing/2010/main">
-                <a:solidFill>
-                  <a:srgbClr val="FFFFFF"/>
-                </a:solidFill>
-              </a14:hiddenFill>
-            </a:ext>
-          </a:extLst>
-        </p:spPr>
-      </p:pic>
-    </p:spTree>
-    <p:extLst>
-      <p:ext uri="{BB962C8B-B14F-4D97-AF65-F5344CB8AC3E}">
-        <p14:creationId xmlns:p14="http://schemas.microsoft.com/office/powerpoint/2010/main" val="3174381467"/>
       </p:ext>
     </p:extLst>
   </p:cSld>
@@ -23007,6 +24321,47 @@
               <a:buChar char="-"/>
             </a:pPr>
             <a:endParaRPr lang="en-US" dirty="0"/>
+          </a:p>
+        </p:txBody>
+      </p:sp>
+      <p:sp>
+        <p:nvSpPr>
+          <p:cNvPr id="5" name="TextBox 4">
+            <a:extLst>
+              <a:ext uri="{FF2B5EF4-FFF2-40B4-BE49-F238E27FC236}">
+                <a16:creationId xmlns:a16="http://schemas.microsoft.com/office/drawing/2014/main" id="{1429DFFF-5113-4E81-BF79-F334661C3481}"/>
+              </a:ext>
+            </a:extLst>
+          </p:cNvPr>
+          <p:cNvSpPr txBox="1"/>
+          <p:nvPr/>
+        </p:nvSpPr>
+        <p:spPr>
+          <a:xfrm>
+            <a:off x="7220310" y="5529473"/>
+            <a:ext cx="4459856" cy="261610"/>
+          </a:xfrm>
+          <a:prstGeom prst="rect">
+            <a:avLst/>
+          </a:prstGeom>
+          <a:noFill/>
+        </p:spPr>
+        <p:txBody>
+          <a:bodyPr wrap="square" rtlCol="0">
+            <a:spAutoFit/>
+          </a:bodyPr>
+          <a:lstStyle/>
+          <a:p>
+            <a:pPr algn="ctr"/>
+            <a:r>
+              <a:rPr lang="en-GB" sz="1100" dirty="0"/>
+              <a:t>Graph from </a:t>
+            </a:r>
+            <a:r>
+              <a:rPr lang="en-GB" sz="1100" dirty="0" err="1"/>
+              <a:t>BusinessofApps</a:t>
+            </a:r>
+            <a:endParaRPr lang="en-GB" sz="1100" dirty="0"/>
           </a:p>
         </p:txBody>
       </p:sp>

--- a/Assignment 2/Jarvis x spotify.pptx
+++ b/Assignment 2/Jarvis x spotify.pptx
@@ -5,10 +5,10 @@
     <p:sldMasterId id="2147483648" r:id="rId4"/>
   </p:sldMasterIdLst>
   <p:notesMasterIdLst>
-    <p:notesMasterId r:id="rId18"/>
+    <p:notesMasterId r:id="rId16"/>
   </p:notesMasterIdLst>
   <p:handoutMasterIdLst>
-    <p:handoutMasterId r:id="rId19"/>
+    <p:handoutMasterId r:id="rId17"/>
   </p:handoutMasterIdLst>
   <p:sldIdLst>
     <p:sldId id="256" r:id="rId5"/>
@@ -21,9 +21,7 @@
     <p:sldId id="2432" r:id="rId12"/>
     <p:sldId id="2444" r:id="rId13"/>
     <p:sldId id="2445" r:id="rId14"/>
-    <p:sldId id="2447" r:id="rId15"/>
-    <p:sldId id="2448" r:id="rId16"/>
-    <p:sldId id="2441" r:id="rId17"/>
+    <p:sldId id="2441" r:id="rId15"/>
   </p:sldIdLst>
   <p:sldSz cx="12192000" cy="6858000"/>
   <p:notesSz cx="6858000" cy="9144000"/>
@@ -16036,39 +16034,28 @@
           </a:bodyPr>
           <a:lstStyle/>
           <a:p>
-            <a:pPr>
-              <a:buFontTx/>
-              <a:buChar char="-"/>
-            </a:pPr>
             <a:r>
               <a:rPr lang="en-US" dirty="0"/>
-              <a:t>Needs to stay on top of the industry</a:t>
-            </a:r>
-          </a:p>
-          <a:p>
-            <a:pPr lvl="1">
-              <a:buFontTx/>
-              <a:buChar char="-"/>
-            </a:pPr>
+              <a:t>Invested almost $500 million into podcasts</a:t>
+            </a:r>
+          </a:p>
+          <a:p>
             <a:r>
               <a:rPr lang="en-US" dirty="0"/>
-              <a:t>Newly introduced: Podcasts of all kinds (learning, languages, entertainment etc.)</a:t>
-            </a:r>
-          </a:p>
-          <a:p>
-            <a:pPr lvl="1">
-              <a:buFontTx/>
-              <a:buChar char="-"/>
-            </a:pPr>
+              <a:t>Revenue from advertisements</a:t>
+            </a:r>
+          </a:p>
+          <a:p>
             <a:r>
               <a:rPr lang="en-US" dirty="0"/>
-              <a:t>The service requires expansion to uphold its monopoly of music </a:t>
-            </a:r>
-            <a:r>
-              <a:rPr lang="en-US"/>
-              <a:t>streaming services.</a:t>
-            </a:r>
-            <a:endParaRPr lang="en-US" dirty="0"/>
+              <a:t>Teaming up with genius for lyrics of songs</a:t>
+            </a:r>
+          </a:p>
+          <a:p>
+            <a:r>
+              <a:rPr lang="en-US" dirty="0"/>
+              <a:t>Affordable premium plans – e.g., family plans</a:t>
+            </a:r>
           </a:p>
         </p:txBody>
       </p:sp>
@@ -16094,13 +16081,13 @@
               </a:ext>
             </a:extLst>
           </a:blip>
-          <a:srcRect r="13435"/>
+          <a:srcRect l="20912" r="13435"/>
           <a:stretch/>
         </p:blipFill>
         <p:spPr bwMode="auto">
           <a:xfrm>
-            <a:off x="-30996" y="371475"/>
-            <a:ext cx="4036941" cy="6471790"/>
+            <a:off x="286184" y="193105"/>
+            <a:ext cx="3061732" cy="6471790"/>
           </a:xfrm>
           <a:prstGeom prst="rect">
             <a:avLst/>
@@ -16117,6 +16104,187 @@
           </a:extLst>
         </p:spPr>
       </p:pic>
+      <p:sp>
+        <p:nvSpPr>
+          <p:cNvPr id="11" name="TextBox 10">
+            <a:extLst>
+              <a:ext uri="{FF2B5EF4-FFF2-40B4-BE49-F238E27FC236}">
+                <a16:creationId xmlns:a16="http://schemas.microsoft.com/office/drawing/2014/main" id="{0A59D31A-E5C7-4961-8416-C2A35FDA6533}"/>
+              </a:ext>
+            </a:extLst>
+          </p:cNvPr>
+          <p:cNvSpPr txBox="1"/>
+          <p:nvPr/>
+        </p:nvSpPr>
+        <p:spPr>
+          <a:xfrm>
+            <a:off x="5168127" y="4687336"/>
+            <a:ext cx="2485714" cy="1231323"/>
+          </a:xfrm>
+          <a:prstGeom prst="rect">
+            <a:avLst/>
+          </a:prstGeom>
+          <a:noFill/>
+        </p:spPr>
+        <p:txBody>
+          <a:bodyPr wrap="square">
+            <a:spAutoFit/>
+          </a:bodyPr>
+          <a:lstStyle/>
+          <a:p>
+            <a:r>
+              <a:rPr lang="en-GB" sz="900" b="0" i="0" u="none" strike="noStrike" dirty="0">
+                <a:solidFill>
+                  <a:srgbClr val="000000"/>
+                </a:solidFill>
+                <a:effectLst/>
+                <a:latin typeface="Arial" panose="020B0604020202020204" pitchFamily="34" charset="0"/>
+              </a:rPr>
+              <a:t>‘The Rise Of Podcasts And What Spotify Has To Do With It’ (2019) </a:t>
+            </a:r>
+            <a:r>
+              <a:rPr lang="en-GB" sz="900" b="0" i="1" u="none" strike="noStrike" dirty="0">
+                <a:solidFill>
+                  <a:srgbClr val="000000"/>
+                </a:solidFill>
+                <a:effectLst/>
+                <a:latin typeface="Arial" panose="020B0604020202020204" pitchFamily="34" charset="0"/>
+              </a:rPr>
+              <a:t>Epic Studios Events</a:t>
+            </a:r>
+            <a:r>
+              <a:rPr lang="en-GB" sz="900" b="0" i="0" u="none" strike="noStrike" dirty="0">
+                <a:solidFill>
+                  <a:srgbClr val="000000"/>
+                </a:solidFill>
+                <a:effectLst/>
+                <a:latin typeface="Arial" panose="020B0604020202020204" pitchFamily="34" charset="0"/>
+              </a:rPr>
+              <a:t>.22 March 2019 [online]. Available from: https://epic-tv.com/events/blog/the-rise-of-podcasts-and-what-spotify-has-to-do-with-it/#:~:text=Spotify%20was%20not%20the%20first,grew%20on%20Spotify%20by%20175%25. [Accessed 7 April 2022]. </a:t>
+            </a:r>
+            <a:endParaRPr lang="en-GB" sz="900" dirty="0"/>
+          </a:p>
+        </p:txBody>
+      </p:sp>
+      <p:sp>
+        <p:nvSpPr>
+          <p:cNvPr id="13" name="TextBox 12">
+            <a:extLst>
+              <a:ext uri="{FF2B5EF4-FFF2-40B4-BE49-F238E27FC236}">
+                <a16:creationId xmlns:a16="http://schemas.microsoft.com/office/drawing/2014/main" id="{5872B33B-A979-4E22-9A1A-0618E725B3AD}"/>
+              </a:ext>
+            </a:extLst>
+          </p:cNvPr>
+          <p:cNvSpPr txBox="1"/>
+          <p:nvPr/>
+        </p:nvSpPr>
+        <p:spPr>
+          <a:xfrm>
+            <a:off x="7903085" y="4607749"/>
+            <a:ext cx="2904945" cy="2062103"/>
+          </a:xfrm>
+          <a:prstGeom prst="rect">
+            <a:avLst/>
+          </a:prstGeom>
+          <a:noFill/>
+        </p:spPr>
+        <p:txBody>
+          <a:bodyPr wrap="square">
+            <a:spAutoFit/>
+          </a:bodyPr>
+          <a:lstStyle/>
+          <a:p>
+            <a:pPr rtl="0">
+              <a:spcBef>
+                <a:spcPts val="0"/>
+              </a:spcBef>
+              <a:spcAft>
+                <a:spcPts val="1200"/>
+              </a:spcAft>
+            </a:pPr>
+            <a:r>
+              <a:rPr lang="en-GB" sz="900" b="0" i="0" u="none" strike="noStrike" dirty="0">
+                <a:solidFill>
+                  <a:srgbClr val="000000"/>
+                </a:solidFill>
+                <a:effectLst/>
+                <a:latin typeface="Arial" panose="020B0604020202020204" pitchFamily="34" charset="0"/>
+              </a:rPr>
+              <a:t>(‘The Rise Of Podcasts And What Spotify Has To Do With It’, 2019)</a:t>
+            </a:r>
+            <a:endParaRPr lang="en-GB" sz="900" b="0" dirty="0">
+              <a:effectLst/>
+            </a:endParaRPr>
+          </a:p>
+          <a:p>
+            <a:pPr rtl="0">
+              <a:spcBef>
+                <a:spcPts val="0"/>
+              </a:spcBef>
+              <a:spcAft>
+                <a:spcPts val="1200"/>
+              </a:spcAft>
+            </a:pPr>
+            <a:r>
+              <a:rPr lang="en-GB" sz="900" b="0" i="0" u="none" strike="noStrike" dirty="0">
+                <a:solidFill>
+                  <a:srgbClr val="000000"/>
+                </a:solidFill>
+                <a:effectLst/>
+                <a:latin typeface="Arial" panose="020B0604020202020204" pitchFamily="34" charset="0"/>
+              </a:rPr>
+              <a:t>https://www.facebook.com/marketing91 (2019) </a:t>
+            </a:r>
+            <a:r>
+              <a:rPr lang="en-GB" sz="900" b="0" i="1" u="none" strike="noStrike" dirty="0">
+                <a:solidFill>
+                  <a:srgbClr val="000000"/>
+                </a:solidFill>
+                <a:effectLst/>
+                <a:latin typeface="Arial" panose="020B0604020202020204" pitchFamily="34" charset="0"/>
+              </a:rPr>
+              <a:t>Business Model of Spotify - How does Spotify make money?</a:t>
+            </a:r>
+            <a:r>
+              <a:rPr lang="en-GB" sz="900" b="0" i="0" u="none" strike="noStrike" dirty="0">
+                <a:solidFill>
+                  <a:srgbClr val="000000"/>
+                </a:solidFill>
+                <a:effectLst/>
+                <a:latin typeface="Arial" panose="020B0604020202020204" pitchFamily="34" charset="0"/>
+              </a:rPr>
+              <a:t> </a:t>
+            </a:r>
+            <a:r>
+              <a:rPr lang="en-GB" sz="900" b="0" i="1" u="none" strike="noStrike" dirty="0">
+                <a:solidFill>
+                  <a:srgbClr val="000000"/>
+                </a:solidFill>
+                <a:effectLst/>
+                <a:latin typeface="Arial" panose="020B0604020202020204" pitchFamily="34" charset="0"/>
+              </a:rPr>
+              <a:t>Marketing91</a:t>
+            </a:r>
+            <a:r>
+              <a:rPr lang="en-GB" sz="900" b="0" i="0" u="none" strike="noStrike" dirty="0">
+                <a:solidFill>
+                  <a:srgbClr val="000000"/>
+                </a:solidFill>
+                <a:effectLst/>
+                <a:latin typeface="Arial" panose="020B0604020202020204" pitchFamily="34" charset="0"/>
+              </a:rPr>
+              <a:t>.22 October 2019 [online]. Available from: https://www.marketing91.com/business-model-of-spotify/ [Accessed 7 April 2022].</a:t>
+            </a:r>
+            <a:endParaRPr lang="en-GB" sz="900" dirty="0"/>
+          </a:p>
+          <a:p>
+            <a:br>
+              <a:rPr lang="en-GB" dirty="0"/>
+            </a:br>
+            <a:endParaRPr lang="en-GB" dirty="0"/>
+          </a:p>
+        </p:txBody>
+      </p:sp>
     </p:spTree>
     <p:extLst>
       <p:ext uri="{BB962C8B-B14F-4D97-AF65-F5344CB8AC3E}">
@@ -16131,1255 +16299,6 @@
 </file>
 
 <file path=ppt/slides/slide11.xml><?xml version="1.0" encoding="utf-8"?>
-<p:sld xmlns:a="http://schemas.openxmlformats.org/drawingml/2006/main" xmlns:r="http://schemas.openxmlformats.org/officeDocument/2006/relationships" xmlns:p="http://schemas.openxmlformats.org/presentationml/2006/main">
-  <p:cSld>
-    <p:spTree>
-      <p:nvGrpSpPr>
-        <p:cNvPr id="1" name=""/>
-        <p:cNvGrpSpPr/>
-        <p:nvPr/>
-      </p:nvGrpSpPr>
-      <p:grpSpPr>
-        <a:xfrm>
-          <a:off x="0" y="0"/>
-          <a:ext cx="0" cy="0"/>
-          <a:chOff x="0" y="0"/>
-          <a:chExt cx="0" cy="0"/>
-        </a:xfrm>
-      </p:grpSpPr>
-      <p:sp>
-        <p:nvSpPr>
-          <p:cNvPr id="3" name="Slide Number Placeholder 2">
-            <a:extLst>
-              <a:ext uri="{FF2B5EF4-FFF2-40B4-BE49-F238E27FC236}">
-                <a16:creationId xmlns:a16="http://schemas.microsoft.com/office/drawing/2014/main" id="{F84A6A36-BFC0-43F7-8D52-046D4878C8F0}"/>
-              </a:ext>
-            </a:extLst>
-          </p:cNvPr>
-          <p:cNvSpPr>
-            <a:spLocks noGrp="1"/>
-          </p:cNvSpPr>
-          <p:nvPr>
-            <p:ph type="sldNum" sz="quarter" idx="11"/>
-          </p:nvPr>
-        </p:nvSpPr>
-        <p:spPr/>
-        <p:txBody>
-          <a:bodyPr/>
-          <a:lstStyle/>
-          <a:p>
-            <a:fld id="{8C2E478F-E849-4A8C-AF1F-CBCC78A7CBFA}" type="slidenum">
-              <a:rPr lang="en-US" smtClean="0"/>
-              <a:pPr/>
-              <a:t>11</a:t>
-            </a:fld>
-            <a:endParaRPr lang="en-US" dirty="0"/>
-          </a:p>
-        </p:txBody>
-      </p:sp>
-      <p:sp>
-        <p:nvSpPr>
-          <p:cNvPr id="4" name="TextBox 3">
-            <a:extLst>
-              <a:ext uri="{FF2B5EF4-FFF2-40B4-BE49-F238E27FC236}">
-                <a16:creationId xmlns:a16="http://schemas.microsoft.com/office/drawing/2014/main" id="{43BA2787-CB8C-4858-B1BE-966095FA2C28}"/>
-              </a:ext>
-            </a:extLst>
-          </p:cNvPr>
-          <p:cNvSpPr txBox="1"/>
-          <p:nvPr/>
-        </p:nvSpPr>
-        <p:spPr>
-          <a:xfrm>
-            <a:off x="0" y="0"/>
-            <a:ext cx="12191999" cy="8325356"/>
-          </a:xfrm>
-          <a:prstGeom prst="rect">
-            <a:avLst/>
-          </a:prstGeom>
-          <a:noFill/>
-        </p:spPr>
-        <p:txBody>
-          <a:bodyPr wrap="square" rtlCol="0">
-            <a:spAutoFit/>
-          </a:bodyPr>
-          <a:lstStyle/>
-          <a:p>
-            <a:pPr rtl="0">
-              <a:spcBef>
-                <a:spcPts val="0"/>
-              </a:spcBef>
-              <a:spcAft>
-                <a:spcPts val="0"/>
-              </a:spcAft>
-            </a:pPr>
-            <a:r>
-              <a:rPr lang="en-GB" sz="1400" b="1" u="sng" dirty="0">
-                <a:effectLst/>
-              </a:rPr>
-              <a:t>Spotify References</a:t>
-            </a:r>
-            <a:endParaRPr lang="en-GB" sz="1400" b="0" dirty="0">
-              <a:effectLst/>
-            </a:endParaRPr>
-          </a:p>
-          <a:p>
-            <a:pPr rtl="0">
-              <a:spcBef>
-                <a:spcPts val="0"/>
-              </a:spcBef>
-              <a:spcAft>
-                <a:spcPts val="0"/>
-              </a:spcAft>
-            </a:pPr>
-            <a:endParaRPr lang="en-GB" sz="1100" i="0" u="none" strike="noStrike" dirty="0">
-              <a:solidFill>
-                <a:srgbClr val="000000"/>
-              </a:solidFill>
-              <a:latin typeface="Arial" panose="020B0604020202020204" pitchFamily="34" charset="0"/>
-            </a:endParaRPr>
-          </a:p>
-          <a:p>
-            <a:pPr rtl="0">
-              <a:spcBef>
-                <a:spcPts val="0"/>
-              </a:spcBef>
-              <a:spcAft>
-                <a:spcPts val="0"/>
-              </a:spcAft>
-            </a:pPr>
-            <a:r>
-              <a:rPr lang="en-GB" sz="1000" b="1" i="0" u="none" strike="noStrike" dirty="0">
-                <a:solidFill>
-                  <a:srgbClr val="000000"/>
-                </a:solidFill>
-                <a:effectLst/>
-                <a:latin typeface="Arial" panose="020B0604020202020204" pitchFamily="34" charset="0"/>
-              </a:rPr>
-              <a:t>The Spotify Effect: Digital Distribution and Financial Growth</a:t>
-            </a:r>
-            <a:br>
-              <a:rPr lang="en-GB" sz="1000" b="0" dirty="0">
-                <a:effectLst/>
-              </a:rPr>
-            </a:br>
-            <a:r>
-              <a:rPr lang="en-GB" sz="1000" b="0" i="0" u="sng" strike="noStrike" dirty="0">
-                <a:solidFill>
-                  <a:srgbClr val="1155CC"/>
-                </a:solidFill>
-                <a:effectLst/>
-                <a:latin typeface="Arial" panose="020B0604020202020204" pitchFamily="34" charset="0"/>
-                <a:hlinkClick r:id="rId2"/>
-              </a:rPr>
-              <a:t>https://journals-sagepub-com.ezproxy.uwe.ac.uk/doi/full/10.1177/1527476417741200?utm_source=summon&amp;utm_medium=discovery-provider</a:t>
-            </a:r>
-            <a:endParaRPr lang="en-GB" sz="1000" b="0" dirty="0">
-              <a:effectLst/>
-            </a:endParaRPr>
-          </a:p>
-          <a:p>
-            <a:endParaRPr lang="en-GB" sz="1000" dirty="0"/>
-          </a:p>
-          <a:p>
-            <a:r>
-              <a:rPr lang="en-GB" sz="1000" b="1" i="0" u="none" strike="noStrike" dirty="0">
-                <a:solidFill>
-                  <a:srgbClr val="000000"/>
-                </a:solidFill>
-                <a:effectLst/>
-                <a:latin typeface="Arial" panose="020B0604020202020204" pitchFamily="34" charset="0"/>
-              </a:rPr>
-              <a:t>Spotify financial results show struggle to make streaming music more profitable (BIBLIOGRAPHY FROM THE SPOTIFY EFFECT)</a:t>
-            </a:r>
-            <a:r>
-              <a:rPr lang="en-GB" sz="1000" b="0" i="0" u="none" strike="noStrike" dirty="0">
-                <a:solidFill>
-                  <a:srgbClr val="000000"/>
-                </a:solidFill>
-                <a:effectLst/>
-                <a:latin typeface="Arial" panose="020B0604020202020204" pitchFamily="34" charset="0"/>
-              </a:rPr>
-              <a:t> </a:t>
-            </a:r>
-          </a:p>
-          <a:p>
-            <a:r>
-              <a:rPr lang="en-GB" sz="1000" b="0" i="0" u="sng" strike="noStrike" dirty="0">
-                <a:solidFill>
-                  <a:srgbClr val="1155CC"/>
-                </a:solidFill>
-                <a:effectLst/>
-                <a:latin typeface="Arial" panose="020B0604020202020204" pitchFamily="34" charset="0"/>
-                <a:hlinkClick r:id="rId3"/>
-              </a:rPr>
-              <a:t>https://www.theguardian.com/technology/2015/may/11/spotify-financial-results-streaming-music-profitable</a:t>
-            </a:r>
-            <a:endParaRPr lang="en-GB" sz="1000" b="0" i="0" u="sng" strike="noStrike" dirty="0">
-              <a:solidFill>
-                <a:srgbClr val="1155CC"/>
-              </a:solidFill>
-              <a:effectLst/>
-              <a:latin typeface="Arial" panose="020B0604020202020204" pitchFamily="34" charset="0"/>
-            </a:endParaRPr>
-          </a:p>
-          <a:p>
-            <a:endParaRPr lang="en-GB" sz="1000" u="sng" dirty="0">
-              <a:solidFill>
-                <a:srgbClr val="1155CC"/>
-              </a:solidFill>
-              <a:latin typeface="Arial" panose="020B0604020202020204" pitchFamily="34" charset="0"/>
-            </a:endParaRPr>
-          </a:p>
-          <a:p>
-            <a:pPr indent="457200" rtl="0">
-              <a:spcBef>
-                <a:spcPts val="0"/>
-              </a:spcBef>
-              <a:spcAft>
-                <a:spcPts val="0"/>
-              </a:spcAft>
-            </a:pPr>
-            <a:br>
-              <a:rPr lang="en-GB" sz="1000" b="0" dirty="0">
-                <a:effectLst/>
-              </a:rPr>
-            </a:br>
-            <a:r>
-              <a:rPr lang="en-GB" sz="1000" b="1" i="0" u="none" strike="noStrike" dirty="0">
-                <a:solidFill>
-                  <a:srgbClr val="000000"/>
-                </a:solidFill>
-                <a:effectLst/>
-                <a:latin typeface="Arial" panose="020B0604020202020204" pitchFamily="34" charset="0"/>
-              </a:rPr>
-              <a:t>The Use of Social Media for Artist Marketing: Music Industry Perspectives and Consumer Motivations:</a:t>
-            </a:r>
-            <a:br>
-              <a:rPr lang="en-GB" sz="1000" b="0" dirty="0">
-                <a:effectLst/>
-              </a:rPr>
-            </a:br>
-            <a:r>
-              <a:rPr lang="en-GB" sz="1000" b="0" i="0" u="sng" strike="noStrike" dirty="0">
-                <a:solidFill>
-                  <a:srgbClr val="1155CC"/>
-                </a:solidFill>
-                <a:effectLst/>
-                <a:latin typeface="Arial" panose="020B0604020202020204" pitchFamily="34" charset="0"/>
-                <a:hlinkClick r:id="rId4"/>
-              </a:rPr>
-              <a:t>https://www.tandfonline.com/doi/full/10.1080/14241277.2012.755682</a:t>
-            </a:r>
-            <a:endParaRPr lang="en-GB" sz="1000" u="sng" dirty="0">
-              <a:solidFill>
-                <a:srgbClr val="1155CC"/>
-              </a:solidFill>
-              <a:latin typeface="Arial" panose="020B0604020202020204" pitchFamily="34" charset="0"/>
-            </a:endParaRPr>
-          </a:p>
-          <a:p>
-            <a:pPr rtl="0">
-              <a:spcBef>
-                <a:spcPts val="0"/>
-              </a:spcBef>
-              <a:spcAft>
-                <a:spcPts val="0"/>
-              </a:spcAft>
-            </a:pPr>
-            <a:br>
-              <a:rPr lang="en-GB" sz="1000" b="0" dirty="0">
-                <a:effectLst/>
-              </a:rPr>
-            </a:br>
-            <a:r>
-              <a:rPr lang="en-GB" sz="1000" b="1" i="0" u="none" strike="noStrike" dirty="0">
-                <a:solidFill>
-                  <a:srgbClr val="000000"/>
-                </a:solidFill>
-                <a:effectLst/>
-                <a:latin typeface="Arial" panose="020B0604020202020204" pitchFamily="34" charset="0"/>
-              </a:rPr>
-              <a:t>Algorithmic Effects on the Diversity of Consumption on Spotify:</a:t>
-            </a:r>
-            <a:endParaRPr lang="en-GB" sz="1000" b="0" dirty="0">
-              <a:effectLst/>
-            </a:endParaRPr>
-          </a:p>
-          <a:p>
-            <a:pPr rtl="0">
-              <a:spcBef>
-                <a:spcPts val="0"/>
-              </a:spcBef>
-              <a:spcAft>
-                <a:spcPts val="0"/>
-              </a:spcAft>
-            </a:pPr>
-            <a:r>
-              <a:rPr lang="en-GB" sz="1000" b="0" i="0" u="sng" strike="noStrike" dirty="0">
-                <a:solidFill>
-                  <a:srgbClr val="1155CC"/>
-                </a:solidFill>
-                <a:effectLst/>
-                <a:latin typeface="Arial" panose="020B0604020202020204" pitchFamily="34" charset="0"/>
-                <a:hlinkClick r:id="rId5"/>
-              </a:rPr>
-              <a:t>https://dl.acm.org/doi/abs/10.1145/3366423.3380281</a:t>
-            </a:r>
-            <a:endParaRPr lang="en-GB" sz="1000" b="0" dirty="0">
-              <a:effectLst/>
-            </a:endParaRPr>
-          </a:p>
-          <a:p>
-            <a:pPr rtl="0">
-              <a:spcBef>
-                <a:spcPts val="0"/>
-              </a:spcBef>
-              <a:spcAft>
-                <a:spcPts val="0"/>
-              </a:spcAft>
-            </a:pPr>
-            <a:r>
-              <a:rPr lang="en-GB" sz="1000" b="0" dirty="0">
-                <a:effectLst/>
-              </a:rPr>
-              <a:t> </a:t>
-            </a:r>
-          </a:p>
-          <a:p>
-            <a:pPr rtl="0">
-              <a:spcBef>
-                <a:spcPts val="0"/>
-              </a:spcBef>
-              <a:spcAft>
-                <a:spcPts val="0"/>
-              </a:spcAft>
-            </a:pPr>
-            <a:r>
-              <a:rPr lang="en-GB" sz="1000" b="1" i="0" u="none" strike="noStrike" dirty="0">
-                <a:solidFill>
-                  <a:srgbClr val="333333"/>
-                </a:solidFill>
-                <a:effectLst/>
-                <a:latin typeface="Arial" panose="020B0604020202020204" pitchFamily="34" charset="0"/>
-              </a:rPr>
-              <a:t>Music Personalization at Spotify:</a:t>
-            </a:r>
-            <a:endParaRPr lang="en-GB" sz="1000" b="1" dirty="0">
-              <a:effectLst/>
-            </a:endParaRPr>
-          </a:p>
-          <a:p>
-            <a:pPr rtl="0">
-              <a:spcBef>
-                <a:spcPts val="0"/>
-              </a:spcBef>
-              <a:spcAft>
-                <a:spcPts val="0"/>
-              </a:spcAft>
-            </a:pPr>
-            <a:r>
-              <a:rPr lang="en-GB" sz="1000" b="0" i="0" u="sng" strike="noStrike" dirty="0">
-                <a:solidFill>
-                  <a:srgbClr val="1155CC"/>
-                </a:solidFill>
-                <a:effectLst/>
-                <a:latin typeface="Arial" panose="020B0604020202020204" pitchFamily="34" charset="0"/>
-                <a:hlinkClick r:id="rId6"/>
-              </a:rPr>
-              <a:t>https://dl.acm.org/doi/abs/10.1145/2959100.2959120</a:t>
-            </a:r>
-            <a:endParaRPr lang="en-GB" sz="1000" b="0" dirty="0">
-              <a:effectLst/>
-            </a:endParaRPr>
-          </a:p>
-          <a:p>
-            <a:pPr rtl="0">
-              <a:spcBef>
-                <a:spcPts val="0"/>
-              </a:spcBef>
-              <a:spcAft>
-                <a:spcPts val="0"/>
-              </a:spcAft>
-            </a:pPr>
-            <a:br>
-              <a:rPr lang="en-GB" sz="1000" b="0" dirty="0">
-                <a:effectLst/>
-              </a:rPr>
-            </a:br>
-            <a:r>
-              <a:rPr lang="en-GB" sz="1000" b="1" i="0" u="none" strike="noStrike" dirty="0">
-                <a:solidFill>
-                  <a:srgbClr val="000000"/>
-                </a:solidFill>
-                <a:effectLst/>
-                <a:latin typeface="Arial" panose="020B0604020202020204" pitchFamily="34" charset="0"/>
-              </a:rPr>
-              <a:t>Apple Music vs Spotify:</a:t>
-            </a:r>
-            <a:endParaRPr lang="en-GB" sz="1000" b="0" dirty="0">
-              <a:effectLst/>
-            </a:endParaRPr>
-          </a:p>
-          <a:p>
-            <a:pPr rtl="0">
-              <a:spcBef>
-                <a:spcPts val="0"/>
-              </a:spcBef>
-              <a:spcAft>
-                <a:spcPts val="0"/>
-              </a:spcAft>
-            </a:pPr>
-            <a:r>
-              <a:rPr lang="en-GB" sz="1000" b="0" i="0" u="sng" strike="noStrike" dirty="0">
-                <a:solidFill>
-                  <a:srgbClr val="1155CC"/>
-                </a:solidFill>
-                <a:effectLst/>
-                <a:latin typeface="Arial" panose="020B0604020202020204" pitchFamily="34" charset="0"/>
-                <a:hlinkClick r:id="rId7"/>
-              </a:rPr>
-              <a:t>Apple Music vs Spotify – </a:t>
-            </a:r>
-            <a:r>
-              <a:rPr lang="en-GB" sz="1000" b="0" i="0" u="sng" strike="noStrike" dirty="0" err="1">
-                <a:solidFill>
-                  <a:srgbClr val="1155CC"/>
-                </a:solidFill>
-                <a:effectLst/>
-                <a:latin typeface="Arial" panose="020B0604020202020204" pitchFamily="34" charset="0"/>
-                <a:hlinkClick r:id="rId7"/>
-              </a:rPr>
-              <a:t>SoundGuys</a:t>
-            </a:r>
-            <a:endParaRPr lang="en-GB" sz="1000" b="0" i="0" u="sng" strike="noStrike" dirty="0">
-              <a:solidFill>
-                <a:srgbClr val="1155CC"/>
-              </a:solidFill>
-              <a:effectLst/>
-              <a:latin typeface="Arial" panose="020B0604020202020204" pitchFamily="34" charset="0"/>
-            </a:endParaRPr>
-          </a:p>
-          <a:p>
-            <a:pPr rtl="0">
-              <a:spcBef>
-                <a:spcPts val="0"/>
-              </a:spcBef>
-              <a:spcAft>
-                <a:spcPts val="0"/>
-              </a:spcAft>
-            </a:pPr>
-            <a:endParaRPr lang="en-GB" sz="1000" u="sng" dirty="0">
-              <a:solidFill>
-                <a:srgbClr val="1155CC"/>
-              </a:solidFill>
-              <a:latin typeface="Arial" panose="020B0604020202020204" pitchFamily="34" charset="0"/>
-            </a:endParaRPr>
-          </a:p>
-          <a:p>
-            <a:pPr rtl="0">
-              <a:spcBef>
-                <a:spcPts val="0"/>
-              </a:spcBef>
-              <a:spcAft>
-                <a:spcPts val="0"/>
-              </a:spcAft>
-            </a:pPr>
-            <a:r>
-              <a:rPr lang="en-GB" sz="1000" b="1" i="0" u="none" strike="noStrike" dirty="0">
-                <a:solidFill>
-                  <a:srgbClr val="000000"/>
-                </a:solidFill>
-                <a:effectLst/>
-                <a:latin typeface="Arial" panose="020B0604020202020204" pitchFamily="34" charset="0"/>
-              </a:rPr>
-              <a:t>Let’s Keep Music Special. F-Spotify.</a:t>
-            </a:r>
-            <a:endParaRPr lang="en-GB" sz="1000" b="0" dirty="0">
-              <a:effectLst/>
-            </a:endParaRPr>
-          </a:p>
-          <a:p>
-            <a:pPr rtl="0">
-              <a:spcBef>
-                <a:spcPts val="0"/>
-              </a:spcBef>
-              <a:spcAft>
-                <a:spcPts val="0"/>
-              </a:spcAft>
-            </a:pPr>
-            <a:r>
-              <a:rPr lang="en-GB" sz="1000" b="0" i="0" u="sng" strike="noStrike" dirty="0">
-                <a:solidFill>
-                  <a:srgbClr val="1155CC"/>
-                </a:solidFill>
-                <a:effectLst/>
-                <a:latin typeface="Arial" panose="020B0604020202020204" pitchFamily="34" charset="0"/>
-                <a:hlinkClick r:id="rId8"/>
-              </a:rPr>
-              <a:t>https://webpebscohostcom.ezproxy.uwe.ac.uk/ehost/detail/detail?vid=0&amp;sid=09e0249c94054ee180b1a63b4ce4eda4%40redis&amp;bdata=JnNpdGU9ZWhvc3QtbGl2ZQ%3d%3d#AN=127873367&amp;db=bth</a:t>
-            </a:r>
-            <a:endParaRPr lang="en-GB" sz="1000" b="0" dirty="0">
-              <a:effectLst/>
-            </a:endParaRPr>
-          </a:p>
-          <a:p>
-            <a:endParaRPr lang="en-GB" sz="1000" dirty="0"/>
-          </a:p>
-          <a:p>
-            <a:pPr rtl="0">
-              <a:spcBef>
-                <a:spcPts val="0"/>
-              </a:spcBef>
-              <a:spcAft>
-                <a:spcPts val="0"/>
-              </a:spcAft>
-            </a:pPr>
-            <a:r>
-              <a:rPr lang="en-GB" sz="1000" b="1" i="0" u="none" strike="noStrike" dirty="0">
-                <a:solidFill>
-                  <a:srgbClr val="000000"/>
-                </a:solidFill>
-                <a:effectLst/>
-                <a:latin typeface="Arial" panose="020B0604020202020204" pitchFamily="34" charset="0"/>
-              </a:rPr>
-              <a:t>Napster Documentary: Culture of Free | Retro Report | The New York Times:</a:t>
-            </a:r>
-            <a:endParaRPr lang="en-GB" sz="1000" b="0" dirty="0">
-              <a:effectLst/>
-            </a:endParaRPr>
-          </a:p>
-          <a:p>
-            <a:pPr rtl="0">
-              <a:spcBef>
-                <a:spcPts val="0"/>
-              </a:spcBef>
-              <a:spcAft>
-                <a:spcPts val="0"/>
-              </a:spcAft>
-            </a:pPr>
-            <a:r>
-              <a:rPr lang="en-GB" sz="1000" b="0" i="0" u="sng" strike="noStrike" dirty="0">
-                <a:solidFill>
-                  <a:srgbClr val="1155CC"/>
-                </a:solidFill>
-                <a:effectLst/>
-                <a:latin typeface="Arial" panose="020B0604020202020204" pitchFamily="34" charset="0"/>
-                <a:hlinkClick r:id="rId9"/>
-              </a:rPr>
-              <a:t>https://www.youtube.com/watch?v=CKrdsGdLVQ8</a:t>
-            </a:r>
-            <a:endParaRPr lang="en-GB" sz="1000" b="0" dirty="0">
-              <a:effectLst/>
-            </a:endParaRPr>
-          </a:p>
-          <a:p>
-            <a:pPr rtl="0">
-              <a:spcBef>
-                <a:spcPts val="0"/>
-              </a:spcBef>
-              <a:spcAft>
-                <a:spcPts val="0"/>
-              </a:spcAft>
-            </a:pPr>
-            <a:r>
-              <a:rPr lang="en-GB" sz="1000" b="0" dirty="0">
-                <a:effectLst/>
-              </a:rPr>
-              <a:t> </a:t>
-            </a:r>
-          </a:p>
-          <a:p>
-            <a:pPr rtl="0">
-              <a:spcBef>
-                <a:spcPts val="0"/>
-              </a:spcBef>
-              <a:spcAft>
-                <a:spcPts val="0"/>
-              </a:spcAft>
-            </a:pPr>
-            <a:r>
-              <a:rPr lang="en-GB" sz="1000" b="1" i="0" u="none" strike="noStrike" dirty="0">
-                <a:solidFill>
-                  <a:srgbClr val="000000"/>
-                </a:solidFill>
-                <a:effectLst/>
-                <a:latin typeface="Arial" panose="020B0604020202020204" pitchFamily="34" charset="0"/>
-              </a:rPr>
-              <a:t>How Spotify Dominates Apple, Google and Amazon in Music</a:t>
-            </a:r>
-            <a:endParaRPr lang="en-GB" sz="1000" b="0" dirty="0">
-              <a:effectLst/>
-            </a:endParaRPr>
-          </a:p>
-          <a:p>
-            <a:pPr rtl="0">
-              <a:spcBef>
-                <a:spcPts val="0"/>
-              </a:spcBef>
-              <a:spcAft>
-                <a:spcPts val="0"/>
-              </a:spcAft>
-            </a:pPr>
-            <a:r>
-              <a:rPr lang="en-GB" sz="1000" b="0" i="0" u="sng" strike="noStrike" dirty="0">
-                <a:solidFill>
-                  <a:srgbClr val="1155CC"/>
-                </a:solidFill>
-                <a:effectLst/>
-                <a:latin typeface="Arial" panose="020B0604020202020204" pitchFamily="34" charset="0"/>
-                <a:hlinkClick r:id="rId10"/>
-              </a:rPr>
-              <a:t>https://www.youtube.com/watch?v=6viSSo12-PQ&amp;list=WL&amp;index=13</a:t>
-            </a:r>
-            <a:endParaRPr lang="en-GB" sz="1000" b="0" dirty="0">
-              <a:effectLst/>
-            </a:endParaRPr>
-          </a:p>
-          <a:p>
-            <a:pPr rtl="0">
-              <a:spcBef>
-                <a:spcPts val="0"/>
-              </a:spcBef>
-              <a:spcAft>
-                <a:spcPts val="0"/>
-              </a:spcAft>
-            </a:pPr>
-            <a:r>
-              <a:rPr lang="en-GB" sz="1000" b="0" dirty="0">
-                <a:effectLst/>
-              </a:rPr>
-              <a:t> </a:t>
-            </a:r>
-          </a:p>
-          <a:p>
-            <a:pPr rtl="0">
-              <a:spcBef>
-                <a:spcPts val="0"/>
-              </a:spcBef>
-              <a:spcAft>
-                <a:spcPts val="0"/>
-              </a:spcAft>
-            </a:pPr>
-            <a:r>
-              <a:rPr lang="en-GB" sz="1000" b="1" i="0" u="none" strike="noStrike" dirty="0">
-                <a:solidFill>
-                  <a:srgbClr val="000000"/>
-                </a:solidFill>
-                <a:effectLst/>
-                <a:latin typeface="Arial" panose="020B0604020202020204" pitchFamily="34" charset="0"/>
-              </a:rPr>
-              <a:t>Spotify - Why They’re Successful</a:t>
-            </a:r>
-            <a:endParaRPr lang="en-GB" sz="1000" b="0" dirty="0">
-              <a:effectLst/>
-            </a:endParaRPr>
-          </a:p>
-          <a:p>
-            <a:pPr rtl="0">
-              <a:spcBef>
-                <a:spcPts val="0"/>
-              </a:spcBef>
-              <a:spcAft>
-                <a:spcPts val="0"/>
-              </a:spcAft>
-            </a:pPr>
-            <a:r>
-              <a:rPr lang="en-GB" sz="1000" b="0" i="0" u="sng" strike="noStrike" dirty="0">
-                <a:solidFill>
-                  <a:srgbClr val="1155CC"/>
-                </a:solidFill>
-                <a:effectLst/>
-                <a:latin typeface="Arial" panose="020B0604020202020204" pitchFamily="34" charset="0"/>
-                <a:hlinkClick r:id="rId11"/>
-              </a:rPr>
-              <a:t>https://www.youtube.com/watch?v=PBoz2XigTFA&amp;list=WL&amp;index=14</a:t>
-            </a:r>
-            <a:endParaRPr lang="en-GB" sz="1000" b="0" dirty="0">
-              <a:effectLst/>
-            </a:endParaRPr>
-          </a:p>
-          <a:p>
-            <a:pPr rtl="0">
-              <a:spcBef>
-                <a:spcPts val="0"/>
-              </a:spcBef>
-              <a:spcAft>
-                <a:spcPts val="0"/>
-              </a:spcAft>
-            </a:pPr>
-            <a:endParaRPr lang="en-GB" sz="1000" b="0" dirty="0">
-              <a:effectLst/>
-            </a:endParaRPr>
-          </a:p>
-          <a:p>
-            <a:pPr rtl="0">
-              <a:spcBef>
-                <a:spcPts val="0"/>
-              </a:spcBef>
-              <a:spcAft>
-                <a:spcPts val="0"/>
-              </a:spcAft>
-            </a:pPr>
-            <a:r>
-              <a:rPr lang="en-GB" sz="1000" b="1" i="0" u="none" strike="noStrike" dirty="0" err="1">
-                <a:solidFill>
-                  <a:srgbClr val="000000"/>
-                </a:solidFill>
-                <a:effectLst/>
-                <a:latin typeface="Arial" panose="020B0604020202020204" pitchFamily="34" charset="0"/>
-              </a:rPr>
-              <a:t>BusinessofApps</a:t>
-            </a:r>
-            <a:endParaRPr lang="en-GB" sz="1000" b="1" dirty="0">
-              <a:effectLst/>
-            </a:endParaRPr>
-          </a:p>
-          <a:p>
-            <a:pPr rtl="0">
-              <a:spcBef>
-                <a:spcPts val="0"/>
-              </a:spcBef>
-              <a:spcAft>
-                <a:spcPts val="0"/>
-              </a:spcAft>
-            </a:pPr>
-            <a:r>
-              <a:rPr lang="en-GB" sz="1000" b="0" i="0" u="none" strike="noStrike" dirty="0">
-                <a:solidFill>
-                  <a:srgbClr val="000000"/>
-                </a:solidFill>
-                <a:effectLst/>
-                <a:latin typeface="Arial" panose="020B0604020202020204" pitchFamily="34" charset="0"/>
-              </a:rPr>
-              <a:t>https://www.businessofapps.com/data/music-streaming-market/</a:t>
-            </a:r>
-            <a:endParaRPr lang="en-GB" sz="1000" b="0" dirty="0">
-              <a:effectLst/>
-            </a:endParaRPr>
-          </a:p>
-          <a:p>
-            <a:endParaRPr lang="en-GB" sz="1000" dirty="0"/>
-          </a:p>
-          <a:p>
-            <a:r>
-              <a:rPr lang="en-GB" sz="1000" b="1" dirty="0"/>
-              <a:t>BBC – How Spotify came to be worth millions</a:t>
-            </a:r>
-          </a:p>
-          <a:p>
-            <a:r>
-              <a:rPr lang="en-GB" sz="1000" b="0" i="0" u="none" strike="noStrike" dirty="0">
-                <a:solidFill>
-                  <a:srgbClr val="000000"/>
-                </a:solidFill>
-                <a:effectLst/>
-                <a:latin typeface="Arial" panose="020B0604020202020204" pitchFamily="34" charset="0"/>
-              </a:rPr>
-              <a:t>https://www.bbc.co.uk/news/newsbeat-43240886#:~:text=Founded%20by%20Daniel%20Ek%20and,the%20music%20 industry%20was%20facing.</a:t>
-            </a:r>
-            <a:br>
-              <a:rPr lang="en-GB" sz="1000" dirty="0"/>
-            </a:br>
-            <a:endParaRPr lang="en-GB" sz="1000" dirty="0"/>
-          </a:p>
-          <a:p>
-            <a:r>
-              <a:rPr lang="en-GB" sz="1000" b="1" dirty="0"/>
-              <a:t>Spotify</a:t>
-            </a:r>
-          </a:p>
-          <a:p>
-            <a:r>
-              <a:rPr lang="en-GB" sz="1000" dirty="0"/>
-              <a:t>https://spotify.design/team/</a:t>
-            </a:r>
-            <a:br>
-              <a:rPr lang="en-GB" sz="1100" dirty="0"/>
-            </a:br>
-            <a:endParaRPr lang="en-GB" sz="1100" b="0" i="0" u="sng" strike="noStrike" dirty="0">
-              <a:solidFill>
-                <a:srgbClr val="1155CC"/>
-              </a:solidFill>
-              <a:effectLst/>
-              <a:latin typeface="Arial" panose="020B0604020202020204" pitchFamily="34" charset="0"/>
-            </a:endParaRPr>
-          </a:p>
-          <a:p>
-            <a:pPr rtl="0">
-              <a:spcBef>
-                <a:spcPts val="0"/>
-              </a:spcBef>
-              <a:spcAft>
-                <a:spcPts val="0"/>
-              </a:spcAft>
-            </a:pPr>
-            <a:endParaRPr lang="en-GB" sz="1100" u="sng" dirty="0">
-              <a:solidFill>
-                <a:srgbClr val="1155CC"/>
-              </a:solidFill>
-              <a:latin typeface="Arial" panose="020B0604020202020204" pitchFamily="34" charset="0"/>
-            </a:endParaRPr>
-          </a:p>
-          <a:p>
-            <a:pPr rtl="0">
-              <a:spcBef>
-                <a:spcPts val="0"/>
-              </a:spcBef>
-              <a:spcAft>
-                <a:spcPts val="0"/>
-              </a:spcAft>
-            </a:pPr>
-            <a:endParaRPr lang="en-GB" sz="1100" b="0" dirty="0">
-              <a:effectLst/>
-            </a:endParaRPr>
-          </a:p>
-          <a:p>
-            <a:br>
-              <a:rPr lang="en-GB" sz="1100" dirty="0"/>
-            </a:br>
-            <a:endParaRPr lang="en-GB" sz="1100" u="sng" dirty="0">
-              <a:solidFill>
-                <a:srgbClr val="1155CC"/>
-              </a:solidFill>
-              <a:latin typeface="Arial" panose="020B0604020202020204" pitchFamily="34" charset="0"/>
-            </a:endParaRPr>
-          </a:p>
-          <a:p>
-            <a:pPr rtl="0">
-              <a:spcBef>
-                <a:spcPts val="0"/>
-              </a:spcBef>
-              <a:spcAft>
-                <a:spcPts val="0"/>
-              </a:spcAft>
-            </a:pPr>
-            <a:endParaRPr lang="en-GB" sz="1100" b="0" dirty="0">
-              <a:effectLst/>
-            </a:endParaRPr>
-          </a:p>
-          <a:p>
-            <a:br>
-              <a:rPr lang="en-GB" dirty="0"/>
-            </a:br>
-            <a:br>
-              <a:rPr lang="en-GB" dirty="0"/>
-            </a:br>
-            <a:endParaRPr lang="en-GB" dirty="0"/>
-          </a:p>
-        </p:txBody>
-      </p:sp>
-    </p:spTree>
-    <p:extLst>
-      <p:ext uri="{BB962C8B-B14F-4D97-AF65-F5344CB8AC3E}">
-        <p14:creationId xmlns:p14="http://schemas.microsoft.com/office/powerpoint/2010/main" val="778595322"/>
-      </p:ext>
-    </p:extLst>
-  </p:cSld>
-  <p:clrMapOvr>
-    <a:masterClrMapping/>
-  </p:clrMapOvr>
-</p:sld>
-</file>
-
-<file path=ppt/slides/slide12.xml><?xml version="1.0" encoding="utf-8"?>
-<p:sld xmlns:a="http://schemas.openxmlformats.org/drawingml/2006/main" xmlns:r="http://schemas.openxmlformats.org/officeDocument/2006/relationships" xmlns:p="http://schemas.openxmlformats.org/presentationml/2006/main">
-  <p:cSld>
-    <p:spTree>
-      <p:nvGrpSpPr>
-        <p:cNvPr id="1" name=""/>
-        <p:cNvGrpSpPr/>
-        <p:nvPr/>
-      </p:nvGrpSpPr>
-      <p:grpSpPr>
-        <a:xfrm>
-          <a:off x="0" y="0"/>
-          <a:ext cx="0" cy="0"/>
-          <a:chOff x="0" y="0"/>
-          <a:chExt cx="0" cy="0"/>
-        </a:xfrm>
-      </p:grpSpPr>
-      <p:sp>
-        <p:nvSpPr>
-          <p:cNvPr id="3" name="Slide Number Placeholder 2">
-            <a:extLst>
-              <a:ext uri="{FF2B5EF4-FFF2-40B4-BE49-F238E27FC236}">
-                <a16:creationId xmlns:a16="http://schemas.microsoft.com/office/drawing/2014/main" id="{F84A6A36-BFC0-43F7-8D52-046D4878C8F0}"/>
-              </a:ext>
-            </a:extLst>
-          </p:cNvPr>
-          <p:cNvSpPr>
-            <a:spLocks noGrp="1"/>
-          </p:cNvSpPr>
-          <p:nvPr>
-            <p:ph type="sldNum" sz="quarter" idx="11"/>
-          </p:nvPr>
-        </p:nvSpPr>
-        <p:spPr/>
-        <p:txBody>
-          <a:bodyPr/>
-          <a:lstStyle/>
-          <a:p>
-            <a:fld id="{8C2E478F-E849-4A8C-AF1F-CBCC78A7CBFA}" type="slidenum">
-              <a:rPr lang="en-US" smtClean="0"/>
-              <a:pPr/>
-              <a:t>12</a:t>
-            </a:fld>
-            <a:endParaRPr lang="en-US" dirty="0"/>
-          </a:p>
-        </p:txBody>
-      </p:sp>
-      <p:sp>
-        <p:nvSpPr>
-          <p:cNvPr id="4" name="TextBox 3">
-            <a:extLst>
-              <a:ext uri="{FF2B5EF4-FFF2-40B4-BE49-F238E27FC236}">
-                <a16:creationId xmlns:a16="http://schemas.microsoft.com/office/drawing/2014/main" id="{43BA2787-CB8C-4858-B1BE-966095FA2C28}"/>
-              </a:ext>
-            </a:extLst>
-          </p:cNvPr>
-          <p:cNvSpPr txBox="1"/>
-          <p:nvPr/>
-        </p:nvSpPr>
-        <p:spPr>
-          <a:xfrm>
-            <a:off x="0" y="0"/>
-            <a:ext cx="12191999" cy="5032147"/>
-          </a:xfrm>
-          <a:prstGeom prst="rect">
-            <a:avLst/>
-          </a:prstGeom>
-          <a:noFill/>
-        </p:spPr>
-        <p:txBody>
-          <a:bodyPr wrap="square" rtlCol="0">
-            <a:spAutoFit/>
-          </a:bodyPr>
-          <a:lstStyle/>
-          <a:p>
-            <a:pPr rtl="0">
-              <a:spcBef>
-                <a:spcPts val="0"/>
-              </a:spcBef>
-              <a:spcAft>
-                <a:spcPts val="0"/>
-              </a:spcAft>
-            </a:pPr>
-            <a:r>
-              <a:rPr lang="en-GB" sz="1400" b="1" u="sng" dirty="0"/>
-              <a:t>J.A.R.V.I.S</a:t>
-            </a:r>
-            <a:r>
-              <a:rPr lang="en-GB" sz="1400" b="1" u="sng" dirty="0">
-                <a:effectLst/>
-              </a:rPr>
-              <a:t> References</a:t>
-            </a:r>
-            <a:endParaRPr lang="en-GB" sz="1400" b="0" dirty="0">
-              <a:effectLst/>
-            </a:endParaRPr>
-          </a:p>
-          <a:p>
-            <a:endParaRPr lang="en-GB" sz="1100" dirty="0">
-              <a:solidFill>
-                <a:srgbClr val="000000"/>
-              </a:solidFill>
-              <a:latin typeface="Arial" panose="020B0604020202020204" pitchFamily="34" charset="0"/>
-            </a:endParaRPr>
-          </a:p>
-          <a:p>
-            <a:r>
-              <a:rPr lang="en-GB" sz="1100" b="1" dirty="0">
-                <a:solidFill>
-                  <a:srgbClr val="000000"/>
-                </a:solidFill>
-                <a:latin typeface="Arial" panose="020B0604020202020204" pitchFamily="34" charset="0"/>
-              </a:rPr>
-              <a:t>Ironman Fandom</a:t>
-            </a:r>
-          </a:p>
-          <a:p>
-            <a:pPr rtl="0">
-              <a:spcBef>
-                <a:spcPts val="0"/>
-              </a:spcBef>
-              <a:spcAft>
-                <a:spcPts val="0"/>
-              </a:spcAft>
-            </a:pPr>
-            <a:r>
-              <a:rPr lang="en-GB" sz="1100" b="0" i="0" u="sng" strike="noStrike" dirty="0">
-                <a:solidFill>
-                  <a:srgbClr val="1155CC"/>
-                </a:solidFill>
-                <a:effectLst/>
-                <a:latin typeface="Arial" panose="020B0604020202020204" pitchFamily="34" charset="0"/>
-                <a:hlinkClick r:id="rId2"/>
-              </a:rPr>
-              <a:t>https://ironman.fandom.com/wiki/J.A.R.V.I.S</a:t>
-            </a:r>
-            <a:r>
-              <a:rPr lang="en-GB" sz="1100" b="0" i="0" u="none" strike="noStrike" dirty="0">
-                <a:solidFill>
-                  <a:srgbClr val="0A1829"/>
-                </a:solidFill>
-                <a:effectLst/>
-                <a:latin typeface="Arial" panose="020B0604020202020204" pitchFamily="34" charset="0"/>
-              </a:rPr>
-              <a:t>.</a:t>
-            </a:r>
-          </a:p>
-          <a:p>
-            <a:pPr rtl="0">
-              <a:spcBef>
-                <a:spcPts val="0"/>
-              </a:spcBef>
-              <a:spcAft>
-                <a:spcPts val="0"/>
-              </a:spcAft>
-            </a:pPr>
-            <a:endParaRPr lang="en-GB" sz="1100" b="0" dirty="0">
-              <a:effectLst/>
-            </a:endParaRPr>
-          </a:p>
-          <a:p>
-            <a:pPr rtl="0">
-              <a:spcBef>
-                <a:spcPts val="0"/>
-              </a:spcBef>
-              <a:spcAft>
-                <a:spcPts val="0"/>
-              </a:spcAft>
-            </a:pPr>
-            <a:r>
-              <a:rPr lang="en-GB" sz="1100" b="1" dirty="0"/>
-              <a:t>J.A.R.V.I.S Fandom</a:t>
-            </a:r>
-            <a:br>
-              <a:rPr lang="en-GB" sz="1100" b="0" dirty="0">
-                <a:effectLst/>
-              </a:rPr>
-            </a:br>
-            <a:r>
-              <a:rPr lang="en-GB" sz="1100" b="0" i="0" u="sng" strike="noStrike" dirty="0">
-                <a:solidFill>
-                  <a:srgbClr val="1155CC"/>
-                </a:solidFill>
-                <a:effectLst/>
-                <a:latin typeface="Arial" panose="020B0604020202020204" pitchFamily="34" charset="0"/>
-                <a:hlinkClick r:id="rId3"/>
-              </a:rPr>
-              <a:t>J.A.R.V.I.S. | Marvel Cinematic Universe Wiki | Fandom</a:t>
-            </a:r>
-            <a:endParaRPr lang="en-GB" sz="1100" b="0" dirty="0">
-              <a:effectLst/>
-            </a:endParaRPr>
-          </a:p>
-          <a:p>
-            <a:pPr rtl="0">
-              <a:spcBef>
-                <a:spcPts val="0"/>
-              </a:spcBef>
-              <a:spcAft>
-                <a:spcPts val="0"/>
-              </a:spcAft>
-            </a:pPr>
-            <a:endParaRPr lang="en-GB" sz="1100" b="0" dirty="0">
-              <a:effectLst/>
-            </a:endParaRPr>
-          </a:p>
-          <a:p>
-            <a:pPr rtl="0">
-              <a:spcBef>
-                <a:spcPts val="0"/>
-              </a:spcBef>
-              <a:spcAft>
-                <a:spcPts val="0"/>
-              </a:spcAft>
-            </a:pPr>
-            <a:r>
-              <a:rPr lang="en-GB" sz="1100" b="1" dirty="0">
-                <a:effectLst/>
-              </a:rPr>
-              <a:t>Marvel Movies Fandom</a:t>
-            </a:r>
-            <a:br>
-              <a:rPr lang="en-GB" sz="1100" b="0" dirty="0">
-                <a:effectLst/>
-              </a:rPr>
-            </a:br>
-            <a:r>
-              <a:rPr lang="en-GB" sz="1100" b="0" i="0" u="sng" strike="noStrike" dirty="0">
-                <a:solidFill>
-                  <a:srgbClr val="1155CC"/>
-                </a:solidFill>
-                <a:effectLst/>
-                <a:latin typeface="Arial" panose="020B0604020202020204" pitchFamily="34" charset="0"/>
-                <a:hlinkClick r:id="rId4"/>
-              </a:rPr>
-              <a:t>Just A Rather Very Intelligent System | Marvel Movies | Fandom</a:t>
-            </a:r>
-            <a:endParaRPr lang="en-GB" sz="1100" b="0" dirty="0">
-              <a:effectLst/>
-            </a:endParaRPr>
-          </a:p>
-          <a:p>
-            <a:pPr rtl="0">
-              <a:spcBef>
-                <a:spcPts val="0"/>
-              </a:spcBef>
-              <a:spcAft>
-                <a:spcPts val="0"/>
-              </a:spcAft>
-            </a:pPr>
-            <a:endParaRPr lang="en-GB" sz="1100" b="0" dirty="0">
-              <a:effectLst/>
-            </a:endParaRPr>
-          </a:p>
-          <a:p>
-            <a:pPr rtl="0">
-              <a:spcBef>
-                <a:spcPts val="0"/>
-              </a:spcBef>
-              <a:spcAft>
-                <a:spcPts val="0"/>
-              </a:spcAft>
-            </a:pPr>
-            <a:r>
-              <a:rPr lang="en-GB" sz="1100" b="1" dirty="0">
-                <a:effectLst/>
-              </a:rPr>
-              <a:t>Marvel Fandom page</a:t>
-            </a:r>
-            <a:br>
-              <a:rPr lang="en-GB" sz="1100" b="0" dirty="0">
-                <a:effectLst/>
-              </a:rPr>
-            </a:br>
-            <a:r>
-              <a:rPr lang="en-GB" sz="1100" b="0" i="0" u="sng" strike="noStrike" dirty="0">
-                <a:solidFill>
-                  <a:srgbClr val="1155CC"/>
-                </a:solidFill>
-                <a:effectLst/>
-                <a:latin typeface="Arial" panose="020B0604020202020204" pitchFamily="34" charset="0"/>
-                <a:hlinkClick r:id="rId5"/>
-              </a:rPr>
-              <a:t>https://marvel.fandom.com/wiki/Marvel_Database</a:t>
-            </a:r>
-            <a:endParaRPr lang="en-GB" sz="1100" b="0" dirty="0">
-              <a:effectLst/>
-            </a:endParaRPr>
-          </a:p>
-          <a:p>
-            <a:pPr rtl="0">
-              <a:spcBef>
-                <a:spcPts val="0"/>
-              </a:spcBef>
-              <a:spcAft>
-                <a:spcPts val="0"/>
-              </a:spcAft>
-            </a:pPr>
-            <a:br>
-              <a:rPr lang="en-GB" sz="1100" b="0" dirty="0">
-                <a:effectLst/>
-              </a:rPr>
-            </a:br>
-            <a:br>
-              <a:rPr lang="en-GB" sz="1100" dirty="0"/>
-            </a:br>
-            <a:br>
-              <a:rPr lang="en-GB" sz="1100" dirty="0"/>
-            </a:br>
-            <a:br>
-              <a:rPr lang="en-GB" sz="1100" dirty="0"/>
-            </a:br>
-            <a:endParaRPr lang="en-GB" sz="1100" b="0" i="0" u="sng" strike="noStrike" dirty="0">
-              <a:solidFill>
-                <a:srgbClr val="1155CC"/>
-              </a:solidFill>
-              <a:effectLst/>
-              <a:latin typeface="Arial" panose="020B0604020202020204" pitchFamily="34" charset="0"/>
-            </a:endParaRPr>
-          </a:p>
-          <a:p>
-            <a:pPr rtl="0">
-              <a:spcBef>
-                <a:spcPts val="0"/>
-              </a:spcBef>
-              <a:spcAft>
-                <a:spcPts val="0"/>
-              </a:spcAft>
-            </a:pPr>
-            <a:endParaRPr lang="en-GB" sz="1100" u="sng" dirty="0">
-              <a:solidFill>
-                <a:srgbClr val="1155CC"/>
-              </a:solidFill>
-              <a:latin typeface="Arial" panose="020B0604020202020204" pitchFamily="34" charset="0"/>
-            </a:endParaRPr>
-          </a:p>
-          <a:p>
-            <a:pPr rtl="0">
-              <a:spcBef>
-                <a:spcPts val="0"/>
-              </a:spcBef>
-              <a:spcAft>
-                <a:spcPts val="0"/>
-              </a:spcAft>
-            </a:pPr>
-            <a:endParaRPr lang="en-GB" sz="1100" b="0" dirty="0">
-              <a:effectLst/>
-            </a:endParaRPr>
-          </a:p>
-          <a:p>
-            <a:br>
-              <a:rPr lang="en-GB" sz="1100" dirty="0"/>
-            </a:br>
-            <a:endParaRPr lang="en-GB" sz="1100" u="sng" dirty="0">
-              <a:solidFill>
-                <a:srgbClr val="1155CC"/>
-              </a:solidFill>
-              <a:latin typeface="Arial" panose="020B0604020202020204" pitchFamily="34" charset="0"/>
-            </a:endParaRPr>
-          </a:p>
-          <a:p>
-            <a:pPr rtl="0">
-              <a:spcBef>
-                <a:spcPts val="0"/>
-              </a:spcBef>
-              <a:spcAft>
-                <a:spcPts val="0"/>
-              </a:spcAft>
-            </a:pPr>
-            <a:endParaRPr lang="en-GB" sz="1100" b="0" dirty="0">
-              <a:effectLst/>
-            </a:endParaRPr>
-          </a:p>
-          <a:p>
-            <a:br>
-              <a:rPr lang="en-GB" dirty="0"/>
-            </a:br>
-            <a:br>
-              <a:rPr lang="en-GB" dirty="0"/>
-            </a:br>
-            <a:endParaRPr lang="en-GB" dirty="0"/>
-          </a:p>
-        </p:txBody>
-      </p:sp>
-    </p:spTree>
-    <p:extLst>
-      <p:ext uri="{BB962C8B-B14F-4D97-AF65-F5344CB8AC3E}">
-        <p14:creationId xmlns:p14="http://schemas.microsoft.com/office/powerpoint/2010/main" val="3973190086"/>
-      </p:ext>
-    </p:extLst>
-  </p:cSld>
-  <p:clrMapOvr>
-    <a:masterClrMapping/>
-  </p:clrMapOvr>
-</p:sld>
-</file>
-
-<file path=ppt/slides/slide13.xml><?xml version="1.0" encoding="utf-8"?>
 <p:sld xmlns:a="http://schemas.openxmlformats.org/drawingml/2006/main" xmlns:r="http://schemas.openxmlformats.org/officeDocument/2006/relationships" xmlns:p="http://schemas.openxmlformats.org/presentationml/2006/main">
   <p:cSld>
     <p:bg>
@@ -18310,7 +17229,7 @@
             <a:fld id="{8C2E478F-E849-4A8C-AF1F-CBCC78A7CBFA}" type="slidenum">
               <a:rPr lang="en-US" smtClean="0"/>
               <a:pPr/>
-              <a:t>13</a:t>
+              <a:t>11</a:t>
             </a:fld>
             <a:endParaRPr lang="en-US" dirty="0"/>
           </a:p>
@@ -19512,6 +18431,69 @@
           </a:p>
         </p:txBody>
       </p:sp>
+      <p:sp>
+        <p:nvSpPr>
+          <p:cNvPr id="11" name="TextBox 10">
+            <a:extLst>
+              <a:ext uri="{FF2B5EF4-FFF2-40B4-BE49-F238E27FC236}">
+                <a16:creationId xmlns:a16="http://schemas.microsoft.com/office/drawing/2014/main" id="{2FC7A773-7164-4881-92D0-BD9089D7D2D3}"/>
+              </a:ext>
+            </a:extLst>
+          </p:cNvPr>
+          <p:cNvSpPr txBox="1"/>
+          <p:nvPr/>
+        </p:nvSpPr>
+        <p:spPr>
+          <a:xfrm>
+            <a:off x="5902624" y="6492081"/>
+            <a:ext cx="6094562" cy="230832"/>
+          </a:xfrm>
+          <a:prstGeom prst="rect">
+            <a:avLst/>
+          </a:prstGeom>
+          <a:noFill/>
+        </p:spPr>
+        <p:txBody>
+          <a:bodyPr wrap="square">
+            <a:spAutoFit/>
+          </a:bodyPr>
+          <a:lstStyle/>
+          <a:p>
+            <a:r>
+              <a:rPr lang="en-GB" sz="900" b="0" i="0" u="none" strike="noStrike" dirty="0">
+                <a:solidFill>
+                  <a:srgbClr val="000000"/>
+                </a:solidFill>
+                <a:effectLst/>
+                <a:latin typeface="Arial" panose="020B0604020202020204" pitchFamily="34" charset="0"/>
+              </a:rPr>
+              <a:t>Fandom (2021) J.A.R.V.I.S. Available from: </a:t>
+            </a:r>
+            <a:r>
+              <a:rPr lang="en-GB" sz="900" b="0" i="0" u="sng" strike="noStrike" dirty="0">
+                <a:solidFill>
+                  <a:srgbClr val="1155CC"/>
+                </a:solidFill>
+                <a:effectLst/>
+                <a:latin typeface="Arial" panose="020B0604020202020204" pitchFamily="34" charset="0"/>
+                <a:hlinkClick r:id="rId5"/>
+              </a:rPr>
+              <a:t>https://disney.fandom.com/wiki/J.A.R.V.I.S</a:t>
+            </a:r>
+            <a:r>
+              <a:rPr lang="en-GB" sz="900" b="0" i="0" u="none" strike="noStrike" dirty="0">
+                <a:solidFill>
+                  <a:srgbClr val="000000"/>
+                </a:solidFill>
+                <a:effectLst/>
+                <a:latin typeface="Arial" panose="020B0604020202020204" pitchFamily="34" charset="0"/>
+              </a:rPr>
+              <a:t>. [Accessed 25 March 2022]</a:t>
+            </a:r>
+            <a:endParaRPr lang="en-GB" sz="900" dirty="0"/>
+          </a:p>
+        </p:txBody>
+      </p:sp>
     </p:spTree>
     <p:extLst>
       <p:ext uri="{BB962C8B-B14F-4D97-AF65-F5344CB8AC3E}">
@@ -20413,6 +19395,9 @@
               <a:t>Feedback – communicates an action you expect to happen as a consequence of the user’s interaction </a:t>
             </a:r>
           </a:p>
+          <a:p>
+            <a:endParaRPr lang="en-US" dirty="0"/>
+          </a:p>
         </p:txBody>
       </p:sp>
       <p:sp>
@@ -20429,7 +19414,70 @@
         </p:nvSpPr>
         <p:spPr>
           <a:xfrm>
-            <a:off x="0" y="6607628"/>
+            <a:off x="7083485" y="6129651"/>
+            <a:ext cx="5314504" cy="507831"/>
+          </a:xfrm>
+          <a:prstGeom prst="rect">
+            <a:avLst/>
+          </a:prstGeom>
+          <a:noFill/>
+        </p:spPr>
+        <p:txBody>
+          <a:bodyPr wrap="square" rtlCol="0">
+            <a:spAutoFit/>
+          </a:bodyPr>
+          <a:lstStyle/>
+          <a:p>
+            <a:r>
+              <a:rPr lang="en-GB" sz="900" b="0" i="0" u="none" strike="noStrike" dirty="0">
+                <a:solidFill>
+                  <a:srgbClr val="000000"/>
+                </a:solidFill>
+                <a:effectLst/>
+                <a:latin typeface="Arial" panose="020B0604020202020204" pitchFamily="34" charset="0"/>
+              </a:rPr>
+              <a:t>Davis, E/Fandango (2016) Available from: </a:t>
+            </a:r>
+            <a:r>
+              <a:rPr lang="en-GB" sz="900" b="0" i="0" u="sng" strike="noStrike" dirty="0">
+                <a:solidFill>
+                  <a:srgbClr val="1155CC"/>
+                </a:solidFill>
+                <a:effectLst/>
+                <a:latin typeface="Arial" panose="020B0604020202020204" pitchFamily="34" charset="0"/>
+                <a:hlinkClick r:id="rId3"/>
+              </a:rPr>
+              <a:t>https://www.fandango.com/movie-news/mark-zuckerberg-is-building-a-real-life-jarvis-just-like-tony-stark-in-the-iron-man-movies-750308</a:t>
+            </a:r>
+            <a:r>
+              <a:rPr lang="en-GB" sz="900" b="0" i="0" u="none" strike="noStrike" dirty="0">
+                <a:solidFill>
+                  <a:srgbClr val="000000"/>
+                </a:solidFill>
+                <a:effectLst/>
+                <a:latin typeface="Arial" panose="020B0604020202020204" pitchFamily="34" charset="0"/>
+              </a:rPr>
+              <a:t> [Accessed 25 March 2022]</a:t>
+            </a:r>
+            <a:endParaRPr lang="en-GB" sz="900" dirty="0"/>
+          </a:p>
+        </p:txBody>
+      </p:sp>
+      <p:sp>
+        <p:nvSpPr>
+          <p:cNvPr id="10" name="TextBox 9">
+            <a:extLst>
+              <a:ext uri="{FF2B5EF4-FFF2-40B4-BE49-F238E27FC236}">
+                <a16:creationId xmlns:a16="http://schemas.microsoft.com/office/drawing/2014/main" id="{FCC3C832-20F6-4E0D-825D-97D770D00ACA}"/>
+              </a:ext>
+            </a:extLst>
+          </p:cNvPr>
+          <p:cNvSpPr txBox="1"/>
+          <p:nvPr/>
+        </p:nvSpPr>
+        <p:spPr>
+          <a:xfrm>
+            <a:off x="1001485" y="6383567"/>
             <a:ext cx="6198994" cy="215444"/>
           </a:xfrm>
           <a:prstGeom prst="rect">
@@ -20445,8 +19493,68 @@
           <a:p>
             <a:r>
               <a:rPr lang="en-GB" sz="800" dirty="0"/>
-              <a:t>https://www.fandango.com/movie-news/mark-zuckerberg-is-building-a-real-life-jarvis-just-like-tony-stark-in-the-iron-man-movies-750308</a:t>
-            </a:r>
+              <a:t>Norman, D.A, (2013) </a:t>
+            </a:r>
+            <a:r>
+              <a:rPr lang="en-GB" sz="800" i="1" dirty="0"/>
+              <a:t>Design of Everyday Things</a:t>
+            </a:r>
+            <a:r>
+              <a:rPr lang="en-GB" sz="800" dirty="0"/>
+              <a:t>. revised and expanded edition. Cambridge, Mass: MIT Press Ltd.</a:t>
+            </a:r>
+          </a:p>
+        </p:txBody>
+      </p:sp>
+      <p:sp>
+        <p:nvSpPr>
+          <p:cNvPr id="15" name="TextBox 14">
+            <a:extLst>
+              <a:ext uri="{FF2B5EF4-FFF2-40B4-BE49-F238E27FC236}">
+                <a16:creationId xmlns:a16="http://schemas.microsoft.com/office/drawing/2014/main" id="{609EE2A4-6547-4584-B10F-02316A9E2E53}"/>
+              </a:ext>
+            </a:extLst>
+          </p:cNvPr>
+          <p:cNvSpPr txBox="1"/>
+          <p:nvPr/>
+        </p:nvSpPr>
+        <p:spPr>
+          <a:xfrm>
+            <a:off x="957942" y="571249"/>
+            <a:ext cx="2026797" cy="923330"/>
+          </a:xfrm>
+          <a:prstGeom prst="rect">
+            <a:avLst/>
+          </a:prstGeom>
+          <a:noFill/>
+        </p:spPr>
+        <p:txBody>
+          <a:bodyPr wrap="square">
+            <a:spAutoFit/>
+          </a:bodyPr>
+          <a:lstStyle/>
+          <a:p>
+            <a:r>
+              <a:rPr lang="en-GB" sz="900" b="0" i="1" u="none" strike="noStrike" dirty="0">
+                <a:solidFill>
+                  <a:srgbClr val="0A1829"/>
+                </a:solidFill>
+                <a:effectLst/>
+                <a:latin typeface="Arial" panose="020B0604020202020204" pitchFamily="34" charset="0"/>
+              </a:rPr>
+              <a:t>Movies</a:t>
+            </a:r>
+            <a:r>
+              <a:rPr lang="en-GB" sz="900" b="0" i="0" u="none" strike="noStrike" dirty="0">
+                <a:solidFill>
+                  <a:srgbClr val="0A1829"/>
+                </a:solidFill>
+                <a:effectLst/>
+                <a:latin typeface="Arial" panose="020B0604020202020204" pitchFamily="34" charset="0"/>
+              </a:rPr>
+              <a:t>.2022 [online]. Available from: https://marvel-movies.fandom.com/wiki/Just_A_Rather_Very_Intelligent_System#Capabilities [Accessed 7 April 2022]. (Wiki Targeted, 2022)</a:t>
+            </a:r>
+            <a:endParaRPr lang="en-GB" sz="900" dirty="0"/>
           </a:p>
         </p:txBody>
       </p:sp>
@@ -20700,6 +19808,92 @@
           </a:extLst>
         </p:spPr>
       </p:pic>
+      <p:sp>
+        <p:nvSpPr>
+          <p:cNvPr id="10" name="TextBox 9">
+            <a:extLst>
+              <a:ext uri="{FF2B5EF4-FFF2-40B4-BE49-F238E27FC236}">
+                <a16:creationId xmlns:a16="http://schemas.microsoft.com/office/drawing/2014/main" id="{BF5A32D5-5174-4851-92E9-57CA42DBE19C}"/>
+              </a:ext>
+            </a:extLst>
+          </p:cNvPr>
+          <p:cNvSpPr txBox="1"/>
+          <p:nvPr/>
+        </p:nvSpPr>
+        <p:spPr>
+          <a:xfrm>
+            <a:off x="4969636" y="4822530"/>
+            <a:ext cx="2177709" cy="461665"/>
+          </a:xfrm>
+          <a:prstGeom prst="rect">
+            <a:avLst/>
+          </a:prstGeom>
+          <a:noFill/>
+        </p:spPr>
+        <p:txBody>
+          <a:bodyPr wrap="square" rtlCol="0">
+            <a:spAutoFit/>
+          </a:bodyPr>
+          <a:lstStyle/>
+          <a:p>
+            <a:r>
+              <a:rPr lang="en-GB" sz="800" dirty="0"/>
+              <a:t>Norman, D.A, (2013)</a:t>
+            </a:r>
+            <a:r>
+              <a:rPr lang="en-GB" sz="800" i="1" dirty="0"/>
+              <a:t> Design of Everyday Things</a:t>
+            </a:r>
+            <a:r>
+              <a:rPr lang="en-GB" sz="800" dirty="0"/>
+              <a:t>. revised and expanded edition. Cambridge, Mass: MIT Press Ltd.</a:t>
+            </a:r>
+          </a:p>
+        </p:txBody>
+      </p:sp>
+      <p:sp>
+        <p:nvSpPr>
+          <p:cNvPr id="11" name="TextBox 10">
+            <a:extLst>
+              <a:ext uri="{FF2B5EF4-FFF2-40B4-BE49-F238E27FC236}">
+                <a16:creationId xmlns:a16="http://schemas.microsoft.com/office/drawing/2014/main" id="{3C959DD4-97DE-4538-845C-A005CCB097F0}"/>
+              </a:ext>
+            </a:extLst>
+          </p:cNvPr>
+          <p:cNvSpPr txBox="1"/>
+          <p:nvPr/>
+        </p:nvSpPr>
+        <p:spPr>
+          <a:xfrm>
+            <a:off x="4969636" y="4818375"/>
+            <a:ext cx="2177709" cy="461665"/>
+          </a:xfrm>
+          <a:prstGeom prst="rect">
+            <a:avLst/>
+          </a:prstGeom>
+          <a:noFill/>
+        </p:spPr>
+        <p:txBody>
+          <a:bodyPr wrap="square" rtlCol="0">
+            <a:spAutoFit/>
+          </a:bodyPr>
+          <a:lstStyle/>
+          <a:p>
+            <a:r>
+              <a:rPr lang="en-GB" sz="800" dirty="0"/>
+              <a:t>Norman, D.A, (2013)</a:t>
+            </a:r>
+            <a:r>
+              <a:rPr lang="en-GB" sz="800" i="1" dirty="0"/>
+              <a:t> Design of Everyday Things</a:t>
+            </a:r>
+            <a:r>
+              <a:rPr lang="en-GB" sz="800" dirty="0"/>
+              <a:t>. revised and expanded edition. Cambridge, Mass: MIT Press Ltd.</a:t>
+            </a:r>
+          </a:p>
+        </p:txBody>
+      </p:sp>
     </p:spTree>
     <p:extLst>
       <p:ext uri="{BB962C8B-B14F-4D97-AF65-F5344CB8AC3E}">
@@ -21696,6 +20890,49 @@
           <a:p>
             <a:pPr algn="ctr"/>
             <a:endParaRPr lang="en-US" dirty="0"/>
+          </a:p>
+        </p:txBody>
+      </p:sp>
+      <p:sp>
+        <p:nvSpPr>
+          <p:cNvPr id="12" name="TextBox 11">
+            <a:extLst>
+              <a:ext uri="{FF2B5EF4-FFF2-40B4-BE49-F238E27FC236}">
+                <a16:creationId xmlns:a16="http://schemas.microsoft.com/office/drawing/2014/main" id="{C84BE7E2-4016-4766-BB3D-237A31A51022}"/>
+              </a:ext>
+            </a:extLst>
+          </p:cNvPr>
+          <p:cNvSpPr txBox="1"/>
+          <p:nvPr/>
+        </p:nvSpPr>
+        <p:spPr>
+          <a:xfrm>
+            <a:off x="5317587" y="6368534"/>
+            <a:ext cx="6295138" cy="369332"/>
+          </a:xfrm>
+          <a:prstGeom prst="rect">
+            <a:avLst/>
+          </a:prstGeom>
+          <a:noFill/>
+        </p:spPr>
+        <p:txBody>
+          <a:bodyPr wrap="square">
+            <a:spAutoFit/>
+          </a:bodyPr>
+          <a:lstStyle/>
+          <a:p>
+            <a:r>
+              <a:rPr lang="en-GB" sz="900" dirty="0"/>
+              <a:t>Dunne, A, Raby, F. (2013) </a:t>
+            </a:r>
+            <a:r>
+              <a:rPr lang="en-GB" sz="900" i="1" dirty="0"/>
+              <a:t>Speculative everything: design, fiction, and social dreaming</a:t>
+            </a:r>
+            <a:r>
+              <a:rPr lang="en-GB" sz="900" dirty="0"/>
+              <a:t>. 1st ed. Cambridge, Massachusetts: The MIT Press. </a:t>
+            </a:r>
           </a:p>
         </p:txBody>
       </p:sp>
@@ -23406,7 +22643,7 @@
         </p:blipFill>
         <p:spPr bwMode="auto">
           <a:xfrm>
-            <a:off x="7906554" y="3087211"/>
+            <a:off x="7980537" y="3429000"/>
             <a:ext cx="4117383" cy="2316028"/>
           </a:xfrm>
           <a:prstGeom prst="rect">
@@ -23424,6 +22661,307 @@
           </a:extLst>
         </p:spPr>
       </p:pic>
+      <p:sp>
+        <p:nvSpPr>
+          <p:cNvPr id="10" name="TextBox 9">
+            <a:extLst>
+              <a:ext uri="{FF2B5EF4-FFF2-40B4-BE49-F238E27FC236}">
+                <a16:creationId xmlns:a16="http://schemas.microsoft.com/office/drawing/2014/main" id="{6DD62D95-AB33-4B4B-943A-795BDFF9C74E}"/>
+              </a:ext>
+            </a:extLst>
+          </p:cNvPr>
+          <p:cNvSpPr txBox="1"/>
+          <p:nvPr/>
+        </p:nvSpPr>
+        <p:spPr>
+          <a:xfrm>
+            <a:off x="979713" y="703268"/>
+            <a:ext cx="3697988" cy="1200329"/>
+          </a:xfrm>
+          <a:prstGeom prst="rect">
+            <a:avLst/>
+          </a:prstGeom>
+          <a:noFill/>
+        </p:spPr>
+        <p:txBody>
+          <a:bodyPr wrap="square">
+            <a:spAutoFit/>
+          </a:bodyPr>
+          <a:lstStyle/>
+          <a:p>
+            <a:pPr rtl="0">
+              <a:spcBef>
+                <a:spcPts val="0"/>
+              </a:spcBef>
+              <a:spcAft>
+                <a:spcPts val="0"/>
+              </a:spcAft>
+            </a:pPr>
+            <a:r>
+              <a:rPr lang="en-GB" sz="900" b="0" i="0" u="none" strike="noStrike" dirty="0">
+                <a:solidFill>
+                  <a:srgbClr val="000000"/>
+                </a:solidFill>
+                <a:effectLst/>
+                <a:latin typeface="Arial" panose="020B0604020202020204" pitchFamily="34" charset="0"/>
+              </a:rPr>
+              <a:t>The New York Times (2014), </a:t>
+            </a:r>
+            <a:r>
+              <a:rPr lang="en-GB" sz="900" b="0" i="1" u="none" strike="noStrike" dirty="0">
+                <a:solidFill>
+                  <a:srgbClr val="000000"/>
+                </a:solidFill>
+                <a:effectLst/>
+                <a:latin typeface="Arial" panose="020B0604020202020204" pitchFamily="34" charset="0"/>
+              </a:rPr>
+              <a:t>Napster Documentary: Culture of Free | Retro Report | The New York Times</a:t>
+            </a:r>
+            <a:r>
+              <a:rPr lang="en-GB" sz="900" b="0" i="0" u="none" strike="noStrike" dirty="0">
+                <a:solidFill>
+                  <a:srgbClr val="000000"/>
+                </a:solidFill>
+                <a:effectLst/>
+                <a:latin typeface="Arial" panose="020B0604020202020204" pitchFamily="34" charset="0"/>
+              </a:rPr>
+              <a:t>. Available from: https://www.youtube.com/watch?v=CKrdsGdLVQ8</a:t>
+            </a:r>
+            <a:endParaRPr lang="en-GB" sz="900" b="0" dirty="0">
+              <a:effectLst/>
+            </a:endParaRPr>
+          </a:p>
+          <a:p>
+            <a:pPr rtl="0">
+              <a:spcBef>
+                <a:spcPts val="0"/>
+              </a:spcBef>
+              <a:spcAft>
+                <a:spcPts val="0"/>
+              </a:spcAft>
+            </a:pPr>
+            <a:r>
+              <a:rPr lang="en-GB" sz="900" b="0" i="0" u="none" strike="noStrike" dirty="0">
+                <a:solidFill>
+                  <a:srgbClr val="000000"/>
+                </a:solidFill>
+                <a:effectLst/>
+                <a:latin typeface="Arial" panose="020B0604020202020204" pitchFamily="34" charset="0"/>
+              </a:rPr>
+              <a:t>[Accessed 20 March 2022]</a:t>
+            </a:r>
+            <a:endParaRPr lang="en-GB" sz="900" b="0" dirty="0">
+              <a:effectLst/>
+            </a:endParaRPr>
+          </a:p>
+          <a:p>
+            <a:br>
+              <a:rPr lang="en-GB" dirty="0"/>
+            </a:br>
+            <a:endParaRPr lang="en-GB" dirty="0"/>
+          </a:p>
+        </p:txBody>
+      </p:sp>
+      <p:sp>
+        <p:nvSpPr>
+          <p:cNvPr id="11" name="TextBox 10">
+            <a:extLst>
+              <a:ext uri="{FF2B5EF4-FFF2-40B4-BE49-F238E27FC236}">
+                <a16:creationId xmlns:a16="http://schemas.microsoft.com/office/drawing/2014/main" id="{D63C98BD-2CAE-4A86-A673-C54F9F1E61B7}"/>
+              </a:ext>
+            </a:extLst>
+          </p:cNvPr>
+          <p:cNvSpPr txBox="1"/>
+          <p:nvPr/>
+        </p:nvSpPr>
+        <p:spPr>
+          <a:xfrm>
+            <a:off x="7980537" y="2937141"/>
+            <a:ext cx="4117383" cy="1061829"/>
+          </a:xfrm>
+          <a:prstGeom prst="rect">
+            <a:avLst/>
+          </a:prstGeom>
+          <a:noFill/>
+        </p:spPr>
+        <p:txBody>
+          <a:bodyPr wrap="square">
+            <a:spAutoFit/>
+          </a:bodyPr>
+          <a:lstStyle/>
+          <a:p>
+            <a:pPr rtl="0">
+              <a:spcBef>
+                <a:spcPts val="0"/>
+              </a:spcBef>
+              <a:spcAft>
+                <a:spcPts val="0"/>
+              </a:spcAft>
+            </a:pPr>
+            <a:r>
+              <a:rPr lang="en-GB" sz="900" b="0" i="0" u="none" strike="noStrike" dirty="0">
+                <a:solidFill>
+                  <a:srgbClr val="000000"/>
+                </a:solidFill>
+                <a:effectLst/>
+                <a:latin typeface="Arial" panose="020B0604020202020204" pitchFamily="34" charset="0"/>
+              </a:rPr>
+              <a:t>Harris. M (2022), </a:t>
+            </a:r>
+            <a:r>
+              <a:rPr lang="en-GB" sz="900" b="0" i="1" u="none" strike="noStrike" dirty="0">
+                <a:solidFill>
+                  <a:srgbClr val="000000"/>
+                </a:solidFill>
+                <a:effectLst/>
+                <a:latin typeface="Arial" panose="020B0604020202020204" pitchFamily="34" charset="0"/>
+              </a:rPr>
+              <a:t>Napster, </a:t>
+            </a:r>
+            <a:r>
+              <a:rPr lang="en-GB" sz="900" b="0" i="0" u="none" strike="noStrike" dirty="0">
+                <a:solidFill>
+                  <a:srgbClr val="000000"/>
+                </a:solidFill>
+                <a:effectLst/>
+                <a:latin typeface="Arial" panose="020B0604020202020204" pitchFamily="34" charset="0"/>
+              </a:rPr>
+              <a:t>Available from: https://www.lifewire.com/history-of-napster-2438592</a:t>
+            </a:r>
+            <a:endParaRPr lang="en-GB" sz="900" b="0" dirty="0">
+              <a:effectLst/>
+            </a:endParaRPr>
+          </a:p>
+          <a:p>
+            <a:pPr rtl="0">
+              <a:spcBef>
+                <a:spcPts val="0"/>
+              </a:spcBef>
+              <a:spcAft>
+                <a:spcPts val="0"/>
+              </a:spcAft>
+            </a:pPr>
+            <a:r>
+              <a:rPr lang="en-GB" sz="900" b="0" i="0" u="none" strike="noStrike" dirty="0">
+                <a:solidFill>
+                  <a:srgbClr val="000000"/>
+                </a:solidFill>
+                <a:effectLst/>
+                <a:latin typeface="Arial" panose="020B0604020202020204" pitchFamily="34" charset="0"/>
+              </a:rPr>
+              <a:t>[Accessed 25 March 2022]</a:t>
+            </a:r>
+            <a:endParaRPr lang="en-GB" sz="900" b="0" dirty="0">
+              <a:effectLst/>
+            </a:endParaRPr>
+          </a:p>
+          <a:p>
+            <a:br>
+              <a:rPr lang="en-GB" dirty="0"/>
+            </a:br>
+            <a:endParaRPr lang="en-GB" dirty="0"/>
+          </a:p>
+        </p:txBody>
+      </p:sp>
+      <p:sp>
+        <p:nvSpPr>
+          <p:cNvPr id="14" name="TextBox 13">
+            <a:extLst>
+              <a:ext uri="{FF2B5EF4-FFF2-40B4-BE49-F238E27FC236}">
+                <a16:creationId xmlns:a16="http://schemas.microsoft.com/office/drawing/2014/main" id="{2F7486AF-74F4-49BF-9F56-AFB0105F7FB2}"/>
+              </a:ext>
+            </a:extLst>
+          </p:cNvPr>
+          <p:cNvSpPr txBox="1"/>
+          <p:nvPr/>
+        </p:nvSpPr>
+        <p:spPr>
+          <a:xfrm>
+            <a:off x="7937368" y="5796171"/>
+            <a:ext cx="3931772" cy="1061829"/>
+          </a:xfrm>
+          <a:prstGeom prst="rect">
+            <a:avLst/>
+          </a:prstGeom>
+          <a:noFill/>
+        </p:spPr>
+        <p:txBody>
+          <a:bodyPr wrap="square">
+            <a:spAutoFit/>
+          </a:bodyPr>
+          <a:lstStyle/>
+          <a:p>
+            <a:pPr rtl="0">
+              <a:spcBef>
+                <a:spcPts val="0"/>
+              </a:spcBef>
+              <a:spcAft>
+                <a:spcPts val="0"/>
+              </a:spcAft>
+            </a:pPr>
+            <a:r>
+              <a:rPr lang="en-GB" sz="900" b="0" i="0" u="none" strike="noStrike" dirty="0">
+                <a:solidFill>
+                  <a:srgbClr val="000000"/>
+                </a:solidFill>
+                <a:effectLst/>
+                <a:latin typeface="Arial" panose="020B0604020202020204" pitchFamily="34" charset="0"/>
+              </a:rPr>
+              <a:t>Kopf. D (2022), </a:t>
+            </a:r>
+            <a:r>
+              <a:rPr lang="en-GB" sz="900" b="0" i="1" u="none" strike="noStrike" dirty="0">
+                <a:solidFill>
+                  <a:srgbClr val="000000"/>
+                </a:solidFill>
+                <a:effectLst/>
+                <a:latin typeface="Arial" panose="020B0604020202020204" pitchFamily="34" charset="0"/>
+              </a:rPr>
+              <a:t>Napster, yes that Napster, was just bought for $70 million</a:t>
+            </a:r>
+            <a:r>
+              <a:rPr lang="en-GB" sz="900" b="0" i="0" u="none" strike="noStrike" dirty="0">
+                <a:solidFill>
+                  <a:srgbClr val="000000"/>
+                </a:solidFill>
+                <a:effectLst/>
+                <a:latin typeface="Arial" panose="020B0604020202020204" pitchFamily="34" charset="0"/>
+              </a:rPr>
+              <a:t>, Available from: </a:t>
+            </a:r>
+            <a:r>
+              <a:rPr lang="en-GB" sz="900" b="0" i="0" u="sng" strike="noStrike" dirty="0">
+                <a:solidFill>
+                  <a:srgbClr val="1155CC"/>
+                </a:solidFill>
+                <a:effectLst/>
+                <a:latin typeface="Arial" panose="020B0604020202020204" pitchFamily="34" charset="0"/>
+                <a:hlinkClick r:id="rId4"/>
+              </a:rPr>
+              <a:t>https://qz.com/1897131/napster-was-just-bought-for-70-million/</a:t>
+            </a:r>
+            <a:r>
+              <a:rPr lang="en-GB" sz="900" b="0" i="0" u="none" strike="noStrike" dirty="0">
+                <a:solidFill>
+                  <a:srgbClr val="000000"/>
+                </a:solidFill>
+                <a:effectLst/>
+                <a:latin typeface="Arial" panose="020B0604020202020204" pitchFamily="34" charset="0"/>
+              </a:rPr>
+              <a:t> [Accessed 01 April 2022]</a:t>
+            </a:r>
+            <a:endParaRPr lang="en-GB" sz="900" b="0" dirty="0">
+              <a:effectLst/>
+            </a:endParaRPr>
+          </a:p>
+          <a:p>
+            <a:br>
+              <a:rPr lang="en-GB" dirty="0"/>
+            </a:br>
+            <a:endParaRPr lang="en-GB" dirty="0"/>
+          </a:p>
+        </p:txBody>
+      </p:sp>
     </p:spTree>
     <p:extLst>
       <p:ext uri="{BB962C8B-B14F-4D97-AF65-F5344CB8AC3E}">
@@ -23505,7 +23043,7 @@
           <a:p>
             <a:r>
               <a:rPr lang="en-US" dirty="0"/>
-              <a:t>Speculative Design</a:t>
+              <a:t>Leading Service</a:t>
             </a:r>
           </a:p>
         </p:txBody>
@@ -23625,10 +23163,10 @@
       </p:pic>
       <p:sp>
         <p:nvSpPr>
-          <p:cNvPr id="5" name="TextBox 4">
+          <p:cNvPr id="9" name="TextBox 8">
             <a:extLst>
               <a:ext uri="{FF2B5EF4-FFF2-40B4-BE49-F238E27FC236}">
-                <a16:creationId xmlns:a16="http://schemas.microsoft.com/office/drawing/2014/main" id="{D6AEC1AF-487F-4469-AF7B-472870C5A76B}"/>
+                <a16:creationId xmlns:a16="http://schemas.microsoft.com/office/drawing/2014/main" id="{2787D223-DF53-4CEC-BA29-F93E2A5CC3FA}"/>
               </a:ext>
             </a:extLst>
           </p:cNvPr>
@@ -23637,8 +23175,8 @@
         </p:nvSpPr>
         <p:spPr>
           <a:xfrm>
-            <a:off x="6459193" y="5679397"/>
-            <a:ext cx="5746661" cy="646331"/>
+            <a:off x="6415628" y="6185648"/>
+            <a:ext cx="5133640" cy="215444"/>
           </a:xfrm>
           <a:prstGeom prst="rect">
             <a:avLst/>
@@ -23652,8 +23190,51 @@
           <a:lstStyle/>
           <a:p>
             <a:r>
-              <a:rPr lang="en-GB" dirty="0"/>
-              <a:t>The iterative cycle of human design – Design of Everyday Things – Don Norman</a:t>
+              <a:rPr lang="en-GB" sz="800" dirty="0"/>
+              <a:t>Norman, D.A. (2013) </a:t>
+            </a:r>
+            <a:r>
+              <a:rPr lang="en-GB" sz="800" i="1" dirty="0"/>
+              <a:t>Design of Everyday Things </a:t>
+            </a:r>
+            <a:r>
+              <a:rPr lang="en-GB" sz="800" dirty="0"/>
+              <a:t>[diagram]. Cambridge, Mass: MIT Press Ltd, p. 212.</a:t>
+            </a:r>
+          </a:p>
+        </p:txBody>
+      </p:sp>
+      <p:sp>
+        <p:nvSpPr>
+          <p:cNvPr id="10" name="TextBox 9">
+            <a:extLst>
+              <a:ext uri="{FF2B5EF4-FFF2-40B4-BE49-F238E27FC236}">
+                <a16:creationId xmlns:a16="http://schemas.microsoft.com/office/drawing/2014/main" id="{819255C4-0D47-4FA9-BE09-C09ED1173580}"/>
+              </a:ext>
+            </a:extLst>
+          </p:cNvPr>
+          <p:cNvSpPr txBox="1"/>
+          <p:nvPr/>
+        </p:nvSpPr>
+        <p:spPr>
+          <a:xfrm>
+            <a:off x="6424689" y="5843247"/>
+            <a:ext cx="5133640" cy="276999"/>
+          </a:xfrm>
+          <a:prstGeom prst="rect">
+            <a:avLst/>
+          </a:prstGeom>
+          <a:noFill/>
+        </p:spPr>
+        <p:txBody>
+          <a:bodyPr wrap="square" rtlCol="0">
+            <a:spAutoFit/>
+          </a:bodyPr>
+          <a:lstStyle/>
+          <a:p>
+            <a:r>
+              <a:rPr lang="en-GB" sz="1200" dirty="0"/>
+              <a:t>Iterative Cycle of Human-Centred Design</a:t>
             </a:r>
           </a:p>
         </p:txBody>
@@ -24326,10 +23907,10 @@
       </p:sp>
       <p:sp>
         <p:nvSpPr>
-          <p:cNvPr id="5" name="TextBox 4">
+          <p:cNvPr id="11" name="TextBox 10">
             <a:extLst>
               <a:ext uri="{FF2B5EF4-FFF2-40B4-BE49-F238E27FC236}">
-                <a16:creationId xmlns:a16="http://schemas.microsoft.com/office/drawing/2014/main" id="{1429DFFF-5113-4E81-BF79-F334661C3481}"/>
+                <a16:creationId xmlns:a16="http://schemas.microsoft.com/office/drawing/2014/main" id="{B92D0D6A-E5A9-48AF-8BAA-ECEEBB75B811}"/>
               </a:ext>
             </a:extLst>
           </p:cNvPr>
@@ -24338,8 +23919,217 @@
         </p:nvSpPr>
         <p:spPr>
           <a:xfrm>
-            <a:off x="7220310" y="5529473"/>
-            <a:ext cx="4459856" cy="261610"/>
+            <a:off x="6635574" y="5471877"/>
+            <a:ext cx="4944622" cy="646331"/>
+          </a:xfrm>
+          <a:prstGeom prst="rect">
+            <a:avLst/>
+          </a:prstGeom>
+          <a:noFill/>
+        </p:spPr>
+        <p:txBody>
+          <a:bodyPr wrap="square">
+            <a:spAutoFit/>
+          </a:bodyPr>
+          <a:lstStyle/>
+          <a:p>
+            <a:br>
+              <a:rPr lang="en-GB" dirty="0"/>
+            </a:br>
+            <a:endParaRPr lang="en-GB" dirty="0"/>
+          </a:p>
+        </p:txBody>
+      </p:sp>
+      <p:sp>
+        <p:nvSpPr>
+          <p:cNvPr id="12" name="TextBox 11">
+            <a:extLst>
+              <a:ext uri="{FF2B5EF4-FFF2-40B4-BE49-F238E27FC236}">
+                <a16:creationId xmlns:a16="http://schemas.microsoft.com/office/drawing/2014/main" id="{DD3F28EA-DF5C-4639-AF0B-154D66EFF61F}"/>
+              </a:ext>
+            </a:extLst>
+          </p:cNvPr>
+          <p:cNvSpPr txBox="1"/>
+          <p:nvPr/>
+        </p:nvSpPr>
+        <p:spPr>
+          <a:xfrm>
+            <a:off x="5824987" y="47168"/>
+            <a:ext cx="2861813" cy="1338828"/>
+          </a:xfrm>
+          <a:prstGeom prst="rect">
+            <a:avLst/>
+          </a:prstGeom>
+          <a:noFill/>
+        </p:spPr>
+        <p:txBody>
+          <a:bodyPr wrap="square">
+            <a:spAutoFit/>
+          </a:bodyPr>
+          <a:lstStyle/>
+          <a:p>
+            <a:pPr rtl="0">
+              <a:spcBef>
+                <a:spcPts val="0"/>
+              </a:spcBef>
+              <a:spcAft>
+                <a:spcPts val="0"/>
+              </a:spcAft>
+            </a:pPr>
+            <a:r>
+              <a:rPr lang="en-GB" sz="900" b="0" i="0" u="none" strike="noStrike" dirty="0">
+                <a:solidFill>
+                  <a:srgbClr val="000000"/>
+                </a:solidFill>
+                <a:effectLst/>
+                <a:latin typeface="Arial" panose="020B0604020202020204" pitchFamily="34" charset="0"/>
+              </a:rPr>
+              <a:t>CNBC (2020), '</a:t>
+            </a:r>
+            <a:r>
+              <a:rPr lang="en-GB" sz="900" b="0" i="1" u="none" strike="noStrike" dirty="0">
+                <a:solidFill>
+                  <a:srgbClr val="000000"/>
+                </a:solidFill>
+                <a:effectLst/>
+                <a:latin typeface="Arial" panose="020B0604020202020204" pitchFamily="34" charset="0"/>
+              </a:rPr>
+              <a:t>How Spotify Dominates Apple, Google And Amazon In Music</a:t>
+            </a:r>
+            <a:r>
+              <a:rPr lang="en-GB" sz="900" b="0" i="0" u="none" strike="noStrike" dirty="0">
+                <a:solidFill>
+                  <a:srgbClr val="000000"/>
+                </a:solidFill>
+                <a:effectLst/>
+                <a:latin typeface="Arial" panose="020B0604020202020204" pitchFamily="34" charset="0"/>
+              </a:rPr>
+              <a:t>'. Available from: https://www.youtube.com/watch?v=6viSSo12-PQ&amp;list=WL&amp;index=14</a:t>
+            </a:r>
+            <a:endParaRPr lang="en-GB" sz="900" b="0" dirty="0">
+              <a:effectLst/>
+            </a:endParaRPr>
+          </a:p>
+          <a:p>
+            <a:pPr rtl="0">
+              <a:spcBef>
+                <a:spcPts val="0"/>
+              </a:spcBef>
+              <a:spcAft>
+                <a:spcPts val="0"/>
+              </a:spcAft>
+            </a:pPr>
+            <a:r>
+              <a:rPr lang="en-GB" sz="900" b="0" i="0" u="none" strike="noStrike" dirty="0">
+                <a:solidFill>
+                  <a:srgbClr val="000000"/>
+                </a:solidFill>
+                <a:effectLst/>
+                <a:latin typeface="Arial" panose="020B0604020202020204" pitchFamily="34" charset="0"/>
+              </a:rPr>
+              <a:t>[Accessed 20 March 2022]</a:t>
+            </a:r>
+            <a:endParaRPr lang="en-GB" sz="900" b="0" dirty="0">
+              <a:effectLst/>
+            </a:endParaRPr>
+          </a:p>
+          <a:p>
+            <a:br>
+              <a:rPr lang="en-GB" dirty="0"/>
+            </a:br>
+            <a:endParaRPr lang="en-GB" dirty="0"/>
+          </a:p>
+        </p:txBody>
+      </p:sp>
+      <p:sp>
+        <p:nvSpPr>
+          <p:cNvPr id="16" name="TextBox 15">
+            <a:extLst>
+              <a:ext uri="{FF2B5EF4-FFF2-40B4-BE49-F238E27FC236}">
+                <a16:creationId xmlns:a16="http://schemas.microsoft.com/office/drawing/2014/main" id="{8CE2CE57-B9B2-482B-A400-5CE4E0B25C62}"/>
+              </a:ext>
+            </a:extLst>
+          </p:cNvPr>
+          <p:cNvSpPr txBox="1"/>
+          <p:nvPr/>
+        </p:nvSpPr>
+        <p:spPr>
+          <a:xfrm>
+            <a:off x="5824987" y="892032"/>
+            <a:ext cx="2551262" cy="646331"/>
+          </a:xfrm>
+          <a:prstGeom prst="rect">
+            <a:avLst/>
+          </a:prstGeom>
+          <a:noFill/>
+        </p:spPr>
+        <p:txBody>
+          <a:bodyPr wrap="square">
+            <a:spAutoFit/>
+          </a:bodyPr>
+          <a:lstStyle/>
+          <a:p>
+            <a:r>
+              <a:rPr lang="en-GB" sz="900" b="0" i="1" u="none" strike="noStrike" dirty="0">
+                <a:solidFill>
+                  <a:srgbClr val="000000"/>
+                </a:solidFill>
+                <a:effectLst/>
+                <a:latin typeface="Arial" panose="020B0604020202020204" pitchFamily="34" charset="0"/>
+              </a:rPr>
+              <a:t>Is Spotify a Monopoly? </a:t>
+            </a:r>
+            <a:r>
+              <a:rPr lang="en-GB" sz="900" b="0" i="0" u="none" strike="noStrike" dirty="0">
+                <a:solidFill>
+                  <a:srgbClr val="000000"/>
+                </a:solidFill>
+                <a:effectLst/>
+                <a:latin typeface="Arial" panose="020B0604020202020204" pitchFamily="34" charset="0"/>
+              </a:rPr>
+              <a:t>(2020), Available from: </a:t>
+            </a:r>
+            <a:r>
+              <a:rPr lang="en-GB" sz="900" b="0" i="0" u="sng" strike="noStrike" dirty="0">
+                <a:solidFill>
+                  <a:srgbClr val="1155CC"/>
+                </a:solidFill>
+                <a:effectLst/>
+                <a:latin typeface="Arial" panose="020B0604020202020204" pitchFamily="34" charset="0"/>
+                <a:hlinkClick r:id="rId3"/>
+              </a:rPr>
+              <a:t>https://economicforall.com/library/lecture/read/476171-is-spotify-a-monopoly</a:t>
+            </a:r>
+            <a:r>
+              <a:rPr lang="en-GB" sz="900" b="0" i="0" u="none" strike="noStrike" dirty="0">
+                <a:solidFill>
+                  <a:srgbClr val="000000"/>
+                </a:solidFill>
+                <a:effectLst/>
+                <a:latin typeface="Arial" panose="020B0604020202020204" pitchFamily="34" charset="0"/>
+              </a:rPr>
+              <a:t> [Accessed 1 April]</a:t>
+            </a:r>
+            <a:endParaRPr lang="en-GB" sz="900" dirty="0"/>
+          </a:p>
+        </p:txBody>
+      </p:sp>
+      <p:sp>
+        <p:nvSpPr>
+          <p:cNvPr id="17" name="TextBox 16">
+            <a:extLst>
+              <a:ext uri="{FF2B5EF4-FFF2-40B4-BE49-F238E27FC236}">
+                <a16:creationId xmlns:a16="http://schemas.microsoft.com/office/drawing/2014/main" id="{78BFFC10-A249-4FA4-8CFE-FA4B30918395}"/>
+              </a:ext>
+            </a:extLst>
+          </p:cNvPr>
+          <p:cNvSpPr txBox="1"/>
+          <p:nvPr/>
+        </p:nvSpPr>
+        <p:spPr>
+          <a:xfrm>
+            <a:off x="7100618" y="5596636"/>
+            <a:ext cx="4944622" cy="369332"/>
           </a:xfrm>
           <a:prstGeom prst="rect">
             <a:avLst/>
@@ -24352,16 +24142,51 @@
           </a:bodyPr>
           <a:lstStyle/>
           <a:p>
-            <a:pPr algn="ctr"/>
-            <a:r>
-              <a:rPr lang="en-GB" sz="1100" dirty="0"/>
-              <a:t>Graph from </a:t>
-            </a:r>
-            <a:r>
-              <a:rPr lang="en-GB" sz="1100" dirty="0" err="1"/>
-              <a:t>BusinessofApps</a:t>
-            </a:r>
-            <a:endParaRPr lang="en-GB" sz="1100" dirty="0"/>
+            <a:r>
+              <a:rPr lang="en-GB" sz="900" dirty="0"/>
+              <a:t>Curry, D. (2022) </a:t>
+            </a:r>
+            <a:r>
+              <a:rPr lang="en-GB" sz="900" i="1" dirty="0"/>
+              <a:t>Music Streaming </a:t>
+            </a:r>
+            <a:r>
+              <a:rPr lang="en-GB" sz="900" i="1" dirty="0" err="1"/>
+              <a:t>Marketshare</a:t>
+            </a:r>
+            <a:r>
+              <a:rPr lang="en-GB" sz="900" i="1" dirty="0"/>
+              <a:t>, </a:t>
+            </a:r>
+            <a:r>
+              <a:rPr lang="en-GB" sz="900" dirty="0"/>
+              <a:t>Available from: </a:t>
+            </a:r>
+            <a:r>
+              <a:rPr lang="en-GB" sz="900" b="0" i="0" u="none" strike="noStrike" dirty="0">
+                <a:solidFill>
+                  <a:srgbClr val="000000"/>
+                </a:solidFill>
+                <a:effectLst/>
+                <a:latin typeface="Arial" panose="020B0604020202020204" pitchFamily="34" charset="0"/>
+                <a:hlinkClick r:id="rId4"/>
+              </a:rPr>
+              <a:t>https://www.businessofapps.com/data/music-streaming-market/</a:t>
+            </a:r>
+            <a:r>
+              <a:rPr lang="en-GB" sz="900" b="0" i="0" u="none" strike="noStrike" dirty="0">
+                <a:solidFill>
+                  <a:srgbClr val="000000"/>
+                </a:solidFill>
+                <a:effectLst/>
+                <a:latin typeface="Arial" panose="020B0604020202020204" pitchFamily="34" charset="0"/>
+              </a:rPr>
+              <a:t> [Accessed 25 March 2022]</a:t>
+            </a:r>
+            <a:r>
+              <a:rPr lang="en-GB" sz="900" dirty="0"/>
+              <a:t> </a:t>
+            </a:r>
           </a:p>
         </p:txBody>
       </p:sp>
@@ -25170,6 +24995,14 @@
 </file>
 
 <file path=customXml/item1.xml><?xml version="1.0" encoding="utf-8"?>
+<p:properties xmlns:p="http://schemas.microsoft.com/office/2006/metadata/properties" xmlns:xsi="http://www.w3.org/2001/XMLSchema-instance" xmlns:pc="http://schemas.microsoft.com/office/infopath/2007/PartnerControls">
+  <documentManagement>
+    <MediaServiceKeyPoints xmlns="71af3243-3dd4-4a8d-8c0d-dd76da1f02a5" xsi:nil="true"/>
+  </documentManagement>
+</p:properties>
+</file>
+
+<file path=customXml/item2.xml><?xml version="1.0" encoding="utf-8"?>
 <ct:contentTypeSchema xmlns:ct="http://schemas.microsoft.com/office/2006/metadata/contentType" xmlns:ma="http://schemas.microsoft.com/office/2006/metadata/properties/metaAttributes" ct:_="" ma:_="" ma:contentTypeName="Document" ma:contentTypeID="0x01010079F111ED35F8CC479449609E8A0923A6" ma:contentTypeVersion="11" ma:contentTypeDescription="Create a new document." ma:contentTypeScope="" ma:versionID="96291512c1ee715ab617f4c07df79fc1">
   <xsd:schema xmlns:xsd="http://www.w3.org/2001/XMLSchema" xmlns:xs="http://www.w3.org/2001/XMLSchema" xmlns:p="http://schemas.microsoft.com/office/2006/metadata/properties" xmlns:ns2="71af3243-3dd4-4a8d-8c0d-dd76da1f02a5" xmlns:ns3="16c05727-aa75-4e4a-9b5f-8a80a1165891" targetNamespace="http://schemas.microsoft.com/office/2006/metadata/properties" ma:root="true" ma:fieldsID="8256c27c40ca5c40ce1cf6c44f0205df" ns2:_="" ns3:_="">
     <xsd:import namespace="71af3243-3dd4-4a8d-8c0d-dd76da1f02a5"/>
@@ -25380,14 +25213,6 @@
 </ct:contentTypeSchema>
 </file>
 
-<file path=customXml/item2.xml><?xml version="1.0" encoding="utf-8"?>
-<p:properties xmlns:p="http://schemas.microsoft.com/office/2006/metadata/properties" xmlns:xsi="http://www.w3.org/2001/XMLSchema-instance" xmlns:pc="http://schemas.microsoft.com/office/infopath/2007/PartnerControls">
-  <documentManagement>
-    <MediaServiceKeyPoints xmlns="71af3243-3dd4-4a8d-8c0d-dd76da1f02a5" xsi:nil="true"/>
-  </documentManagement>
-</p:properties>
-</file>
-
 <file path=customXml/item3.xml><?xml version="1.0" encoding="utf-8"?>
 <?mso-contentType ?>
 <FormTemplates xmlns="http://schemas.microsoft.com/sharepoint/v3/contenttype/forms">
@@ -25398,6 +25223,16 @@
 </file>
 
 <file path=customXml/itemProps1.xml><?xml version="1.0" encoding="utf-8"?>
+<ds:datastoreItem xmlns:ds="http://schemas.openxmlformats.org/officeDocument/2006/customXml" ds:itemID="{9B19B998-C0F0-415C-AF4D-F10DCCD30A25}">
+  <ds:schemaRefs>
+    <ds:schemaRef ds:uri="http://schemas.microsoft.com/office/2006/metadata/properties"/>
+    <ds:schemaRef ds:uri="http://schemas.microsoft.com/office/infopath/2007/PartnerControls"/>
+    <ds:schemaRef ds:uri="71af3243-3dd4-4a8d-8c0d-dd76da1f02a5"/>
+  </ds:schemaRefs>
+</ds:datastoreItem>
+</file>
+
+<file path=customXml/itemProps2.xml><?xml version="1.0" encoding="utf-8"?>
 <ds:datastoreItem xmlns:ds="http://schemas.openxmlformats.org/officeDocument/2006/customXml" ds:itemID="{6AD934DA-6EDB-4DB8-AE5C-9399A13698D6}">
   <ds:schemaRefs>
     <ds:schemaRef ds:uri="http://schemas.microsoft.com/office/2006/metadata/contentType"/>
@@ -25416,16 +25251,6 @@
 </ds:datastoreItem>
 </file>
 
-<file path=customXml/itemProps2.xml><?xml version="1.0" encoding="utf-8"?>
-<ds:datastoreItem xmlns:ds="http://schemas.openxmlformats.org/officeDocument/2006/customXml" ds:itemID="{9B19B998-C0F0-415C-AF4D-F10DCCD30A25}">
-  <ds:schemaRefs>
-    <ds:schemaRef ds:uri="http://schemas.microsoft.com/office/2006/metadata/properties"/>
-    <ds:schemaRef ds:uri="http://schemas.microsoft.com/office/infopath/2007/PartnerControls"/>
-    <ds:schemaRef ds:uri="71af3243-3dd4-4a8d-8c0d-dd76da1f02a5"/>
-  </ds:schemaRefs>
-</ds:datastoreItem>
-</file>
-
 <file path=customXml/itemProps3.xml><?xml version="1.0" encoding="utf-8"?>
 <ds:datastoreItem xmlns:ds="http://schemas.openxmlformats.org/officeDocument/2006/customXml" ds:itemID="{D27BEDAB-01B4-4BD0-9390-31AD9280078C}">
   <ds:schemaRefs>

--- a/Assignment 2/Jarvis x spotify.pptx
+++ b/Assignment 2/Jarvis x spotify.pptx
@@ -225,7 +225,7 @@
           <a:p>
             <a:fld id="{D1CB9CF0-A540-4793-A5F3-F4917CFDDCB6}" type="datetimeFigureOut">
               <a:rPr lang="en-US" smtClean="0"/>
-              <a:t>4/7/2022</a:t>
+              <a:t>5/5/2022</a:t>
             </a:fld>
             <a:endParaRPr lang="en-US" dirty="0"/>
           </a:p>
@@ -402,7 +402,7 @@
           <a:p>
             <a:fld id="{EDA03753-A5BE-4D79-AEA9-C0A65A6F8851}" type="datetimeFigureOut">
               <a:rPr lang="en-US" smtClean="0"/>
-              <a:t>4/7/2022</a:t>
+              <a:t>5/5/2022</a:t>
             </a:fld>
             <a:endParaRPr lang="en-US" dirty="0"/>
           </a:p>
@@ -23153,7 +23153,7 @@
         </p:blipFill>
         <p:spPr>
           <a:xfrm>
-            <a:off x="6459193" y="152400"/>
+            <a:off x="6424689" y="152400"/>
             <a:ext cx="5621971" cy="5625445"/>
           </a:xfrm>
           <a:prstGeom prst="rect">
@@ -24995,14 +24995,6 @@
 </file>
 
 <file path=customXml/item1.xml><?xml version="1.0" encoding="utf-8"?>
-<p:properties xmlns:p="http://schemas.microsoft.com/office/2006/metadata/properties" xmlns:xsi="http://www.w3.org/2001/XMLSchema-instance" xmlns:pc="http://schemas.microsoft.com/office/infopath/2007/PartnerControls">
-  <documentManagement>
-    <MediaServiceKeyPoints xmlns="71af3243-3dd4-4a8d-8c0d-dd76da1f02a5" xsi:nil="true"/>
-  </documentManagement>
-</p:properties>
-</file>
-
-<file path=customXml/item2.xml><?xml version="1.0" encoding="utf-8"?>
 <ct:contentTypeSchema xmlns:ct="http://schemas.microsoft.com/office/2006/metadata/contentType" xmlns:ma="http://schemas.microsoft.com/office/2006/metadata/properties/metaAttributes" ct:_="" ma:_="" ma:contentTypeName="Document" ma:contentTypeID="0x01010079F111ED35F8CC479449609E8A0923A6" ma:contentTypeVersion="11" ma:contentTypeDescription="Create a new document." ma:contentTypeScope="" ma:versionID="96291512c1ee715ab617f4c07df79fc1">
   <xsd:schema xmlns:xsd="http://www.w3.org/2001/XMLSchema" xmlns:xs="http://www.w3.org/2001/XMLSchema" xmlns:p="http://schemas.microsoft.com/office/2006/metadata/properties" xmlns:ns2="71af3243-3dd4-4a8d-8c0d-dd76da1f02a5" xmlns:ns3="16c05727-aa75-4e4a-9b5f-8a80a1165891" targetNamespace="http://schemas.microsoft.com/office/2006/metadata/properties" ma:root="true" ma:fieldsID="8256c27c40ca5c40ce1cf6c44f0205df" ns2:_="" ns3:_="">
     <xsd:import namespace="71af3243-3dd4-4a8d-8c0d-dd76da1f02a5"/>
@@ -25213,6 +25205,14 @@
 </ct:contentTypeSchema>
 </file>
 
+<file path=customXml/item2.xml><?xml version="1.0" encoding="utf-8"?>
+<p:properties xmlns:p="http://schemas.microsoft.com/office/2006/metadata/properties" xmlns:xsi="http://www.w3.org/2001/XMLSchema-instance" xmlns:pc="http://schemas.microsoft.com/office/infopath/2007/PartnerControls">
+  <documentManagement>
+    <MediaServiceKeyPoints xmlns="71af3243-3dd4-4a8d-8c0d-dd76da1f02a5" xsi:nil="true"/>
+  </documentManagement>
+</p:properties>
+</file>
+
 <file path=customXml/item3.xml><?xml version="1.0" encoding="utf-8"?>
 <?mso-contentType ?>
 <FormTemplates xmlns="http://schemas.microsoft.com/sharepoint/v3/contenttype/forms">
@@ -25223,16 +25223,6 @@
 </file>
 
 <file path=customXml/itemProps1.xml><?xml version="1.0" encoding="utf-8"?>
-<ds:datastoreItem xmlns:ds="http://schemas.openxmlformats.org/officeDocument/2006/customXml" ds:itemID="{9B19B998-C0F0-415C-AF4D-F10DCCD30A25}">
-  <ds:schemaRefs>
-    <ds:schemaRef ds:uri="http://schemas.microsoft.com/office/2006/metadata/properties"/>
-    <ds:schemaRef ds:uri="http://schemas.microsoft.com/office/infopath/2007/PartnerControls"/>
-    <ds:schemaRef ds:uri="71af3243-3dd4-4a8d-8c0d-dd76da1f02a5"/>
-  </ds:schemaRefs>
-</ds:datastoreItem>
-</file>
-
-<file path=customXml/itemProps2.xml><?xml version="1.0" encoding="utf-8"?>
 <ds:datastoreItem xmlns:ds="http://schemas.openxmlformats.org/officeDocument/2006/customXml" ds:itemID="{6AD934DA-6EDB-4DB8-AE5C-9399A13698D6}">
   <ds:schemaRefs>
     <ds:schemaRef ds:uri="http://schemas.microsoft.com/office/2006/metadata/contentType"/>
@@ -25251,6 +25241,16 @@
 </ds:datastoreItem>
 </file>
 
+<file path=customXml/itemProps2.xml><?xml version="1.0" encoding="utf-8"?>
+<ds:datastoreItem xmlns:ds="http://schemas.openxmlformats.org/officeDocument/2006/customXml" ds:itemID="{9B19B998-C0F0-415C-AF4D-F10DCCD30A25}">
+  <ds:schemaRefs>
+    <ds:schemaRef ds:uri="http://schemas.microsoft.com/office/2006/metadata/properties"/>
+    <ds:schemaRef ds:uri="http://schemas.microsoft.com/office/infopath/2007/PartnerControls"/>
+    <ds:schemaRef ds:uri="71af3243-3dd4-4a8d-8c0d-dd76da1f02a5"/>
+  </ds:schemaRefs>
+</ds:datastoreItem>
+</file>
+
 <file path=customXml/itemProps3.xml><?xml version="1.0" encoding="utf-8"?>
 <ds:datastoreItem xmlns:ds="http://schemas.openxmlformats.org/officeDocument/2006/customXml" ds:itemID="{D27BEDAB-01B4-4BD0-9390-31AD9280078C}">
   <ds:schemaRefs>
